--- a/2024_11_29_Faraday/faraday.pptx
+++ b/2024_11_29_Faraday/faraday.pptx
@@ -5,7 +5,7 @@
     <p:sldMasterId id="2147483660" r:id="rId1"/>
   </p:sldMasterIdLst>
   <p:notesMasterIdLst>
-    <p:notesMasterId r:id="rId13"/>
+    <p:notesMasterId r:id="rId16"/>
   </p:notesMasterIdLst>
   <p:sldIdLst>
     <p:sldId id="258" r:id="rId2"/>
@@ -19,6 +19,9 @@
     <p:sldId id="269" r:id="rId10"/>
     <p:sldId id="268" r:id="rId11"/>
     <p:sldId id="270" r:id="rId12"/>
+    <p:sldId id="271" r:id="rId13"/>
+    <p:sldId id="274" r:id="rId14"/>
+    <p:sldId id="272" r:id="rId15"/>
   </p:sldIdLst>
   <p:sldSz cx="9906000" cy="6858000" type="A4"/>
   <p:notesSz cx="6858000" cy="9144000"/>
@@ -207,7 +210,7 @@
           <a:p>
             <a:fld id="{F1A0D797-5C19-49B5-8168-2699B573819F}" type="datetimeFigureOut">
               <a:rPr kumimoji="1" lang="ja-JP" altLang="en-US" smtClean="0"/>
-              <a:t>2024/12/13</a:t>
+              <a:t>2024/12/18</a:t>
             </a:fld>
             <a:endParaRPr kumimoji="1" lang="ja-JP" altLang="en-US"/>
           </a:p>
@@ -1191,6 +1194,36 @@
 
 <file path=ppt/slideLayouts/slideLayout4.xml><?xml version="1.0" encoding="utf-8"?>
 <p:sldLayout xmlns:a="http://schemas.openxmlformats.org/drawingml/2006/main" xmlns:r="http://schemas.openxmlformats.org/officeDocument/2006/relationships" xmlns:p="http://schemas.openxmlformats.org/presentationml/2006/main" preserve="1" userDrawn="1">
+  <p:cSld name="図表">
+    <p:spTree>
+      <p:nvGrpSpPr>
+        <p:cNvPr id="1" name=""/>
+        <p:cNvGrpSpPr/>
+        <p:nvPr/>
+      </p:nvGrpSpPr>
+      <p:grpSpPr>
+        <a:xfrm>
+          <a:off x="0" y="0"/>
+          <a:ext cx="0" cy="0"/>
+          <a:chOff x="0" y="0"/>
+          <a:chExt cx="0" cy="0"/>
+        </a:xfrm>
+      </p:grpSpPr>
+    </p:spTree>
+    <p:extLst>
+      <p:ext uri="{BB962C8B-B14F-4D97-AF65-F5344CB8AC3E}">
+        <p14:creationId xmlns:p14="http://schemas.microsoft.com/office/powerpoint/2010/main" val="3765125474"/>
+      </p:ext>
+    </p:extLst>
+  </p:cSld>
+  <p:clrMapOvr>
+    <a:masterClrMapping/>
+  </p:clrMapOvr>
+</p:sldLayout>
+</file>
+
+<file path=ppt/slideLayouts/slideLayout5.xml><?xml version="1.0" encoding="utf-8"?>
+<p:sldLayout xmlns:a="http://schemas.openxmlformats.org/drawingml/2006/main" xmlns:r="http://schemas.openxmlformats.org/officeDocument/2006/relationships" xmlns:p="http://schemas.openxmlformats.org/presentationml/2006/main" preserve="1" userDrawn="1">
   <p:cSld name="ブランク">
     <p:bg>
       <p:bgPr>
@@ -1487,7 +1520,8 @@
     <p:sldLayoutId id="2147483661" r:id="rId1"/>
     <p:sldLayoutId id="2147483662" r:id="rId2"/>
     <p:sldLayoutId id="2147483664" r:id="rId3"/>
-    <p:sldLayoutId id="2147483665" r:id="rId4"/>
+    <p:sldLayoutId id="2147483666" r:id="rId4"/>
+    <p:sldLayoutId id="2147483665" r:id="rId5"/>
   </p:sldLayoutIdLst>
   <p:hf hdr="0" ftr="0" dt="0"/>
   <p:txStyles>
@@ -6467,6 +6501,7851 @@
     <p:extLst>
       <p:ext uri="{BB962C8B-B14F-4D97-AF65-F5344CB8AC3E}">
         <p14:creationId xmlns:p14="http://schemas.microsoft.com/office/powerpoint/2010/main" val="1296967213"/>
+      </p:ext>
+    </p:extLst>
+  </p:cSld>
+  <p:clrMapOvr>
+    <a:masterClrMapping/>
+  </p:clrMapOvr>
+</p:sld>
+</file>
+
+<file path=ppt/slides/slide12.xml><?xml version="1.0" encoding="utf-8"?>
+<p:sld xmlns:a="http://schemas.openxmlformats.org/drawingml/2006/main" xmlns:r="http://schemas.openxmlformats.org/officeDocument/2006/relationships" xmlns:p="http://schemas.openxmlformats.org/presentationml/2006/main">
+  <p:cSld>
+    <p:spTree>
+      <p:nvGrpSpPr>
+        <p:cNvPr id="1" name=""/>
+        <p:cNvGrpSpPr/>
+        <p:nvPr/>
+      </p:nvGrpSpPr>
+      <p:grpSpPr>
+        <a:xfrm>
+          <a:off x="0" y="0"/>
+          <a:ext cx="0" cy="0"/>
+          <a:chOff x="0" y="0"/>
+          <a:chExt cx="0" cy="0"/>
+        </a:xfrm>
+      </p:grpSpPr>
+      <p:grpSp>
+        <p:nvGrpSpPr>
+          <p:cNvPr id="107" name="グループ化 106">
+            <a:extLst>
+              <a:ext uri="{FF2B5EF4-FFF2-40B4-BE49-F238E27FC236}">
+                <a16:creationId xmlns:a16="http://schemas.microsoft.com/office/drawing/2014/main" id="{C00336D9-ACF2-AA39-90E2-42922226F8B6}"/>
+              </a:ext>
+            </a:extLst>
+          </p:cNvPr>
+          <p:cNvGrpSpPr/>
+          <p:nvPr/>
+        </p:nvGrpSpPr>
+        <p:grpSpPr>
+          <a:xfrm>
+            <a:off x="301060" y="287559"/>
+            <a:ext cx="8004275" cy="1851181"/>
+            <a:chOff x="377260" y="924160"/>
+            <a:chExt cx="8004275" cy="1851181"/>
+          </a:xfrm>
+        </p:grpSpPr>
+        <p:sp>
+          <p:nvSpPr>
+            <p:cNvPr id="55" name="正方形/長方形 54">
+              <a:extLst>
+                <a:ext uri="{FF2B5EF4-FFF2-40B4-BE49-F238E27FC236}">
+                  <a16:creationId xmlns:a16="http://schemas.microsoft.com/office/drawing/2014/main" id="{40339DBB-58F5-3B3A-1CC6-B824B6B82B91}"/>
+                </a:ext>
+              </a:extLst>
+            </p:cNvPr>
+            <p:cNvSpPr/>
+            <p:nvPr/>
+          </p:nvSpPr>
+          <p:spPr>
+            <a:xfrm>
+              <a:off x="377260" y="1669008"/>
+              <a:ext cx="1731226" cy="730817"/>
+            </a:xfrm>
+            <a:prstGeom prst="rect">
+              <a:avLst/>
+            </a:prstGeom>
+            <a:noFill/>
+            <a:ln w="28575">
+              <a:solidFill>
+                <a:schemeClr val="tx1"/>
+              </a:solidFill>
+            </a:ln>
+          </p:spPr>
+          <p:style>
+            <a:lnRef idx="2">
+              <a:schemeClr val="accent1">
+                <a:shade val="15000"/>
+              </a:schemeClr>
+            </a:lnRef>
+            <a:fillRef idx="1">
+              <a:schemeClr val="accent1"/>
+            </a:fillRef>
+            <a:effectRef idx="0">
+              <a:schemeClr val="accent1"/>
+            </a:effectRef>
+            <a:fontRef idx="minor">
+              <a:schemeClr val="lt1"/>
+            </a:fontRef>
+          </p:style>
+          <p:txBody>
+            <a:bodyPr rtlCol="0" anchor="ctr"/>
+            <a:lstStyle/>
+            <a:p>
+              <a:pPr algn="ctr"/>
+              <a:r>
+                <a:rPr kumimoji="1" lang="en-US" altLang="ja-JP" dirty="0">
+                  <a:solidFill>
+                    <a:schemeClr val="tx1"/>
+                  </a:solidFill>
+                </a:rPr>
+                <a:t>He-Ne LASER</a:t>
+              </a:r>
+              <a:endParaRPr kumimoji="1" lang="ja-JP" altLang="en-US" dirty="0">
+                <a:solidFill>
+                  <a:schemeClr val="tx1"/>
+                </a:solidFill>
+              </a:endParaRPr>
+            </a:p>
+          </p:txBody>
+        </p:sp>
+        <p:sp>
+          <p:nvSpPr>
+            <p:cNvPr id="56" name="正方形/長方形 55">
+              <a:extLst>
+                <a:ext uri="{FF2B5EF4-FFF2-40B4-BE49-F238E27FC236}">
+                  <a16:creationId xmlns:a16="http://schemas.microsoft.com/office/drawing/2014/main" id="{3FEFE7BC-822E-CF38-9F1E-BB11B9E923A7}"/>
+                </a:ext>
+              </a:extLst>
+            </p:cNvPr>
+            <p:cNvSpPr/>
+            <p:nvPr/>
+          </p:nvSpPr>
+          <p:spPr>
+            <a:xfrm>
+              <a:off x="7355580" y="1653411"/>
+              <a:ext cx="1025955" cy="730817"/>
+            </a:xfrm>
+            <a:prstGeom prst="rect">
+              <a:avLst/>
+            </a:prstGeom>
+            <a:noFill/>
+            <a:ln w="28575">
+              <a:solidFill>
+                <a:schemeClr val="tx1"/>
+              </a:solidFill>
+            </a:ln>
+          </p:spPr>
+          <p:style>
+            <a:lnRef idx="2">
+              <a:schemeClr val="accent1">
+                <a:shade val="15000"/>
+              </a:schemeClr>
+            </a:lnRef>
+            <a:fillRef idx="1">
+              <a:schemeClr val="accent1"/>
+            </a:fillRef>
+            <a:effectRef idx="0">
+              <a:schemeClr val="accent1"/>
+            </a:effectRef>
+            <a:fontRef idx="minor">
+              <a:schemeClr val="lt1"/>
+            </a:fontRef>
+          </p:style>
+          <p:txBody>
+            <a:bodyPr rtlCol="0" anchor="ctr"/>
+            <a:lstStyle/>
+            <a:p>
+              <a:pPr algn="ctr"/>
+              <a:r>
+                <a:rPr kumimoji="1" lang="en-US" altLang="ja-JP" dirty="0">
+                  <a:solidFill>
+                    <a:schemeClr val="tx1"/>
+                  </a:solidFill>
+                </a:rPr>
+                <a:t>PD</a:t>
+              </a:r>
+              <a:endParaRPr kumimoji="1" lang="ja-JP" altLang="en-US" dirty="0">
+                <a:solidFill>
+                  <a:schemeClr val="tx1"/>
+                </a:solidFill>
+              </a:endParaRPr>
+            </a:p>
+          </p:txBody>
+        </p:sp>
+        <p:cxnSp>
+          <p:nvCxnSpPr>
+            <p:cNvPr id="57" name="直線コネクタ 56">
+              <a:extLst>
+                <a:ext uri="{FF2B5EF4-FFF2-40B4-BE49-F238E27FC236}">
+                  <a16:creationId xmlns:a16="http://schemas.microsoft.com/office/drawing/2014/main" id="{E0067D31-B579-199A-7891-108074FC04AF}"/>
+                </a:ext>
+              </a:extLst>
+            </p:cNvPr>
+            <p:cNvCxnSpPr>
+              <a:cxnSpLocks/>
+              <a:stCxn id="55" idx="3"/>
+              <a:endCxn id="56" idx="1"/>
+            </p:cNvCxnSpPr>
+            <p:nvPr/>
+          </p:nvCxnSpPr>
+          <p:spPr>
+            <a:xfrm flipV="1">
+              <a:off x="2108486" y="2018820"/>
+              <a:ext cx="5247094" cy="15596"/>
+            </a:xfrm>
+            <a:prstGeom prst="line">
+              <a:avLst/>
+            </a:prstGeom>
+            <a:ln w="19050"/>
+          </p:spPr>
+          <p:style>
+            <a:lnRef idx="1">
+              <a:schemeClr val="accent3"/>
+            </a:lnRef>
+            <a:fillRef idx="0">
+              <a:schemeClr val="accent3"/>
+            </a:fillRef>
+            <a:effectRef idx="0">
+              <a:schemeClr val="accent3"/>
+            </a:effectRef>
+            <a:fontRef idx="minor">
+              <a:schemeClr val="tx1"/>
+            </a:fontRef>
+          </p:style>
+        </p:cxnSp>
+        <p:sp>
+          <p:nvSpPr>
+            <p:cNvPr id="58" name="テキスト ボックス 57">
+              <a:extLst>
+                <a:ext uri="{FF2B5EF4-FFF2-40B4-BE49-F238E27FC236}">
+                  <a16:creationId xmlns:a16="http://schemas.microsoft.com/office/drawing/2014/main" id="{2ADDA8B4-A993-5F4F-307E-08686118ED9A}"/>
+                </a:ext>
+              </a:extLst>
+            </p:cNvPr>
+            <p:cNvSpPr txBox="1"/>
+            <p:nvPr/>
+          </p:nvSpPr>
+          <p:spPr>
+            <a:xfrm>
+              <a:off x="989491" y="2382711"/>
+              <a:ext cx="1118995" cy="392630"/>
+            </a:xfrm>
+            <a:prstGeom prst="rect">
+              <a:avLst/>
+            </a:prstGeom>
+            <a:noFill/>
+          </p:spPr>
+          <p:txBody>
+            <a:bodyPr wrap="none" rtlCol="0">
+              <a:spAutoFit/>
+            </a:bodyPr>
+            <a:lstStyle/>
+            <a:p>
+              <a:r>
+                <a:rPr kumimoji="1" lang="en-US" altLang="ja-JP" sz="1400" dirty="0"/>
+                <a:t>633 nm</a:t>
+              </a:r>
+              <a:endParaRPr kumimoji="1" lang="ja-JP" altLang="en-US" sz="1400" dirty="0"/>
+            </a:p>
+          </p:txBody>
+        </p:sp>
+        <p:sp>
+          <p:nvSpPr>
+            <p:cNvPr id="106" name="テキスト ボックス 105">
+              <a:extLst>
+                <a:ext uri="{FF2B5EF4-FFF2-40B4-BE49-F238E27FC236}">
+                  <a16:creationId xmlns:a16="http://schemas.microsoft.com/office/drawing/2014/main" id="{F4E2E2CA-37E6-E4C9-BFCC-F029196A43A2}"/>
+                </a:ext>
+              </a:extLst>
+            </p:cNvPr>
+            <p:cNvSpPr txBox="1"/>
+            <p:nvPr/>
+          </p:nvSpPr>
+          <p:spPr>
+            <a:xfrm>
+              <a:off x="377260" y="924160"/>
+              <a:ext cx="530915" cy="369332"/>
+            </a:xfrm>
+            <a:prstGeom prst="rect">
+              <a:avLst/>
+            </a:prstGeom>
+            <a:noFill/>
+          </p:spPr>
+          <p:txBody>
+            <a:bodyPr wrap="none" rtlCol="0">
+              <a:spAutoFit/>
+            </a:bodyPr>
+            <a:lstStyle/>
+            <a:p>
+              <a:r>
+                <a:rPr kumimoji="1" lang="en-US" altLang="ja-JP" dirty="0"/>
+                <a:t>(a)</a:t>
+              </a:r>
+              <a:endParaRPr kumimoji="1" lang="ja-JP" altLang="en-US" dirty="0"/>
+            </a:p>
+          </p:txBody>
+        </p:sp>
+      </p:grpSp>
+      <p:cxnSp>
+        <p:nvCxnSpPr>
+          <p:cNvPr id="109" name="直線コネクタ 108">
+            <a:extLst>
+              <a:ext uri="{FF2B5EF4-FFF2-40B4-BE49-F238E27FC236}">
+                <a16:creationId xmlns:a16="http://schemas.microsoft.com/office/drawing/2014/main" id="{F7FE21D3-0AFB-C812-362E-F0985D4C02C2}"/>
+              </a:ext>
+            </a:extLst>
+          </p:cNvPr>
+          <p:cNvCxnSpPr>
+            <a:cxnSpLocks/>
+          </p:cNvCxnSpPr>
+          <p:nvPr/>
+        </p:nvCxnSpPr>
+        <p:spPr>
+          <a:xfrm>
+            <a:off x="5931049" y="2288487"/>
+            <a:ext cx="0" cy="2128956"/>
+          </a:xfrm>
+          <a:prstGeom prst="line">
+            <a:avLst/>
+          </a:prstGeom>
+          <a:ln w="12700">
+            <a:prstDash val="dash"/>
+          </a:ln>
+        </p:spPr>
+        <p:style>
+          <a:lnRef idx="1">
+            <a:schemeClr val="accent1"/>
+          </a:lnRef>
+          <a:fillRef idx="0">
+            <a:schemeClr val="accent1"/>
+          </a:fillRef>
+          <a:effectRef idx="0">
+            <a:schemeClr val="accent1"/>
+          </a:effectRef>
+          <a:fontRef idx="minor">
+            <a:schemeClr val="tx1"/>
+          </a:fontRef>
+        </p:style>
+      </p:cxnSp>
+      <p:sp>
+        <p:nvSpPr>
+          <p:cNvPr id="110" name="正方形/長方形 109">
+            <a:extLst>
+              <a:ext uri="{FF2B5EF4-FFF2-40B4-BE49-F238E27FC236}">
+                <a16:creationId xmlns:a16="http://schemas.microsoft.com/office/drawing/2014/main" id="{2FBC2E7D-BB60-99E2-BB01-CBB8A21DF713}"/>
+              </a:ext>
+            </a:extLst>
+          </p:cNvPr>
+          <p:cNvSpPr/>
+          <p:nvPr/>
+        </p:nvSpPr>
+        <p:spPr>
+          <a:xfrm>
+            <a:off x="301060" y="3080070"/>
+            <a:ext cx="1731226" cy="730817"/>
+          </a:xfrm>
+          <a:prstGeom prst="rect">
+            <a:avLst/>
+          </a:prstGeom>
+          <a:noFill/>
+          <a:ln w="28575">
+            <a:solidFill>
+              <a:schemeClr val="tx1"/>
+            </a:solidFill>
+          </a:ln>
+        </p:spPr>
+        <p:style>
+          <a:lnRef idx="2">
+            <a:schemeClr val="accent1">
+              <a:shade val="15000"/>
+            </a:schemeClr>
+          </a:lnRef>
+          <a:fillRef idx="1">
+            <a:schemeClr val="accent1"/>
+          </a:fillRef>
+          <a:effectRef idx="0">
+            <a:schemeClr val="accent1"/>
+          </a:effectRef>
+          <a:fontRef idx="minor">
+            <a:schemeClr val="lt1"/>
+          </a:fontRef>
+        </p:style>
+        <p:txBody>
+          <a:bodyPr rtlCol="0" anchor="ctr"/>
+          <a:lstStyle/>
+          <a:p>
+            <a:pPr algn="ctr"/>
+            <a:r>
+              <a:rPr kumimoji="1" lang="en-US" altLang="ja-JP" dirty="0">
+                <a:solidFill>
+                  <a:schemeClr val="tx1"/>
+                </a:solidFill>
+              </a:rPr>
+              <a:t>He-Ne LASER</a:t>
+            </a:r>
+            <a:endParaRPr kumimoji="1" lang="ja-JP" altLang="en-US" dirty="0">
+              <a:solidFill>
+                <a:schemeClr val="tx1"/>
+              </a:solidFill>
+            </a:endParaRPr>
+          </a:p>
+        </p:txBody>
+      </p:sp>
+      <p:sp>
+        <p:nvSpPr>
+          <p:cNvPr id="111" name="正方形/長方形 110">
+            <a:extLst>
+              <a:ext uri="{FF2B5EF4-FFF2-40B4-BE49-F238E27FC236}">
+                <a16:creationId xmlns:a16="http://schemas.microsoft.com/office/drawing/2014/main" id="{CA2BC3DA-31A0-C16D-29D5-34FFA8A44A59}"/>
+              </a:ext>
+            </a:extLst>
+          </p:cNvPr>
+          <p:cNvSpPr/>
+          <p:nvPr/>
+        </p:nvSpPr>
+        <p:spPr>
+          <a:xfrm>
+            <a:off x="7279380" y="3064473"/>
+            <a:ext cx="1025955" cy="730817"/>
+          </a:xfrm>
+          <a:prstGeom prst="rect">
+            <a:avLst/>
+          </a:prstGeom>
+          <a:noFill/>
+          <a:ln w="28575">
+            <a:solidFill>
+              <a:schemeClr val="tx1"/>
+            </a:solidFill>
+          </a:ln>
+        </p:spPr>
+        <p:style>
+          <a:lnRef idx="2">
+            <a:schemeClr val="accent1">
+              <a:shade val="15000"/>
+            </a:schemeClr>
+          </a:lnRef>
+          <a:fillRef idx="1">
+            <a:schemeClr val="accent1"/>
+          </a:fillRef>
+          <a:effectRef idx="0">
+            <a:schemeClr val="accent1"/>
+          </a:effectRef>
+          <a:fontRef idx="minor">
+            <a:schemeClr val="lt1"/>
+          </a:fontRef>
+        </p:style>
+        <p:txBody>
+          <a:bodyPr rtlCol="0" anchor="ctr"/>
+          <a:lstStyle/>
+          <a:p>
+            <a:pPr algn="ctr"/>
+            <a:r>
+              <a:rPr kumimoji="1" lang="en-US" altLang="ja-JP" dirty="0">
+                <a:solidFill>
+                  <a:schemeClr val="tx1"/>
+                </a:solidFill>
+              </a:rPr>
+              <a:t>PD</a:t>
+            </a:r>
+            <a:endParaRPr kumimoji="1" lang="ja-JP" altLang="en-US" dirty="0">
+              <a:solidFill>
+                <a:schemeClr val="tx1"/>
+              </a:solidFill>
+            </a:endParaRPr>
+          </a:p>
+        </p:txBody>
+      </p:sp>
+      <p:cxnSp>
+        <p:nvCxnSpPr>
+          <p:cNvPr id="112" name="直線コネクタ 111">
+            <a:extLst>
+              <a:ext uri="{FF2B5EF4-FFF2-40B4-BE49-F238E27FC236}">
+                <a16:creationId xmlns:a16="http://schemas.microsoft.com/office/drawing/2014/main" id="{6F739F5B-EDB1-CE60-2F76-2B597A72FC3B}"/>
+              </a:ext>
+            </a:extLst>
+          </p:cNvPr>
+          <p:cNvCxnSpPr>
+            <a:cxnSpLocks/>
+            <a:stCxn id="110" idx="3"/>
+            <a:endCxn id="111" idx="1"/>
+          </p:cNvCxnSpPr>
+          <p:nvPr/>
+        </p:nvCxnSpPr>
+        <p:spPr>
+          <a:xfrm flipV="1">
+            <a:off x="2032286" y="3429882"/>
+            <a:ext cx="5247094" cy="15596"/>
+          </a:xfrm>
+          <a:prstGeom prst="line">
+            <a:avLst/>
+          </a:prstGeom>
+          <a:ln w="19050"/>
+        </p:spPr>
+        <p:style>
+          <a:lnRef idx="1">
+            <a:schemeClr val="accent3"/>
+          </a:lnRef>
+          <a:fillRef idx="0">
+            <a:schemeClr val="accent3"/>
+          </a:fillRef>
+          <a:effectRef idx="0">
+            <a:schemeClr val="accent3"/>
+          </a:effectRef>
+          <a:fontRef idx="minor">
+            <a:schemeClr val="tx1"/>
+          </a:fontRef>
+        </p:style>
+      </p:cxnSp>
+      <p:sp>
+        <p:nvSpPr>
+          <p:cNvPr id="113" name="テキスト ボックス 112">
+            <a:extLst>
+              <a:ext uri="{FF2B5EF4-FFF2-40B4-BE49-F238E27FC236}">
+                <a16:creationId xmlns:a16="http://schemas.microsoft.com/office/drawing/2014/main" id="{9BC5D63E-1DA7-F631-79D7-FE1272A666A6}"/>
+              </a:ext>
+            </a:extLst>
+          </p:cNvPr>
+          <p:cNvSpPr txBox="1"/>
+          <p:nvPr/>
+        </p:nvSpPr>
+        <p:spPr>
+          <a:xfrm>
+            <a:off x="913291" y="3793773"/>
+            <a:ext cx="1118995" cy="392630"/>
+          </a:xfrm>
+          <a:prstGeom prst="rect">
+            <a:avLst/>
+          </a:prstGeom>
+          <a:noFill/>
+        </p:spPr>
+        <p:txBody>
+          <a:bodyPr wrap="none" rtlCol="0">
+            <a:spAutoFit/>
+          </a:bodyPr>
+          <a:lstStyle/>
+          <a:p>
+            <a:r>
+              <a:rPr kumimoji="1" lang="en-US" altLang="ja-JP" sz="1400" dirty="0"/>
+              <a:t>633 nm</a:t>
+            </a:r>
+            <a:endParaRPr kumimoji="1" lang="ja-JP" altLang="en-US" sz="1400" dirty="0"/>
+          </a:p>
+        </p:txBody>
+      </p:sp>
+      <p:sp>
+        <p:nvSpPr>
+          <p:cNvPr id="115" name="円弧 114">
+            <a:extLst>
+              <a:ext uri="{FF2B5EF4-FFF2-40B4-BE49-F238E27FC236}">
+                <a16:creationId xmlns:a16="http://schemas.microsoft.com/office/drawing/2014/main" id="{78BD2CB3-BABD-6C43-7F61-F4EBC83080E5}"/>
+              </a:ext>
+            </a:extLst>
+          </p:cNvPr>
+          <p:cNvSpPr/>
+          <p:nvPr/>
+        </p:nvSpPr>
+        <p:spPr>
+          <a:xfrm>
+            <a:off x="4883234" y="2544445"/>
+            <a:ext cx="2079524" cy="1721962"/>
+          </a:xfrm>
+          <a:prstGeom prst="arc">
+            <a:avLst>
+              <a:gd name="adj1" fmla="val 16200000"/>
+              <a:gd name="adj2" fmla="val 18149082"/>
+            </a:avLst>
+          </a:prstGeom>
+        </p:spPr>
+        <p:style>
+          <a:lnRef idx="1">
+            <a:schemeClr val="accent1"/>
+          </a:lnRef>
+          <a:fillRef idx="0">
+            <a:schemeClr val="accent1"/>
+          </a:fillRef>
+          <a:effectRef idx="0">
+            <a:schemeClr val="accent1"/>
+          </a:effectRef>
+          <a:fontRef idx="minor">
+            <a:schemeClr val="tx1"/>
+          </a:fontRef>
+        </p:style>
+        <p:txBody>
+          <a:bodyPr rtlCol="0" anchor="ctr"/>
+          <a:lstStyle/>
+          <a:p>
+            <a:pPr algn="ctr"/>
+            <a:endParaRPr kumimoji="1" lang="ja-JP" altLang="en-US"/>
+          </a:p>
+        </p:txBody>
+      </p:sp>
+      <p:cxnSp>
+        <p:nvCxnSpPr>
+          <p:cNvPr id="116" name="直線コネクタ 115">
+            <a:extLst>
+              <a:ext uri="{FF2B5EF4-FFF2-40B4-BE49-F238E27FC236}">
+                <a16:creationId xmlns:a16="http://schemas.microsoft.com/office/drawing/2014/main" id="{274A1F50-FDBC-6B2E-83B5-8DD6A9376E04}"/>
+              </a:ext>
+            </a:extLst>
+          </p:cNvPr>
+          <p:cNvCxnSpPr>
+            <a:cxnSpLocks/>
+          </p:cNvCxnSpPr>
+          <p:nvPr/>
+        </p:nvCxnSpPr>
+        <p:spPr>
+          <a:xfrm rot="1800000">
+            <a:off x="6212231" y="2423533"/>
+            <a:ext cx="0" cy="1080000"/>
+          </a:xfrm>
+          <a:prstGeom prst="line">
+            <a:avLst/>
+          </a:prstGeom>
+          <a:ln w="12700">
+            <a:prstDash val="dash"/>
+          </a:ln>
+        </p:spPr>
+        <p:style>
+          <a:lnRef idx="1">
+            <a:schemeClr val="accent1"/>
+          </a:lnRef>
+          <a:fillRef idx="0">
+            <a:schemeClr val="accent1"/>
+          </a:fillRef>
+          <a:effectRef idx="0">
+            <a:schemeClr val="accent1"/>
+          </a:effectRef>
+          <a:fontRef idx="minor">
+            <a:schemeClr val="tx1"/>
+          </a:fontRef>
+        </p:style>
+      </p:cxnSp>
+      <mc:AlternateContent xmlns:mc="http://schemas.openxmlformats.org/markup-compatibility/2006" xmlns:a14="http://schemas.microsoft.com/office/drawing/2010/main">
+        <mc:Choice Requires="a14">
+          <p:sp>
+            <p:nvSpPr>
+              <p:cNvPr id="117" name="テキスト ボックス 116">
+                <a:extLst>
+                  <a:ext uri="{FF2B5EF4-FFF2-40B4-BE49-F238E27FC236}">
+                    <a16:creationId xmlns:a16="http://schemas.microsoft.com/office/drawing/2014/main" id="{14195DE3-66A3-B12D-8862-7D066A1AA6EB}"/>
+                  </a:ext>
+                </a:extLst>
+              </p:cNvPr>
+              <p:cNvSpPr txBox="1"/>
+              <p:nvPr/>
+            </p:nvSpPr>
+            <p:spPr>
+              <a:xfrm>
+                <a:off x="6010734" y="2168786"/>
+                <a:ext cx="402995" cy="369332"/>
+              </a:xfrm>
+              <a:prstGeom prst="rect">
+                <a:avLst/>
+              </a:prstGeom>
+              <a:noFill/>
+            </p:spPr>
+            <p:txBody>
+              <a:bodyPr wrap="none" rtlCol="0">
+                <a:spAutoFit/>
+              </a:bodyPr>
+              <a:lstStyle/>
+              <a:p>
+                <a:pPr/>
+                <a14:m>
+                  <m:oMathPara xmlns:m="http://schemas.openxmlformats.org/officeDocument/2006/math">
+                    <m:oMathParaPr>
+                      <m:jc m:val="centerGroup"/>
+                    </m:oMathParaPr>
+                    <m:oMath xmlns:m="http://schemas.openxmlformats.org/officeDocument/2006/math">
+                      <m:r>
+                        <a:rPr kumimoji="1" lang="en-US" altLang="ja-JP" b="0" i="1" dirty="0" smtClean="0">
+                          <a:latin typeface="Cambria Math" panose="02040503050406030204" pitchFamily="18" charset="0"/>
+                        </a:rPr>
+                        <m:t>𝜃</m:t>
+                      </m:r>
+                    </m:oMath>
+                  </m:oMathPara>
+                </a14:m>
+                <a:endParaRPr kumimoji="1" lang="ja-JP" altLang="en-US" dirty="0"/>
+              </a:p>
+            </p:txBody>
+          </p:sp>
+        </mc:Choice>
+        <mc:Fallback xmlns="">
+          <p:sp>
+            <p:nvSpPr>
+              <p:cNvPr id="117" name="テキスト ボックス 116">
+                <a:extLst>
+                  <a:ext uri="{FF2B5EF4-FFF2-40B4-BE49-F238E27FC236}">
+                    <a16:creationId xmlns:a16="http://schemas.microsoft.com/office/drawing/2014/main" id="{14195DE3-66A3-B12D-8862-7D066A1AA6EB}"/>
+                  </a:ext>
+                </a:extLst>
+              </p:cNvPr>
+              <p:cNvSpPr txBox="1">
+                <a:spLocks noRot="1" noChangeAspect="1" noMove="1" noResize="1" noEditPoints="1" noAdjustHandles="1" noChangeArrowheads="1" noChangeShapeType="1" noTextEdit="1"/>
+              </p:cNvSpPr>
+              <p:nvPr/>
+            </p:nvSpPr>
+            <p:spPr>
+              <a:xfrm>
+                <a:off x="6010734" y="2168786"/>
+                <a:ext cx="402995" cy="369332"/>
+              </a:xfrm>
+              <a:prstGeom prst="rect">
+                <a:avLst/>
+              </a:prstGeom>
+              <a:blipFill>
+                <a:blip r:embed="rId4"/>
+                <a:stretch>
+                  <a:fillRect/>
+                </a:stretch>
+              </a:blipFill>
+            </p:spPr>
+            <p:txBody>
+              <a:bodyPr/>
+              <a:lstStyle/>
+              <a:p>
+                <a:r>
+                  <a:rPr lang="ja-JP" altLang="en-US">
+                    <a:noFill/>
+                  </a:rPr>
+                  <a:t> </a:t>
+                </a:r>
+              </a:p>
+            </p:txBody>
+          </p:sp>
+        </mc:Fallback>
+      </mc:AlternateContent>
+      <mc:AlternateContent xmlns:mc="http://schemas.openxmlformats.org/markup-compatibility/2006" xmlns:a14="http://schemas.microsoft.com/office/drawing/2010/main">
+        <mc:Choice Requires="a14">
+          <p:sp>
+            <p:nvSpPr>
+              <p:cNvPr id="118" name="テキスト ボックス 117">
+                <a:extLst>
+                  <a:ext uri="{FF2B5EF4-FFF2-40B4-BE49-F238E27FC236}">
+                    <a16:creationId xmlns:a16="http://schemas.microsoft.com/office/drawing/2014/main" id="{CDFBF8A2-B9B2-E535-C51E-566FBC41A547}"/>
+                  </a:ext>
+                </a:extLst>
+              </p:cNvPr>
+              <p:cNvSpPr txBox="1"/>
+              <p:nvPr/>
+            </p:nvSpPr>
+            <p:spPr>
+              <a:xfrm>
+                <a:off x="7461124" y="2578406"/>
+                <a:ext cx="690830" cy="369332"/>
+              </a:xfrm>
+              <a:prstGeom prst="rect">
+                <a:avLst/>
+              </a:prstGeom>
+              <a:noFill/>
+            </p:spPr>
+            <p:txBody>
+              <a:bodyPr wrap="none" rtlCol="0">
+                <a:spAutoFit/>
+              </a:bodyPr>
+              <a:lstStyle/>
+              <a:p>
+                <a:pPr/>
+                <a14:m>
+                  <m:oMathPara xmlns:m="http://schemas.openxmlformats.org/officeDocument/2006/math">
+                    <m:oMathParaPr>
+                      <m:jc m:val="centerGroup"/>
+                    </m:oMathParaPr>
+                    <m:oMath xmlns:m="http://schemas.openxmlformats.org/officeDocument/2006/math">
+                      <m:r>
+                        <a:rPr kumimoji="1" lang="en-US" altLang="ja-JP" b="0" i="1" dirty="0" smtClean="0">
+                          <a:latin typeface="Cambria Math" panose="02040503050406030204" pitchFamily="18" charset="0"/>
+                        </a:rPr>
+                        <m:t>𝐼</m:t>
+                      </m:r>
+                      <m:r>
+                        <a:rPr kumimoji="1" lang="en-US" altLang="ja-JP" b="0" i="1" dirty="0" smtClean="0">
+                          <a:latin typeface="Cambria Math" panose="02040503050406030204" pitchFamily="18" charset="0"/>
+                        </a:rPr>
+                        <m:t>(</m:t>
+                      </m:r>
+                      <m:r>
+                        <a:rPr kumimoji="1" lang="en-US" altLang="ja-JP" b="0" i="1" dirty="0" smtClean="0">
+                          <a:latin typeface="Cambria Math" panose="02040503050406030204" pitchFamily="18" charset="0"/>
+                        </a:rPr>
+                        <m:t>𝜃</m:t>
+                      </m:r>
+                      <m:r>
+                        <a:rPr kumimoji="1" lang="en-US" altLang="ja-JP" b="0" i="1" dirty="0" smtClean="0">
+                          <a:latin typeface="Cambria Math" panose="02040503050406030204" pitchFamily="18" charset="0"/>
+                        </a:rPr>
+                        <m:t>)</m:t>
+                      </m:r>
+                    </m:oMath>
+                  </m:oMathPara>
+                </a14:m>
+                <a:endParaRPr kumimoji="1" lang="ja-JP" altLang="en-US" dirty="0"/>
+              </a:p>
+            </p:txBody>
+          </p:sp>
+        </mc:Choice>
+        <mc:Fallback xmlns="">
+          <p:sp>
+            <p:nvSpPr>
+              <p:cNvPr id="118" name="テキスト ボックス 117">
+                <a:extLst>
+                  <a:ext uri="{FF2B5EF4-FFF2-40B4-BE49-F238E27FC236}">
+                    <a16:creationId xmlns:a16="http://schemas.microsoft.com/office/drawing/2014/main" id="{CDFBF8A2-B9B2-E535-C51E-566FBC41A547}"/>
+                  </a:ext>
+                </a:extLst>
+              </p:cNvPr>
+              <p:cNvSpPr txBox="1">
+                <a:spLocks noRot="1" noChangeAspect="1" noMove="1" noResize="1" noEditPoints="1" noAdjustHandles="1" noChangeArrowheads="1" noChangeShapeType="1" noTextEdit="1"/>
+              </p:cNvSpPr>
+              <p:nvPr/>
+            </p:nvSpPr>
+            <p:spPr>
+              <a:xfrm>
+                <a:off x="7461124" y="2578406"/>
+                <a:ext cx="690830" cy="369332"/>
+              </a:xfrm>
+              <a:prstGeom prst="rect">
+                <a:avLst/>
+              </a:prstGeom>
+              <a:blipFill>
+                <a:blip r:embed="rId5"/>
+                <a:stretch>
+                  <a:fillRect b="-14754"/>
+                </a:stretch>
+              </a:blipFill>
+            </p:spPr>
+            <p:txBody>
+              <a:bodyPr/>
+              <a:lstStyle/>
+              <a:p>
+                <a:r>
+                  <a:rPr lang="ja-JP" altLang="en-US">
+                    <a:noFill/>
+                  </a:rPr>
+                  <a:t> </a:t>
+                </a:r>
+              </a:p>
+            </p:txBody>
+          </p:sp>
+        </mc:Fallback>
+      </mc:AlternateContent>
+      <p:grpSp>
+        <p:nvGrpSpPr>
+          <p:cNvPr id="120" name="グループ化 119">
+            <a:extLst>
+              <a:ext uri="{FF2B5EF4-FFF2-40B4-BE49-F238E27FC236}">
+                <a16:creationId xmlns:a16="http://schemas.microsoft.com/office/drawing/2014/main" id="{2850288A-EA0E-775A-88CF-02453AE2FA2C}"/>
+              </a:ext>
+            </a:extLst>
+          </p:cNvPr>
+          <p:cNvGrpSpPr/>
+          <p:nvPr/>
+        </p:nvGrpSpPr>
+        <p:grpSpPr>
+          <a:xfrm rot="1800000">
+            <a:off x="5646417" y="2862229"/>
+            <a:ext cx="576221" cy="1166497"/>
+            <a:chOff x="6376067" y="4122443"/>
+            <a:chExt cx="576221" cy="1166497"/>
+          </a:xfrm>
+        </p:grpSpPr>
+        <p:sp>
+          <p:nvSpPr>
+            <p:cNvPr id="128" name="楕円 127">
+              <a:extLst>
+                <a:ext uri="{FF2B5EF4-FFF2-40B4-BE49-F238E27FC236}">
+                  <a16:creationId xmlns:a16="http://schemas.microsoft.com/office/drawing/2014/main" id="{8D4CA3A7-2BB8-E795-0161-981E64E84302}"/>
+                </a:ext>
+              </a:extLst>
+            </p:cNvPr>
+            <p:cNvSpPr/>
+            <p:nvPr/>
+          </p:nvSpPr>
+          <p:spPr>
+            <a:xfrm>
+              <a:off x="6376067" y="4122443"/>
+              <a:ext cx="576221" cy="1166497"/>
+            </a:xfrm>
+            <a:prstGeom prst="ellipse">
+              <a:avLst/>
+            </a:prstGeom>
+            <a:noFill/>
+          </p:spPr>
+          <p:style>
+            <a:lnRef idx="2">
+              <a:schemeClr val="accent1">
+                <a:shade val="15000"/>
+              </a:schemeClr>
+            </a:lnRef>
+            <a:fillRef idx="1">
+              <a:schemeClr val="accent1"/>
+            </a:fillRef>
+            <a:effectRef idx="0">
+              <a:schemeClr val="accent1"/>
+            </a:effectRef>
+            <a:fontRef idx="minor">
+              <a:schemeClr val="lt1"/>
+            </a:fontRef>
+          </p:style>
+          <p:txBody>
+            <a:bodyPr rtlCol="0" anchor="ctr"/>
+            <a:lstStyle/>
+            <a:p>
+              <a:pPr algn="ctr"/>
+              <a:endParaRPr kumimoji="1" lang="ja-JP" altLang="en-US"/>
+            </a:p>
+          </p:txBody>
+        </p:sp>
+        <p:cxnSp>
+          <p:nvCxnSpPr>
+            <p:cNvPr id="129" name="直線コネクタ 128">
+              <a:extLst>
+                <a:ext uri="{FF2B5EF4-FFF2-40B4-BE49-F238E27FC236}">
+                  <a16:creationId xmlns:a16="http://schemas.microsoft.com/office/drawing/2014/main" id="{3F2718B2-E7A9-9017-F69A-955EFCBF7B29}"/>
+                </a:ext>
+              </a:extLst>
+            </p:cNvPr>
+            <p:cNvCxnSpPr>
+              <a:stCxn id="128" idx="1"/>
+              <a:endCxn id="128" idx="3"/>
+            </p:cNvCxnSpPr>
+            <p:nvPr/>
+          </p:nvCxnSpPr>
+          <p:spPr>
+            <a:xfrm>
+              <a:off x="6460448" y="4293273"/>
+              <a:ext cx="0" cy="824837"/>
+            </a:xfrm>
+            <a:prstGeom prst="line">
+              <a:avLst/>
+            </a:prstGeom>
+            <a:ln w="19050"/>
+          </p:spPr>
+          <p:style>
+            <a:lnRef idx="1">
+              <a:schemeClr val="accent1"/>
+            </a:lnRef>
+            <a:fillRef idx="0">
+              <a:schemeClr val="accent1"/>
+            </a:fillRef>
+            <a:effectRef idx="0">
+              <a:schemeClr val="accent1"/>
+            </a:effectRef>
+            <a:fontRef idx="minor">
+              <a:schemeClr val="tx1"/>
+            </a:fontRef>
+          </p:style>
+        </p:cxnSp>
+        <p:cxnSp>
+          <p:nvCxnSpPr>
+            <p:cNvPr id="130" name="直線コネクタ 129">
+              <a:extLst>
+                <a:ext uri="{FF2B5EF4-FFF2-40B4-BE49-F238E27FC236}">
+                  <a16:creationId xmlns:a16="http://schemas.microsoft.com/office/drawing/2014/main" id="{A2876E04-E16D-DF86-A82D-A52FB8FFFA78}"/>
+                </a:ext>
+              </a:extLst>
+            </p:cNvPr>
+            <p:cNvCxnSpPr>
+              <a:stCxn id="128" idx="0"/>
+              <a:endCxn id="128" idx="4"/>
+            </p:cNvCxnSpPr>
+            <p:nvPr/>
+          </p:nvCxnSpPr>
+          <p:spPr>
+            <a:xfrm>
+              <a:off x="6664173" y="4122443"/>
+              <a:ext cx="0" cy="1166497"/>
+            </a:xfrm>
+            <a:prstGeom prst="line">
+              <a:avLst/>
+            </a:prstGeom>
+            <a:ln w="19050"/>
+          </p:spPr>
+          <p:style>
+            <a:lnRef idx="1">
+              <a:schemeClr val="accent1"/>
+            </a:lnRef>
+            <a:fillRef idx="0">
+              <a:schemeClr val="accent1"/>
+            </a:fillRef>
+            <a:effectRef idx="0">
+              <a:schemeClr val="accent1"/>
+            </a:effectRef>
+            <a:fontRef idx="minor">
+              <a:schemeClr val="tx1"/>
+            </a:fontRef>
+          </p:style>
+        </p:cxnSp>
+        <p:cxnSp>
+          <p:nvCxnSpPr>
+            <p:cNvPr id="131" name="直線コネクタ 130">
+              <a:extLst>
+                <a:ext uri="{FF2B5EF4-FFF2-40B4-BE49-F238E27FC236}">
+                  <a16:creationId xmlns:a16="http://schemas.microsoft.com/office/drawing/2014/main" id="{25A2CAD8-9183-F007-DE92-CD633C71417B}"/>
+                </a:ext>
+              </a:extLst>
+            </p:cNvPr>
+            <p:cNvCxnSpPr>
+              <a:stCxn id="128" idx="7"/>
+              <a:endCxn id="128" idx="5"/>
+            </p:cNvCxnSpPr>
+            <p:nvPr/>
+          </p:nvCxnSpPr>
+          <p:spPr>
+            <a:xfrm>
+              <a:off x="6867897" y="4293273"/>
+              <a:ext cx="0" cy="824837"/>
+            </a:xfrm>
+            <a:prstGeom prst="line">
+              <a:avLst/>
+            </a:prstGeom>
+            <a:ln w="19050"/>
+          </p:spPr>
+          <p:style>
+            <a:lnRef idx="1">
+              <a:schemeClr val="accent1"/>
+            </a:lnRef>
+            <a:fillRef idx="0">
+              <a:schemeClr val="accent1"/>
+            </a:fillRef>
+            <a:effectRef idx="0">
+              <a:schemeClr val="accent1"/>
+            </a:effectRef>
+            <a:fontRef idx="minor">
+              <a:schemeClr val="tx1"/>
+            </a:fontRef>
+          </p:style>
+        </p:cxnSp>
+        <p:cxnSp>
+          <p:nvCxnSpPr>
+            <p:cNvPr id="132" name="直線コネクタ 131">
+              <a:extLst>
+                <a:ext uri="{FF2B5EF4-FFF2-40B4-BE49-F238E27FC236}">
+                  <a16:creationId xmlns:a16="http://schemas.microsoft.com/office/drawing/2014/main" id="{95325BB5-5FCE-118D-E073-060D4E0B575A}"/>
+                </a:ext>
+              </a:extLst>
+            </p:cNvPr>
+            <p:cNvCxnSpPr>
+              <a:cxnSpLocks/>
+            </p:cNvCxnSpPr>
+            <p:nvPr/>
+          </p:nvCxnSpPr>
+          <p:spPr>
+            <a:xfrm>
+              <a:off x="6764614" y="4165687"/>
+              <a:ext cx="0" cy="1102202"/>
+            </a:xfrm>
+            <a:prstGeom prst="line">
+              <a:avLst/>
+            </a:prstGeom>
+            <a:ln w="19050"/>
+          </p:spPr>
+          <p:style>
+            <a:lnRef idx="1">
+              <a:schemeClr val="accent1"/>
+            </a:lnRef>
+            <a:fillRef idx="0">
+              <a:schemeClr val="accent1"/>
+            </a:fillRef>
+            <a:effectRef idx="0">
+              <a:schemeClr val="accent1"/>
+            </a:effectRef>
+            <a:fontRef idx="minor">
+              <a:schemeClr val="tx1"/>
+            </a:fontRef>
+          </p:style>
+        </p:cxnSp>
+        <p:cxnSp>
+          <p:nvCxnSpPr>
+            <p:cNvPr id="133" name="直線コネクタ 132">
+              <a:extLst>
+                <a:ext uri="{FF2B5EF4-FFF2-40B4-BE49-F238E27FC236}">
+                  <a16:creationId xmlns:a16="http://schemas.microsoft.com/office/drawing/2014/main" id="{365B560F-0275-8520-3CCD-4035FA125BA9}"/>
+                </a:ext>
+              </a:extLst>
+            </p:cNvPr>
+            <p:cNvCxnSpPr>
+              <a:cxnSpLocks/>
+            </p:cNvCxnSpPr>
+            <p:nvPr/>
+          </p:nvCxnSpPr>
+          <p:spPr>
+            <a:xfrm>
+              <a:off x="6570199" y="4165688"/>
+              <a:ext cx="0" cy="1102202"/>
+            </a:xfrm>
+            <a:prstGeom prst="line">
+              <a:avLst/>
+            </a:prstGeom>
+            <a:ln w="19050"/>
+          </p:spPr>
+          <p:style>
+            <a:lnRef idx="1">
+              <a:schemeClr val="accent1"/>
+            </a:lnRef>
+            <a:fillRef idx="0">
+              <a:schemeClr val="accent1"/>
+            </a:fillRef>
+            <a:effectRef idx="0">
+              <a:schemeClr val="accent1"/>
+            </a:effectRef>
+            <a:fontRef idx="minor">
+              <a:schemeClr val="tx1"/>
+            </a:fontRef>
+          </p:style>
+        </p:cxnSp>
+      </p:grpSp>
+      <p:sp>
+        <p:nvSpPr>
+          <p:cNvPr id="134" name="テキスト ボックス 133">
+            <a:extLst>
+              <a:ext uri="{FF2B5EF4-FFF2-40B4-BE49-F238E27FC236}">
+                <a16:creationId xmlns:a16="http://schemas.microsoft.com/office/drawing/2014/main" id="{BA29BA7C-4E9E-2266-96C3-BBA30877D66C}"/>
+              </a:ext>
+            </a:extLst>
+          </p:cNvPr>
+          <p:cNvSpPr txBox="1"/>
+          <p:nvPr/>
+        </p:nvSpPr>
+        <p:spPr>
+          <a:xfrm>
+            <a:off x="265183" y="2353452"/>
+            <a:ext cx="537327" cy="369332"/>
+          </a:xfrm>
+          <a:prstGeom prst="rect">
+            <a:avLst/>
+          </a:prstGeom>
+          <a:noFill/>
+        </p:spPr>
+        <p:txBody>
+          <a:bodyPr wrap="none" rtlCol="0">
+            <a:spAutoFit/>
+          </a:bodyPr>
+          <a:lstStyle/>
+          <a:p>
+            <a:r>
+              <a:rPr kumimoji="1" lang="en-US" altLang="ja-JP" dirty="0"/>
+              <a:t>(b)</a:t>
+            </a:r>
+            <a:endParaRPr kumimoji="1" lang="ja-JP" altLang="en-US" dirty="0"/>
+          </a:p>
+        </p:txBody>
+      </p:sp>
+      <p:grpSp>
+        <p:nvGrpSpPr>
+          <p:cNvPr id="4" name="グループ化 3">
+            <a:extLst>
+              <a:ext uri="{FF2B5EF4-FFF2-40B4-BE49-F238E27FC236}">
+                <a16:creationId xmlns:a16="http://schemas.microsoft.com/office/drawing/2014/main" id="{05CA58A5-C7FD-55BD-2D5A-3E63C9C4AC4C}"/>
+              </a:ext>
+            </a:extLst>
+          </p:cNvPr>
+          <p:cNvGrpSpPr/>
+          <p:nvPr/>
+        </p:nvGrpSpPr>
+        <p:grpSpPr>
+          <a:xfrm>
+            <a:off x="260869" y="4143760"/>
+            <a:ext cx="8052304" cy="2248657"/>
+            <a:chOff x="260869" y="4143760"/>
+            <a:chExt cx="8052304" cy="2248657"/>
+          </a:xfrm>
+        </p:grpSpPr>
+        <p:sp>
+          <p:nvSpPr>
+            <p:cNvPr id="44" name="正方形/長方形 43">
+              <a:extLst>
+                <a:ext uri="{FF2B5EF4-FFF2-40B4-BE49-F238E27FC236}">
+                  <a16:creationId xmlns:a16="http://schemas.microsoft.com/office/drawing/2014/main" id="{2DFB96F5-25D4-3A9E-0E5D-5E0BDCF6FB41}"/>
+                </a:ext>
+              </a:extLst>
+            </p:cNvPr>
+            <p:cNvSpPr/>
+            <p:nvPr/>
+          </p:nvSpPr>
+          <p:spPr>
+            <a:xfrm>
+              <a:off x="4579978" y="4954451"/>
+              <a:ext cx="340658" cy="914400"/>
+            </a:xfrm>
+            <a:prstGeom prst="rect">
+              <a:avLst/>
+            </a:prstGeom>
+          </p:spPr>
+          <p:style>
+            <a:lnRef idx="2">
+              <a:schemeClr val="accent5">
+                <a:shade val="15000"/>
+              </a:schemeClr>
+            </a:lnRef>
+            <a:fillRef idx="1">
+              <a:schemeClr val="accent5"/>
+            </a:fillRef>
+            <a:effectRef idx="0">
+              <a:schemeClr val="accent5"/>
+            </a:effectRef>
+            <a:fontRef idx="minor">
+              <a:schemeClr val="lt1"/>
+            </a:fontRef>
+          </p:style>
+          <p:txBody>
+            <a:bodyPr rtlCol="0" anchor="ctr"/>
+            <a:lstStyle/>
+            <a:p>
+              <a:pPr algn="ctr"/>
+              <a:endParaRPr kumimoji="1" lang="ja-JP" altLang="en-US"/>
+            </a:p>
+          </p:txBody>
+        </p:sp>
+        <p:cxnSp>
+          <p:nvCxnSpPr>
+            <p:cNvPr id="5" name="直線コネクタ 4">
+              <a:extLst>
+                <a:ext uri="{FF2B5EF4-FFF2-40B4-BE49-F238E27FC236}">
+                  <a16:creationId xmlns:a16="http://schemas.microsoft.com/office/drawing/2014/main" id="{1EE37E0B-9DE5-1DCB-A8D0-BEBCA559B8E6}"/>
+                </a:ext>
+              </a:extLst>
+            </p:cNvPr>
+            <p:cNvCxnSpPr>
+              <a:cxnSpLocks/>
+            </p:cNvCxnSpPr>
+            <p:nvPr/>
+          </p:nvCxnSpPr>
+          <p:spPr>
+            <a:xfrm>
+              <a:off x="5938887" y="4263461"/>
+              <a:ext cx="0" cy="2128956"/>
+            </a:xfrm>
+            <a:prstGeom prst="line">
+              <a:avLst/>
+            </a:prstGeom>
+            <a:ln w="12700">
+              <a:prstDash val="dash"/>
+            </a:ln>
+          </p:spPr>
+          <p:style>
+            <a:lnRef idx="1">
+              <a:schemeClr val="accent1"/>
+            </a:lnRef>
+            <a:fillRef idx="0">
+              <a:schemeClr val="accent1"/>
+            </a:fillRef>
+            <a:effectRef idx="0">
+              <a:schemeClr val="accent1"/>
+            </a:effectRef>
+            <a:fontRef idx="minor">
+              <a:schemeClr val="tx1"/>
+            </a:fontRef>
+          </p:style>
+        </p:cxnSp>
+        <p:sp>
+          <p:nvSpPr>
+            <p:cNvPr id="18" name="正方形/長方形 17">
+              <a:extLst>
+                <a:ext uri="{FF2B5EF4-FFF2-40B4-BE49-F238E27FC236}">
+                  <a16:creationId xmlns:a16="http://schemas.microsoft.com/office/drawing/2014/main" id="{DB8C5BD8-B985-EADD-922D-930E8ED342DE}"/>
+                </a:ext>
+              </a:extLst>
+            </p:cNvPr>
+            <p:cNvSpPr/>
+            <p:nvPr/>
+          </p:nvSpPr>
+          <p:spPr>
+            <a:xfrm>
+              <a:off x="308898" y="5055044"/>
+              <a:ext cx="1731226" cy="730817"/>
+            </a:xfrm>
+            <a:prstGeom prst="rect">
+              <a:avLst/>
+            </a:prstGeom>
+            <a:noFill/>
+            <a:ln w="28575">
+              <a:solidFill>
+                <a:schemeClr val="tx1"/>
+              </a:solidFill>
+            </a:ln>
+          </p:spPr>
+          <p:style>
+            <a:lnRef idx="2">
+              <a:schemeClr val="accent1">
+                <a:shade val="15000"/>
+              </a:schemeClr>
+            </a:lnRef>
+            <a:fillRef idx="1">
+              <a:schemeClr val="accent1"/>
+            </a:fillRef>
+            <a:effectRef idx="0">
+              <a:schemeClr val="accent1"/>
+            </a:effectRef>
+            <a:fontRef idx="minor">
+              <a:schemeClr val="lt1"/>
+            </a:fontRef>
+          </p:style>
+          <p:txBody>
+            <a:bodyPr rtlCol="0" anchor="ctr"/>
+            <a:lstStyle/>
+            <a:p>
+              <a:pPr algn="ctr"/>
+              <a:r>
+                <a:rPr kumimoji="1" lang="en-US" altLang="ja-JP" dirty="0">
+                  <a:solidFill>
+                    <a:schemeClr val="tx1"/>
+                  </a:solidFill>
+                </a:rPr>
+                <a:t>He-Ne LASER</a:t>
+              </a:r>
+              <a:endParaRPr kumimoji="1" lang="ja-JP" altLang="en-US" dirty="0">
+                <a:solidFill>
+                  <a:schemeClr val="tx1"/>
+                </a:solidFill>
+              </a:endParaRPr>
+            </a:p>
+          </p:txBody>
+        </p:sp>
+        <p:sp>
+          <p:nvSpPr>
+            <p:cNvPr id="19" name="正方形/長方形 18">
+              <a:extLst>
+                <a:ext uri="{FF2B5EF4-FFF2-40B4-BE49-F238E27FC236}">
+                  <a16:creationId xmlns:a16="http://schemas.microsoft.com/office/drawing/2014/main" id="{BFC996B3-DE65-8228-F3BF-E83FE39F827B}"/>
+                </a:ext>
+              </a:extLst>
+            </p:cNvPr>
+            <p:cNvSpPr/>
+            <p:nvPr/>
+          </p:nvSpPr>
+          <p:spPr>
+            <a:xfrm>
+              <a:off x="7287218" y="5039447"/>
+              <a:ext cx="1025955" cy="730817"/>
+            </a:xfrm>
+            <a:prstGeom prst="rect">
+              <a:avLst/>
+            </a:prstGeom>
+            <a:noFill/>
+            <a:ln w="28575">
+              <a:solidFill>
+                <a:schemeClr val="tx1"/>
+              </a:solidFill>
+            </a:ln>
+          </p:spPr>
+          <p:style>
+            <a:lnRef idx="2">
+              <a:schemeClr val="accent1">
+                <a:shade val="15000"/>
+              </a:schemeClr>
+            </a:lnRef>
+            <a:fillRef idx="1">
+              <a:schemeClr val="accent1"/>
+            </a:fillRef>
+            <a:effectRef idx="0">
+              <a:schemeClr val="accent1"/>
+            </a:effectRef>
+            <a:fontRef idx="minor">
+              <a:schemeClr val="lt1"/>
+            </a:fontRef>
+          </p:style>
+          <p:txBody>
+            <a:bodyPr rtlCol="0" anchor="ctr"/>
+            <a:lstStyle/>
+            <a:p>
+              <a:pPr algn="ctr"/>
+              <a:r>
+                <a:rPr kumimoji="1" lang="en-US" altLang="ja-JP" dirty="0">
+                  <a:solidFill>
+                    <a:schemeClr val="tx1"/>
+                  </a:solidFill>
+                </a:rPr>
+                <a:t>PD</a:t>
+              </a:r>
+              <a:endParaRPr kumimoji="1" lang="ja-JP" altLang="en-US" dirty="0">
+                <a:solidFill>
+                  <a:schemeClr val="tx1"/>
+                </a:solidFill>
+              </a:endParaRPr>
+            </a:p>
+          </p:txBody>
+        </p:sp>
+        <p:cxnSp>
+          <p:nvCxnSpPr>
+            <p:cNvPr id="21" name="直線コネクタ 20">
+              <a:extLst>
+                <a:ext uri="{FF2B5EF4-FFF2-40B4-BE49-F238E27FC236}">
+                  <a16:creationId xmlns:a16="http://schemas.microsoft.com/office/drawing/2014/main" id="{70A35068-47D2-7E93-9AFF-67644B171801}"/>
+                </a:ext>
+              </a:extLst>
+            </p:cNvPr>
+            <p:cNvCxnSpPr>
+              <a:cxnSpLocks/>
+              <a:stCxn id="18" idx="3"/>
+              <a:endCxn id="19" idx="1"/>
+            </p:cNvCxnSpPr>
+            <p:nvPr/>
+          </p:nvCxnSpPr>
+          <p:spPr>
+            <a:xfrm flipV="1">
+              <a:off x="2040124" y="5404856"/>
+              <a:ext cx="5247094" cy="15596"/>
+            </a:xfrm>
+            <a:prstGeom prst="line">
+              <a:avLst/>
+            </a:prstGeom>
+            <a:ln w="19050"/>
+          </p:spPr>
+          <p:style>
+            <a:lnRef idx="1">
+              <a:schemeClr val="accent3"/>
+            </a:lnRef>
+            <a:fillRef idx="0">
+              <a:schemeClr val="accent3"/>
+            </a:fillRef>
+            <a:effectRef idx="0">
+              <a:schemeClr val="accent3"/>
+            </a:effectRef>
+            <a:fontRef idx="minor">
+              <a:schemeClr val="tx1"/>
+            </a:fontRef>
+          </p:style>
+        </p:cxnSp>
+        <p:sp>
+          <p:nvSpPr>
+            <p:cNvPr id="22" name="テキスト ボックス 21">
+              <a:extLst>
+                <a:ext uri="{FF2B5EF4-FFF2-40B4-BE49-F238E27FC236}">
+                  <a16:creationId xmlns:a16="http://schemas.microsoft.com/office/drawing/2014/main" id="{09A34AC4-E4EA-5E37-5F22-5D5F7540E768}"/>
+                </a:ext>
+              </a:extLst>
+            </p:cNvPr>
+            <p:cNvSpPr txBox="1"/>
+            <p:nvPr/>
+          </p:nvSpPr>
+          <p:spPr>
+            <a:xfrm>
+              <a:off x="921129" y="5768747"/>
+              <a:ext cx="1118995" cy="392630"/>
+            </a:xfrm>
+            <a:prstGeom prst="rect">
+              <a:avLst/>
+            </a:prstGeom>
+            <a:noFill/>
+          </p:spPr>
+          <p:txBody>
+            <a:bodyPr wrap="none" rtlCol="0">
+              <a:spAutoFit/>
+            </a:bodyPr>
+            <a:lstStyle/>
+            <a:p>
+              <a:r>
+                <a:rPr kumimoji="1" lang="en-US" altLang="ja-JP" sz="1400" dirty="0"/>
+                <a:t>633 nm</a:t>
+              </a:r>
+              <a:endParaRPr kumimoji="1" lang="ja-JP" altLang="en-US" sz="1400" dirty="0"/>
+            </a:p>
+          </p:txBody>
+        </p:sp>
+        <p:sp>
+          <p:nvSpPr>
+            <p:cNvPr id="9" name="円弧 8">
+              <a:extLst>
+                <a:ext uri="{FF2B5EF4-FFF2-40B4-BE49-F238E27FC236}">
+                  <a16:creationId xmlns:a16="http://schemas.microsoft.com/office/drawing/2014/main" id="{BCFE26EE-144B-7D1C-BDAB-00D27D91166B}"/>
+                </a:ext>
+              </a:extLst>
+            </p:cNvPr>
+            <p:cNvSpPr/>
+            <p:nvPr/>
+          </p:nvSpPr>
+          <p:spPr>
+            <a:xfrm>
+              <a:off x="4891072" y="4519419"/>
+              <a:ext cx="2079524" cy="1721962"/>
+            </a:xfrm>
+            <a:prstGeom prst="arc">
+              <a:avLst>
+                <a:gd name="adj1" fmla="val 16200000"/>
+                <a:gd name="adj2" fmla="val 18149082"/>
+              </a:avLst>
+            </a:prstGeom>
+          </p:spPr>
+          <p:style>
+            <a:lnRef idx="1">
+              <a:schemeClr val="accent1"/>
+            </a:lnRef>
+            <a:fillRef idx="0">
+              <a:schemeClr val="accent1"/>
+            </a:fillRef>
+            <a:effectRef idx="0">
+              <a:schemeClr val="accent1"/>
+            </a:effectRef>
+            <a:fontRef idx="minor">
+              <a:schemeClr val="tx1"/>
+            </a:fontRef>
+          </p:style>
+          <p:txBody>
+            <a:bodyPr rtlCol="0" anchor="ctr"/>
+            <a:lstStyle/>
+            <a:p>
+              <a:pPr algn="ctr"/>
+              <a:endParaRPr kumimoji="1" lang="ja-JP" altLang="en-US"/>
+            </a:p>
+          </p:txBody>
+        </p:sp>
+        <p:cxnSp>
+          <p:nvCxnSpPr>
+            <p:cNvPr id="10" name="直線コネクタ 9">
+              <a:extLst>
+                <a:ext uri="{FF2B5EF4-FFF2-40B4-BE49-F238E27FC236}">
+                  <a16:creationId xmlns:a16="http://schemas.microsoft.com/office/drawing/2014/main" id="{0768E579-0CAB-FE79-243A-C922E1CD752F}"/>
+                </a:ext>
+              </a:extLst>
+            </p:cNvPr>
+            <p:cNvCxnSpPr>
+              <a:cxnSpLocks/>
+            </p:cNvCxnSpPr>
+            <p:nvPr/>
+          </p:nvCxnSpPr>
+          <p:spPr>
+            <a:xfrm rot="1800000">
+              <a:off x="6220069" y="4398507"/>
+              <a:ext cx="0" cy="1080000"/>
+            </a:xfrm>
+            <a:prstGeom prst="line">
+              <a:avLst/>
+            </a:prstGeom>
+            <a:ln w="12700">
+              <a:prstDash val="dash"/>
+            </a:ln>
+          </p:spPr>
+          <p:style>
+            <a:lnRef idx="1">
+              <a:schemeClr val="accent1"/>
+            </a:lnRef>
+            <a:fillRef idx="0">
+              <a:schemeClr val="accent1"/>
+            </a:fillRef>
+            <a:effectRef idx="0">
+              <a:schemeClr val="accent1"/>
+            </a:effectRef>
+            <a:fontRef idx="minor">
+              <a:schemeClr val="tx1"/>
+            </a:fontRef>
+          </p:style>
+        </p:cxnSp>
+        <mc:AlternateContent xmlns:mc="http://schemas.openxmlformats.org/markup-compatibility/2006" xmlns:a14="http://schemas.microsoft.com/office/drawing/2010/main">
+          <mc:Choice Requires="a14">
+            <p:sp>
+              <p:nvSpPr>
+                <p:cNvPr id="11" name="テキスト ボックス 10">
+                  <a:extLst>
+                    <a:ext uri="{FF2B5EF4-FFF2-40B4-BE49-F238E27FC236}">
+                      <a16:creationId xmlns:a16="http://schemas.microsoft.com/office/drawing/2014/main" id="{C07C22A5-A906-F835-E5C8-A3024C9A394C}"/>
+                    </a:ext>
+                  </a:extLst>
+                </p:cNvPr>
+                <p:cNvSpPr txBox="1"/>
+                <p:nvPr/>
+              </p:nvSpPr>
+              <p:spPr>
+                <a:xfrm>
+                  <a:off x="6018572" y="4143760"/>
+                  <a:ext cx="402995" cy="369332"/>
+                </a:xfrm>
+                <a:prstGeom prst="rect">
+                  <a:avLst/>
+                </a:prstGeom>
+                <a:noFill/>
+              </p:spPr>
+              <p:txBody>
+                <a:bodyPr wrap="none" rtlCol="0">
+                  <a:spAutoFit/>
+                </a:bodyPr>
+                <a:lstStyle/>
+                <a:p>
+                  <a:pPr/>
+                  <a14:m>
+                    <m:oMathPara xmlns:m="http://schemas.openxmlformats.org/officeDocument/2006/math">
+                      <m:oMathParaPr>
+                        <m:jc m:val="centerGroup"/>
+                      </m:oMathParaPr>
+                      <m:oMath xmlns:m="http://schemas.openxmlformats.org/officeDocument/2006/math">
+                        <m:r>
+                          <a:rPr kumimoji="1" lang="en-US" altLang="ja-JP" b="0" i="1" dirty="0" smtClean="0">
+                            <a:latin typeface="Cambria Math" panose="02040503050406030204" pitchFamily="18" charset="0"/>
+                          </a:rPr>
+                          <m:t>𝜃</m:t>
+                        </m:r>
+                      </m:oMath>
+                    </m:oMathPara>
+                  </a14:m>
+                  <a:endParaRPr kumimoji="1" lang="ja-JP" altLang="en-US" dirty="0"/>
+                </a:p>
+              </p:txBody>
+            </p:sp>
+          </mc:Choice>
+          <mc:Fallback xmlns="">
+            <p:sp>
+              <p:nvSpPr>
+                <p:cNvPr id="11" name="テキスト ボックス 10">
+                  <a:extLst>
+                    <a:ext uri="{FF2B5EF4-FFF2-40B4-BE49-F238E27FC236}">
+                      <a16:creationId xmlns:a16="http://schemas.microsoft.com/office/drawing/2014/main" id="{C07C22A5-A906-F835-E5C8-A3024C9A394C}"/>
+                    </a:ext>
+                  </a:extLst>
+                </p:cNvPr>
+                <p:cNvSpPr txBox="1">
+                  <a:spLocks noRot="1" noChangeAspect="1" noMove="1" noResize="1" noEditPoints="1" noAdjustHandles="1" noChangeArrowheads="1" noChangeShapeType="1" noTextEdit="1"/>
+                </p:cNvSpPr>
+                <p:nvPr/>
+              </p:nvSpPr>
+              <p:spPr>
+                <a:xfrm>
+                  <a:off x="6018572" y="4143760"/>
+                  <a:ext cx="402995" cy="369332"/>
+                </a:xfrm>
+                <a:prstGeom prst="rect">
+                  <a:avLst/>
+                </a:prstGeom>
+                <a:blipFill>
+                  <a:blip r:embed="rId6"/>
+                  <a:stretch>
+                    <a:fillRect/>
+                  </a:stretch>
+                </a:blipFill>
+              </p:spPr>
+              <p:txBody>
+                <a:bodyPr/>
+                <a:lstStyle/>
+                <a:p>
+                  <a:r>
+                    <a:rPr lang="ja-JP" altLang="en-US">
+                      <a:noFill/>
+                    </a:rPr>
+                    <a:t> </a:t>
+                  </a:r>
+                </a:p>
+              </p:txBody>
+            </p:sp>
+          </mc:Fallback>
+        </mc:AlternateContent>
+        <mc:AlternateContent xmlns:mc="http://schemas.openxmlformats.org/markup-compatibility/2006" xmlns:a14="http://schemas.microsoft.com/office/drawing/2010/main">
+          <mc:Choice Requires="a14">
+            <p:sp>
+              <p:nvSpPr>
+                <p:cNvPr id="12" name="テキスト ボックス 11">
+                  <a:extLst>
+                    <a:ext uri="{FF2B5EF4-FFF2-40B4-BE49-F238E27FC236}">
+                      <a16:creationId xmlns:a16="http://schemas.microsoft.com/office/drawing/2014/main" id="{93690F23-D2FB-2CB7-7379-611DDE32556A}"/>
+                    </a:ext>
+                  </a:extLst>
+                </p:cNvPr>
+                <p:cNvSpPr txBox="1"/>
+                <p:nvPr/>
+              </p:nvSpPr>
+              <p:spPr>
+                <a:xfrm>
+                  <a:off x="7468962" y="4553380"/>
+                  <a:ext cx="690830" cy="369332"/>
+                </a:xfrm>
+                <a:prstGeom prst="rect">
+                  <a:avLst/>
+                </a:prstGeom>
+                <a:noFill/>
+              </p:spPr>
+              <p:txBody>
+                <a:bodyPr wrap="none" rtlCol="0">
+                  <a:spAutoFit/>
+                </a:bodyPr>
+                <a:lstStyle/>
+                <a:p>
+                  <a:pPr/>
+                  <a14:m>
+                    <m:oMathPara xmlns:m="http://schemas.openxmlformats.org/officeDocument/2006/math">
+                      <m:oMathParaPr>
+                        <m:jc m:val="centerGroup"/>
+                      </m:oMathParaPr>
+                      <m:oMath xmlns:m="http://schemas.openxmlformats.org/officeDocument/2006/math">
+                        <m:r>
+                          <a:rPr kumimoji="1" lang="en-US" altLang="ja-JP" b="0" i="1" dirty="0" smtClean="0">
+                            <a:latin typeface="Cambria Math" panose="02040503050406030204" pitchFamily="18" charset="0"/>
+                          </a:rPr>
+                          <m:t>𝐼</m:t>
+                        </m:r>
+                        <m:r>
+                          <a:rPr kumimoji="1" lang="en-US" altLang="ja-JP" b="0" i="1" dirty="0" smtClean="0">
+                            <a:latin typeface="Cambria Math" panose="02040503050406030204" pitchFamily="18" charset="0"/>
+                          </a:rPr>
+                          <m:t>(</m:t>
+                        </m:r>
+                        <m:r>
+                          <a:rPr kumimoji="1" lang="en-US" altLang="ja-JP" b="0" i="1" dirty="0" smtClean="0">
+                            <a:latin typeface="Cambria Math" panose="02040503050406030204" pitchFamily="18" charset="0"/>
+                          </a:rPr>
+                          <m:t>𝜃</m:t>
+                        </m:r>
+                        <m:r>
+                          <a:rPr kumimoji="1" lang="en-US" altLang="ja-JP" b="0" i="1" dirty="0" smtClean="0">
+                            <a:latin typeface="Cambria Math" panose="02040503050406030204" pitchFamily="18" charset="0"/>
+                          </a:rPr>
+                          <m:t>)</m:t>
+                        </m:r>
+                      </m:oMath>
+                    </m:oMathPara>
+                  </a14:m>
+                  <a:endParaRPr kumimoji="1" lang="ja-JP" altLang="en-US" dirty="0"/>
+                </a:p>
+              </p:txBody>
+            </p:sp>
+          </mc:Choice>
+          <mc:Fallback xmlns="">
+            <p:sp>
+              <p:nvSpPr>
+                <p:cNvPr id="12" name="テキスト ボックス 11">
+                  <a:extLst>
+                    <a:ext uri="{FF2B5EF4-FFF2-40B4-BE49-F238E27FC236}">
+                      <a16:creationId xmlns:a16="http://schemas.microsoft.com/office/drawing/2014/main" id="{93690F23-D2FB-2CB7-7379-611DDE32556A}"/>
+                    </a:ext>
+                  </a:extLst>
+                </p:cNvPr>
+                <p:cNvSpPr txBox="1">
+                  <a:spLocks noRot="1" noChangeAspect="1" noMove="1" noResize="1" noEditPoints="1" noAdjustHandles="1" noChangeArrowheads="1" noChangeShapeType="1" noTextEdit="1"/>
+                </p:cNvSpPr>
+                <p:nvPr/>
+              </p:nvSpPr>
+              <p:spPr>
+                <a:xfrm>
+                  <a:off x="7468962" y="4553380"/>
+                  <a:ext cx="690830" cy="369332"/>
+                </a:xfrm>
+                <a:prstGeom prst="rect">
+                  <a:avLst/>
+                </a:prstGeom>
+                <a:blipFill>
+                  <a:blip r:embed="rId7"/>
+                  <a:stretch>
+                    <a:fillRect b="-14754"/>
+                  </a:stretch>
+                </a:blipFill>
+              </p:spPr>
+              <p:txBody>
+                <a:bodyPr/>
+                <a:lstStyle/>
+                <a:p>
+                  <a:r>
+                    <a:rPr lang="ja-JP" altLang="en-US">
+                      <a:noFill/>
+                    </a:rPr>
+                    <a:t> </a:t>
+                  </a:r>
+                </a:p>
+              </p:txBody>
+            </p:sp>
+          </mc:Fallback>
+        </mc:AlternateContent>
+        <p:grpSp>
+          <p:nvGrpSpPr>
+            <p:cNvPr id="43" name="グループ化 42">
+              <a:extLst>
+                <a:ext uri="{FF2B5EF4-FFF2-40B4-BE49-F238E27FC236}">
+                  <a16:creationId xmlns:a16="http://schemas.microsoft.com/office/drawing/2014/main" id="{E0A1E05B-62AE-4042-95D0-D9179279248F}"/>
+                </a:ext>
+              </a:extLst>
+            </p:cNvPr>
+            <p:cNvGrpSpPr/>
+            <p:nvPr/>
+          </p:nvGrpSpPr>
+          <p:grpSpPr>
+            <a:xfrm rot="1800000">
+              <a:off x="5654255" y="4837203"/>
+              <a:ext cx="576221" cy="1166497"/>
+              <a:chOff x="6376067" y="4122443"/>
+              <a:chExt cx="576221" cy="1166497"/>
+            </a:xfrm>
+          </p:grpSpPr>
+          <p:sp>
+            <p:nvSpPr>
+              <p:cNvPr id="27" name="楕円 26">
+                <a:extLst>
+                  <a:ext uri="{FF2B5EF4-FFF2-40B4-BE49-F238E27FC236}">
+                    <a16:creationId xmlns:a16="http://schemas.microsoft.com/office/drawing/2014/main" id="{4ED09BA5-F8E1-9BB7-900D-68898A26B18E}"/>
+                  </a:ext>
+                </a:extLst>
+              </p:cNvPr>
+              <p:cNvSpPr/>
+              <p:nvPr/>
+            </p:nvSpPr>
+            <p:spPr>
+              <a:xfrm>
+                <a:off x="6376067" y="4122443"/>
+                <a:ext cx="576221" cy="1166497"/>
+              </a:xfrm>
+              <a:prstGeom prst="ellipse">
+                <a:avLst/>
+              </a:prstGeom>
+              <a:noFill/>
+            </p:spPr>
+            <p:style>
+              <a:lnRef idx="2">
+                <a:schemeClr val="accent1">
+                  <a:shade val="15000"/>
+                </a:schemeClr>
+              </a:lnRef>
+              <a:fillRef idx="1">
+                <a:schemeClr val="accent1"/>
+              </a:fillRef>
+              <a:effectRef idx="0">
+                <a:schemeClr val="accent1"/>
+              </a:effectRef>
+              <a:fontRef idx="minor">
+                <a:schemeClr val="lt1"/>
+              </a:fontRef>
+            </p:style>
+            <p:txBody>
+              <a:bodyPr rtlCol="0" anchor="ctr"/>
+              <a:lstStyle/>
+              <a:p>
+                <a:pPr algn="ctr"/>
+                <a:endParaRPr kumimoji="1" lang="ja-JP" altLang="en-US"/>
+              </a:p>
+            </p:txBody>
+          </p:sp>
+          <p:cxnSp>
+            <p:nvCxnSpPr>
+              <p:cNvPr id="28" name="直線コネクタ 27">
+                <a:extLst>
+                  <a:ext uri="{FF2B5EF4-FFF2-40B4-BE49-F238E27FC236}">
+                    <a16:creationId xmlns:a16="http://schemas.microsoft.com/office/drawing/2014/main" id="{F1A66902-1B17-A406-9552-6F335A21B30D}"/>
+                  </a:ext>
+                </a:extLst>
+              </p:cNvPr>
+              <p:cNvCxnSpPr>
+                <a:stCxn id="27" idx="1"/>
+                <a:endCxn id="27" idx="3"/>
+              </p:cNvCxnSpPr>
+              <p:nvPr/>
+            </p:nvCxnSpPr>
+            <p:spPr>
+              <a:xfrm>
+                <a:off x="6460448" y="4293273"/>
+                <a:ext cx="0" cy="824837"/>
+              </a:xfrm>
+              <a:prstGeom prst="line">
+                <a:avLst/>
+              </a:prstGeom>
+              <a:ln w="19050"/>
+            </p:spPr>
+            <p:style>
+              <a:lnRef idx="1">
+                <a:schemeClr val="accent1"/>
+              </a:lnRef>
+              <a:fillRef idx="0">
+                <a:schemeClr val="accent1"/>
+              </a:fillRef>
+              <a:effectRef idx="0">
+                <a:schemeClr val="accent1"/>
+              </a:effectRef>
+              <a:fontRef idx="minor">
+                <a:schemeClr val="tx1"/>
+              </a:fontRef>
+            </p:style>
+          </p:cxnSp>
+          <p:cxnSp>
+            <p:nvCxnSpPr>
+              <p:cNvPr id="29" name="直線コネクタ 28">
+                <a:extLst>
+                  <a:ext uri="{FF2B5EF4-FFF2-40B4-BE49-F238E27FC236}">
+                    <a16:creationId xmlns:a16="http://schemas.microsoft.com/office/drawing/2014/main" id="{BEFFD8DB-8C30-A97F-AA94-D3C2B24258A5}"/>
+                  </a:ext>
+                </a:extLst>
+              </p:cNvPr>
+              <p:cNvCxnSpPr>
+                <a:stCxn id="27" idx="0"/>
+                <a:endCxn id="27" idx="4"/>
+              </p:cNvCxnSpPr>
+              <p:nvPr/>
+            </p:nvCxnSpPr>
+            <p:spPr>
+              <a:xfrm>
+                <a:off x="6664173" y="4122443"/>
+                <a:ext cx="0" cy="1166497"/>
+              </a:xfrm>
+              <a:prstGeom prst="line">
+                <a:avLst/>
+              </a:prstGeom>
+              <a:ln w="19050"/>
+            </p:spPr>
+            <p:style>
+              <a:lnRef idx="1">
+                <a:schemeClr val="accent1"/>
+              </a:lnRef>
+              <a:fillRef idx="0">
+                <a:schemeClr val="accent1"/>
+              </a:fillRef>
+              <a:effectRef idx="0">
+                <a:schemeClr val="accent1"/>
+              </a:effectRef>
+              <a:fontRef idx="minor">
+                <a:schemeClr val="tx1"/>
+              </a:fontRef>
+            </p:style>
+          </p:cxnSp>
+          <p:cxnSp>
+            <p:nvCxnSpPr>
+              <p:cNvPr id="30" name="直線コネクタ 29">
+                <a:extLst>
+                  <a:ext uri="{FF2B5EF4-FFF2-40B4-BE49-F238E27FC236}">
+                    <a16:creationId xmlns:a16="http://schemas.microsoft.com/office/drawing/2014/main" id="{DC8DC6DC-E892-3DAD-BA21-42C154DED38D}"/>
+                  </a:ext>
+                </a:extLst>
+              </p:cNvPr>
+              <p:cNvCxnSpPr>
+                <a:stCxn id="27" idx="7"/>
+                <a:endCxn id="27" idx="5"/>
+              </p:cNvCxnSpPr>
+              <p:nvPr/>
+            </p:nvCxnSpPr>
+            <p:spPr>
+              <a:xfrm>
+                <a:off x="6867897" y="4293273"/>
+                <a:ext cx="0" cy="824837"/>
+              </a:xfrm>
+              <a:prstGeom prst="line">
+                <a:avLst/>
+              </a:prstGeom>
+              <a:ln w="19050"/>
+            </p:spPr>
+            <p:style>
+              <a:lnRef idx="1">
+                <a:schemeClr val="accent1"/>
+              </a:lnRef>
+              <a:fillRef idx="0">
+                <a:schemeClr val="accent1"/>
+              </a:fillRef>
+              <a:effectRef idx="0">
+                <a:schemeClr val="accent1"/>
+              </a:effectRef>
+              <a:fontRef idx="minor">
+                <a:schemeClr val="tx1"/>
+              </a:fontRef>
+            </p:style>
+          </p:cxnSp>
+          <p:cxnSp>
+            <p:nvCxnSpPr>
+              <p:cNvPr id="31" name="直線コネクタ 30">
+                <a:extLst>
+                  <a:ext uri="{FF2B5EF4-FFF2-40B4-BE49-F238E27FC236}">
+                    <a16:creationId xmlns:a16="http://schemas.microsoft.com/office/drawing/2014/main" id="{B819D03C-B92C-FC86-B330-FAE5355D9EC0}"/>
+                  </a:ext>
+                </a:extLst>
+              </p:cNvPr>
+              <p:cNvCxnSpPr>
+                <a:cxnSpLocks/>
+              </p:cNvCxnSpPr>
+              <p:nvPr/>
+            </p:nvCxnSpPr>
+            <p:spPr>
+              <a:xfrm>
+                <a:off x="6764614" y="4165687"/>
+                <a:ext cx="0" cy="1102202"/>
+              </a:xfrm>
+              <a:prstGeom prst="line">
+                <a:avLst/>
+              </a:prstGeom>
+              <a:ln w="19050"/>
+            </p:spPr>
+            <p:style>
+              <a:lnRef idx="1">
+                <a:schemeClr val="accent1"/>
+              </a:lnRef>
+              <a:fillRef idx="0">
+                <a:schemeClr val="accent1"/>
+              </a:fillRef>
+              <a:effectRef idx="0">
+                <a:schemeClr val="accent1"/>
+              </a:effectRef>
+              <a:fontRef idx="minor">
+                <a:schemeClr val="tx1"/>
+              </a:fontRef>
+            </p:style>
+          </p:cxnSp>
+          <p:cxnSp>
+            <p:nvCxnSpPr>
+              <p:cNvPr id="32" name="直線コネクタ 31">
+                <a:extLst>
+                  <a:ext uri="{FF2B5EF4-FFF2-40B4-BE49-F238E27FC236}">
+                    <a16:creationId xmlns:a16="http://schemas.microsoft.com/office/drawing/2014/main" id="{69BDAC59-0411-023B-6133-D277A6B392F7}"/>
+                  </a:ext>
+                </a:extLst>
+              </p:cNvPr>
+              <p:cNvCxnSpPr>
+                <a:cxnSpLocks/>
+              </p:cNvCxnSpPr>
+              <p:nvPr/>
+            </p:nvCxnSpPr>
+            <p:spPr>
+              <a:xfrm>
+                <a:off x="6570199" y="4165688"/>
+                <a:ext cx="0" cy="1102202"/>
+              </a:xfrm>
+              <a:prstGeom prst="line">
+                <a:avLst/>
+              </a:prstGeom>
+              <a:ln w="19050"/>
+            </p:spPr>
+            <p:style>
+              <a:lnRef idx="1">
+                <a:schemeClr val="accent1"/>
+              </a:lnRef>
+              <a:fillRef idx="0">
+                <a:schemeClr val="accent1"/>
+              </a:fillRef>
+              <a:effectRef idx="0">
+                <a:schemeClr val="accent1"/>
+              </a:effectRef>
+              <a:fontRef idx="minor">
+                <a:schemeClr val="tx1"/>
+              </a:fontRef>
+            </p:style>
+          </p:cxnSp>
+        </p:grpSp>
+        <p:sp>
+          <p:nvSpPr>
+            <p:cNvPr id="2" name="テキスト ボックス 1">
+              <a:extLst>
+                <a:ext uri="{FF2B5EF4-FFF2-40B4-BE49-F238E27FC236}">
+                  <a16:creationId xmlns:a16="http://schemas.microsoft.com/office/drawing/2014/main" id="{E1E0EA4A-83C5-DEC7-39D3-D6CB8EB5290B}"/>
+                </a:ext>
+              </a:extLst>
+            </p:cNvPr>
+            <p:cNvSpPr txBox="1"/>
+            <p:nvPr/>
+          </p:nvSpPr>
+          <p:spPr>
+            <a:xfrm>
+              <a:off x="260869" y="4293933"/>
+              <a:ext cx="513282" cy="369332"/>
+            </a:xfrm>
+            <a:prstGeom prst="rect">
+              <a:avLst/>
+            </a:prstGeom>
+            <a:noFill/>
+          </p:spPr>
+          <p:txBody>
+            <a:bodyPr wrap="none" rtlCol="0">
+              <a:spAutoFit/>
+            </a:bodyPr>
+            <a:lstStyle/>
+            <a:p>
+              <a:r>
+                <a:rPr kumimoji="1" lang="en-US" altLang="ja-JP" dirty="0"/>
+                <a:t>(c)</a:t>
+              </a:r>
+              <a:endParaRPr kumimoji="1" lang="ja-JP" altLang="en-US" dirty="0"/>
+            </a:p>
+          </p:txBody>
+        </p:sp>
+        <p:sp>
+          <p:nvSpPr>
+            <p:cNvPr id="3" name="テキスト ボックス 2">
+              <a:extLst>
+                <a:ext uri="{FF2B5EF4-FFF2-40B4-BE49-F238E27FC236}">
+                  <a16:creationId xmlns:a16="http://schemas.microsoft.com/office/drawing/2014/main" id="{E8B237C9-6CB3-E372-CB49-B050D4DC2438}"/>
+                </a:ext>
+              </a:extLst>
+            </p:cNvPr>
+            <p:cNvSpPr txBox="1"/>
+            <p:nvPr/>
+          </p:nvSpPr>
+          <p:spPr>
+            <a:xfrm>
+              <a:off x="4310125" y="4599503"/>
+              <a:ext cx="995785" cy="307777"/>
+            </a:xfrm>
+            <a:prstGeom prst="rect">
+              <a:avLst/>
+            </a:prstGeom>
+            <a:noFill/>
+          </p:spPr>
+          <p:txBody>
+            <a:bodyPr wrap="none" rtlCol="0">
+              <a:spAutoFit/>
+            </a:bodyPr>
+            <a:lstStyle/>
+            <a:p>
+              <a:r>
+                <a:rPr kumimoji="1" lang="en-US" altLang="ja-JP" sz="1400" dirty="0"/>
+                <a:t>λ/4 plate</a:t>
+              </a:r>
+              <a:endParaRPr kumimoji="1" lang="ja-JP" altLang="en-US" sz="1400" dirty="0"/>
+            </a:p>
+          </p:txBody>
+        </p:sp>
+      </p:grpSp>
+    </p:spTree>
+    <p:extLst>
+      <p:ext uri="{BB962C8B-B14F-4D97-AF65-F5344CB8AC3E}">
+        <p14:creationId xmlns:p14="http://schemas.microsoft.com/office/powerpoint/2010/main" val="2728243311"/>
+      </p:ext>
+    </p:extLst>
+  </p:cSld>
+  <p:clrMapOvr>
+    <a:masterClrMapping/>
+  </p:clrMapOvr>
+</p:sld>
+</file>
+
+<file path=ppt/slides/slide13.xml><?xml version="1.0" encoding="utf-8"?>
+<p:sld xmlns:a="http://schemas.openxmlformats.org/drawingml/2006/main" xmlns:r="http://schemas.openxmlformats.org/officeDocument/2006/relationships" xmlns:p="http://schemas.openxmlformats.org/presentationml/2006/main">
+  <p:cSld>
+    <p:spTree>
+      <p:nvGrpSpPr>
+        <p:cNvPr id="1" name="">
+          <a:extLst>
+            <a:ext uri="{FF2B5EF4-FFF2-40B4-BE49-F238E27FC236}">
+              <a16:creationId xmlns:a16="http://schemas.microsoft.com/office/drawing/2014/main" id="{00F0A787-9DFA-104F-EA6E-AC5110893A75}"/>
+            </a:ext>
+          </a:extLst>
+        </p:cNvPr>
+        <p:cNvGrpSpPr/>
+        <p:nvPr/>
+      </p:nvGrpSpPr>
+      <p:grpSpPr>
+        <a:xfrm>
+          <a:off x="0" y="0"/>
+          <a:ext cx="0" cy="0"/>
+          <a:chOff x="0" y="0"/>
+          <a:chExt cx="0" cy="0"/>
+        </a:xfrm>
+      </p:grpSpPr>
+      <p:grpSp>
+        <p:nvGrpSpPr>
+          <p:cNvPr id="95" name="グループ化 94">
+            <a:extLst>
+              <a:ext uri="{FF2B5EF4-FFF2-40B4-BE49-F238E27FC236}">
+                <a16:creationId xmlns:a16="http://schemas.microsoft.com/office/drawing/2014/main" id="{F38ED430-2CF8-A953-49A2-DDC5C2BD31E9}"/>
+              </a:ext>
+            </a:extLst>
+          </p:cNvPr>
+          <p:cNvGrpSpPr/>
+          <p:nvPr/>
+        </p:nvGrpSpPr>
+        <p:grpSpPr>
+          <a:xfrm>
+            <a:off x="253031" y="318201"/>
+            <a:ext cx="8040152" cy="2385834"/>
+            <a:chOff x="265183" y="2101281"/>
+            <a:chExt cx="8040152" cy="2385834"/>
+          </a:xfrm>
+        </p:grpSpPr>
+        <p:sp>
+          <p:nvSpPr>
+            <p:cNvPr id="110" name="正方形/長方形 109">
+              <a:extLst>
+                <a:ext uri="{FF2B5EF4-FFF2-40B4-BE49-F238E27FC236}">
+                  <a16:creationId xmlns:a16="http://schemas.microsoft.com/office/drawing/2014/main" id="{B9E1A25F-961B-89CA-ED7A-398565935A97}"/>
+                </a:ext>
+              </a:extLst>
+            </p:cNvPr>
+            <p:cNvSpPr/>
+            <p:nvPr/>
+          </p:nvSpPr>
+          <p:spPr>
+            <a:xfrm>
+              <a:off x="301060" y="3080070"/>
+              <a:ext cx="1731226" cy="730817"/>
+            </a:xfrm>
+            <a:prstGeom prst="rect">
+              <a:avLst/>
+            </a:prstGeom>
+            <a:noFill/>
+            <a:ln w="28575">
+              <a:solidFill>
+                <a:schemeClr val="tx1"/>
+              </a:solidFill>
+            </a:ln>
+          </p:spPr>
+          <p:style>
+            <a:lnRef idx="2">
+              <a:schemeClr val="accent1">
+                <a:shade val="15000"/>
+              </a:schemeClr>
+            </a:lnRef>
+            <a:fillRef idx="1">
+              <a:schemeClr val="accent1"/>
+            </a:fillRef>
+            <a:effectRef idx="0">
+              <a:schemeClr val="accent1"/>
+            </a:effectRef>
+            <a:fontRef idx="minor">
+              <a:schemeClr val="lt1"/>
+            </a:fontRef>
+          </p:style>
+          <p:txBody>
+            <a:bodyPr rtlCol="0" anchor="ctr"/>
+            <a:lstStyle/>
+            <a:p>
+              <a:pPr algn="ctr"/>
+              <a:r>
+                <a:rPr kumimoji="1" lang="en-US" altLang="ja-JP" dirty="0">
+                  <a:solidFill>
+                    <a:schemeClr val="tx1"/>
+                  </a:solidFill>
+                </a:rPr>
+                <a:t>He-Ne LASER</a:t>
+              </a:r>
+              <a:endParaRPr kumimoji="1" lang="ja-JP" altLang="en-US" dirty="0">
+                <a:solidFill>
+                  <a:schemeClr val="tx1"/>
+                </a:solidFill>
+              </a:endParaRPr>
+            </a:p>
+          </p:txBody>
+        </p:sp>
+        <p:sp>
+          <p:nvSpPr>
+            <p:cNvPr id="111" name="正方形/長方形 110">
+              <a:extLst>
+                <a:ext uri="{FF2B5EF4-FFF2-40B4-BE49-F238E27FC236}">
+                  <a16:creationId xmlns:a16="http://schemas.microsoft.com/office/drawing/2014/main" id="{70E6BB93-484F-AA33-7E0A-D09E97980FB0}"/>
+                </a:ext>
+              </a:extLst>
+            </p:cNvPr>
+            <p:cNvSpPr/>
+            <p:nvPr/>
+          </p:nvSpPr>
+          <p:spPr>
+            <a:xfrm>
+              <a:off x="7279380" y="3064473"/>
+              <a:ext cx="1025955" cy="730817"/>
+            </a:xfrm>
+            <a:prstGeom prst="rect">
+              <a:avLst/>
+            </a:prstGeom>
+            <a:noFill/>
+            <a:ln w="28575">
+              <a:solidFill>
+                <a:schemeClr val="tx1"/>
+              </a:solidFill>
+            </a:ln>
+          </p:spPr>
+          <p:style>
+            <a:lnRef idx="2">
+              <a:schemeClr val="accent1">
+                <a:shade val="15000"/>
+              </a:schemeClr>
+            </a:lnRef>
+            <a:fillRef idx="1">
+              <a:schemeClr val="accent1"/>
+            </a:fillRef>
+            <a:effectRef idx="0">
+              <a:schemeClr val="accent1"/>
+            </a:effectRef>
+            <a:fontRef idx="minor">
+              <a:schemeClr val="lt1"/>
+            </a:fontRef>
+          </p:style>
+          <p:txBody>
+            <a:bodyPr rtlCol="0" anchor="ctr"/>
+            <a:lstStyle/>
+            <a:p>
+              <a:pPr algn="ctr"/>
+              <a:r>
+                <a:rPr kumimoji="1" lang="en-US" altLang="ja-JP" dirty="0">
+                  <a:solidFill>
+                    <a:schemeClr val="tx1"/>
+                  </a:solidFill>
+                </a:rPr>
+                <a:t>PD</a:t>
+              </a:r>
+              <a:endParaRPr kumimoji="1" lang="ja-JP" altLang="en-US" dirty="0">
+                <a:solidFill>
+                  <a:schemeClr val="tx1"/>
+                </a:solidFill>
+              </a:endParaRPr>
+            </a:p>
+          </p:txBody>
+        </p:sp>
+        <p:cxnSp>
+          <p:nvCxnSpPr>
+            <p:cNvPr id="112" name="直線コネクタ 111">
+              <a:extLst>
+                <a:ext uri="{FF2B5EF4-FFF2-40B4-BE49-F238E27FC236}">
+                  <a16:creationId xmlns:a16="http://schemas.microsoft.com/office/drawing/2014/main" id="{21281D4E-234C-6C46-513B-011A86EBF150}"/>
+                </a:ext>
+              </a:extLst>
+            </p:cNvPr>
+            <p:cNvCxnSpPr>
+              <a:cxnSpLocks/>
+              <a:stCxn id="110" idx="3"/>
+              <a:endCxn id="111" idx="1"/>
+            </p:cNvCxnSpPr>
+            <p:nvPr/>
+          </p:nvCxnSpPr>
+          <p:spPr>
+            <a:xfrm flipV="1">
+              <a:off x="2032286" y="3429882"/>
+              <a:ext cx="5247094" cy="15596"/>
+            </a:xfrm>
+            <a:prstGeom prst="line">
+              <a:avLst/>
+            </a:prstGeom>
+            <a:ln w="19050"/>
+          </p:spPr>
+          <p:style>
+            <a:lnRef idx="1">
+              <a:schemeClr val="accent3"/>
+            </a:lnRef>
+            <a:fillRef idx="0">
+              <a:schemeClr val="accent3"/>
+            </a:fillRef>
+            <a:effectRef idx="0">
+              <a:schemeClr val="accent3"/>
+            </a:effectRef>
+            <a:fontRef idx="minor">
+              <a:schemeClr val="tx1"/>
+            </a:fontRef>
+          </p:style>
+        </p:cxnSp>
+        <p:sp>
+          <p:nvSpPr>
+            <p:cNvPr id="113" name="テキスト ボックス 112">
+              <a:extLst>
+                <a:ext uri="{FF2B5EF4-FFF2-40B4-BE49-F238E27FC236}">
+                  <a16:creationId xmlns:a16="http://schemas.microsoft.com/office/drawing/2014/main" id="{A33031BB-78CF-06B8-CF65-3DA5C25E2E43}"/>
+                </a:ext>
+              </a:extLst>
+            </p:cNvPr>
+            <p:cNvSpPr txBox="1"/>
+            <p:nvPr/>
+          </p:nvSpPr>
+          <p:spPr>
+            <a:xfrm>
+              <a:off x="913291" y="3793773"/>
+              <a:ext cx="1118995" cy="392630"/>
+            </a:xfrm>
+            <a:prstGeom prst="rect">
+              <a:avLst/>
+            </a:prstGeom>
+            <a:noFill/>
+          </p:spPr>
+          <p:txBody>
+            <a:bodyPr wrap="none" rtlCol="0">
+              <a:spAutoFit/>
+            </a:bodyPr>
+            <a:lstStyle/>
+            <a:p>
+              <a:r>
+                <a:rPr kumimoji="1" lang="en-US" altLang="ja-JP" sz="1400" dirty="0"/>
+                <a:t>633 nm</a:t>
+              </a:r>
+              <a:endParaRPr kumimoji="1" lang="ja-JP" altLang="en-US" sz="1400" dirty="0"/>
+            </a:p>
+          </p:txBody>
+        </p:sp>
+        <mc:AlternateContent xmlns:mc="http://schemas.openxmlformats.org/markup-compatibility/2006" xmlns:a14="http://schemas.microsoft.com/office/drawing/2010/main">
+          <mc:Choice Requires="a14">
+            <p:sp>
+              <p:nvSpPr>
+                <p:cNvPr id="118" name="テキスト ボックス 117">
+                  <a:extLst>
+                    <a:ext uri="{FF2B5EF4-FFF2-40B4-BE49-F238E27FC236}">
+                      <a16:creationId xmlns:a16="http://schemas.microsoft.com/office/drawing/2014/main" id="{5D0EA8B5-3AC0-5D52-9A11-74CA289274B9}"/>
+                    </a:ext>
+                  </a:extLst>
+                </p:cNvPr>
+                <p:cNvSpPr txBox="1"/>
+                <p:nvPr/>
+              </p:nvSpPr>
+              <p:spPr>
+                <a:xfrm>
+                  <a:off x="7461124" y="2578406"/>
+                  <a:ext cx="690830" cy="369332"/>
+                </a:xfrm>
+                <a:prstGeom prst="rect">
+                  <a:avLst/>
+                </a:prstGeom>
+                <a:noFill/>
+              </p:spPr>
+              <p:txBody>
+                <a:bodyPr wrap="none" rtlCol="0">
+                  <a:spAutoFit/>
+                </a:bodyPr>
+                <a:lstStyle/>
+                <a:p>
+                  <a:pPr/>
+                  <a14:m>
+                    <m:oMathPara xmlns:m="http://schemas.openxmlformats.org/officeDocument/2006/math">
+                      <m:oMathParaPr>
+                        <m:jc m:val="centerGroup"/>
+                      </m:oMathParaPr>
+                      <m:oMath xmlns:m="http://schemas.openxmlformats.org/officeDocument/2006/math">
+                        <m:r>
+                          <a:rPr kumimoji="1" lang="en-US" altLang="ja-JP" b="0" i="1" dirty="0" smtClean="0">
+                            <a:latin typeface="Cambria Math" panose="02040503050406030204" pitchFamily="18" charset="0"/>
+                          </a:rPr>
+                          <m:t>𝐼</m:t>
+                        </m:r>
+                        <m:r>
+                          <a:rPr kumimoji="1" lang="en-US" altLang="ja-JP" b="0" i="1" dirty="0" smtClean="0">
+                            <a:latin typeface="Cambria Math" panose="02040503050406030204" pitchFamily="18" charset="0"/>
+                          </a:rPr>
+                          <m:t>(</m:t>
+                        </m:r>
+                        <m:r>
+                          <a:rPr kumimoji="1" lang="en-US" altLang="ja-JP" b="0" i="1" dirty="0" smtClean="0">
+                            <a:latin typeface="Cambria Math" panose="02040503050406030204" pitchFamily="18" charset="0"/>
+                          </a:rPr>
+                          <m:t>𝜃</m:t>
+                        </m:r>
+                        <m:r>
+                          <a:rPr kumimoji="1" lang="en-US" altLang="ja-JP" b="0" i="1" dirty="0" smtClean="0">
+                            <a:latin typeface="Cambria Math" panose="02040503050406030204" pitchFamily="18" charset="0"/>
+                          </a:rPr>
+                          <m:t>)</m:t>
+                        </m:r>
+                      </m:oMath>
+                    </m:oMathPara>
+                  </a14:m>
+                  <a:endParaRPr kumimoji="1" lang="ja-JP" altLang="en-US" dirty="0"/>
+                </a:p>
+              </p:txBody>
+            </p:sp>
+          </mc:Choice>
+          <mc:Fallback xmlns="">
+            <p:sp>
+              <p:nvSpPr>
+                <p:cNvPr id="118" name="テキスト ボックス 117">
+                  <a:extLst>
+                    <a:ext uri="{FF2B5EF4-FFF2-40B4-BE49-F238E27FC236}">
+                      <a16:creationId xmlns:a16="http://schemas.microsoft.com/office/drawing/2014/main" id="{5D0EA8B5-3AC0-5D52-9A11-74CA289274B9}"/>
+                    </a:ext>
+                  </a:extLst>
+                </p:cNvPr>
+                <p:cNvSpPr txBox="1">
+                  <a:spLocks noRot="1" noChangeAspect="1" noMove="1" noResize="1" noEditPoints="1" noAdjustHandles="1" noChangeArrowheads="1" noChangeShapeType="1" noTextEdit="1"/>
+                </p:cNvSpPr>
+                <p:nvPr/>
+              </p:nvSpPr>
+              <p:spPr>
+                <a:xfrm>
+                  <a:off x="7461124" y="2578406"/>
+                  <a:ext cx="690830" cy="369332"/>
+                </a:xfrm>
+                <a:prstGeom prst="rect">
+                  <a:avLst/>
+                </a:prstGeom>
+                <a:blipFill>
+                  <a:blip r:embed="rId2"/>
+                  <a:stretch>
+                    <a:fillRect b="-16393"/>
+                  </a:stretch>
+                </a:blipFill>
+              </p:spPr>
+              <p:txBody>
+                <a:bodyPr/>
+                <a:lstStyle/>
+                <a:p>
+                  <a:r>
+                    <a:rPr lang="ja-JP" altLang="en-US">
+                      <a:noFill/>
+                    </a:rPr>
+                    <a:t> </a:t>
+                  </a:r>
+                </a:p>
+              </p:txBody>
+            </p:sp>
+          </mc:Fallback>
+        </mc:AlternateContent>
+        <p:grpSp>
+          <p:nvGrpSpPr>
+            <p:cNvPr id="45" name="グループ化 44">
+              <a:extLst>
+                <a:ext uri="{FF2B5EF4-FFF2-40B4-BE49-F238E27FC236}">
+                  <a16:creationId xmlns:a16="http://schemas.microsoft.com/office/drawing/2014/main" id="{4D59AF75-9184-5A4E-1DB9-B7B22D12E958}"/>
+                </a:ext>
+              </a:extLst>
+            </p:cNvPr>
+            <p:cNvGrpSpPr/>
+            <p:nvPr/>
+          </p:nvGrpSpPr>
+          <p:grpSpPr>
+            <a:xfrm>
+              <a:off x="4883234" y="2168786"/>
+              <a:ext cx="2079524" cy="2248657"/>
+              <a:chOff x="4883234" y="2168786"/>
+              <a:chExt cx="2079524" cy="2248657"/>
+            </a:xfrm>
+          </p:grpSpPr>
+          <p:sp>
+            <p:nvSpPr>
+              <p:cNvPr id="115" name="円弧 114">
+                <a:extLst>
+                  <a:ext uri="{FF2B5EF4-FFF2-40B4-BE49-F238E27FC236}">
+                    <a16:creationId xmlns:a16="http://schemas.microsoft.com/office/drawing/2014/main" id="{A8A06F9E-63FB-DB58-0420-FB57AD642CC1}"/>
+                  </a:ext>
+                </a:extLst>
+              </p:cNvPr>
+              <p:cNvSpPr/>
+              <p:nvPr/>
+            </p:nvSpPr>
+            <p:spPr>
+              <a:xfrm>
+                <a:off x="4883234" y="2544445"/>
+                <a:ext cx="2079524" cy="1721962"/>
+              </a:xfrm>
+              <a:prstGeom prst="arc">
+                <a:avLst>
+                  <a:gd name="adj1" fmla="val 16200000"/>
+                  <a:gd name="adj2" fmla="val 18149082"/>
+                </a:avLst>
+              </a:prstGeom>
+            </p:spPr>
+            <p:style>
+              <a:lnRef idx="1">
+                <a:schemeClr val="accent1"/>
+              </a:lnRef>
+              <a:fillRef idx="0">
+                <a:schemeClr val="accent1"/>
+              </a:fillRef>
+              <a:effectRef idx="0">
+                <a:schemeClr val="accent1"/>
+              </a:effectRef>
+              <a:fontRef idx="minor">
+                <a:schemeClr val="tx1"/>
+              </a:fontRef>
+            </p:style>
+            <p:txBody>
+              <a:bodyPr rtlCol="0" anchor="ctr"/>
+              <a:lstStyle/>
+              <a:p>
+                <a:pPr algn="ctr"/>
+                <a:endParaRPr kumimoji="1" lang="ja-JP" altLang="en-US"/>
+              </a:p>
+            </p:txBody>
+          </p:sp>
+          <p:cxnSp>
+            <p:nvCxnSpPr>
+              <p:cNvPr id="116" name="直線コネクタ 115">
+                <a:extLst>
+                  <a:ext uri="{FF2B5EF4-FFF2-40B4-BE49-F238E27FC236}">
+                    <a16:creationId xmlns:a16="http://schemas.microsoft.com/office/drawing/2014/main" id="{4D4EF820-B4F3-0453-134F-F9649255C679}"/>
+                  </a:ext>
+                </a:extLst>
+              </p:cNvPr>
+              <p:cNvCxnSpPr>
+                <a:cxnSpLocks/>
+              </p:cNvCxnSpPr>
+              <p:nvPr/>
+            </p:nvCxnSpPr>
+            <p:spPr>
+              <a:xfrm rot="1800000">
+                <a:off x="6212231" y="2423533"/>
+                <a:ext cx="0" cy="1080000"/>
+              </a:xfrm>
+              <a:prstGeom prst="line">
+                <a:avLst/>
+              </a:prstGeom>
+              <a:ln w="12700">
+                <a:prstDash val="dash"/>
+              </a:ln>
+            </p:spPr>
+            <p:style>
+              <a:lnRef idx="1">
+                <a:schemeClr val="accent1"/>
+              </a:lnRef>
+              <a:fillRef idx="0">
+                <a:schemeClr val="accent1"/>
+              </a:fillRef>
+              <a:effectRef idx="0">
+                <a:schemeClr val="accent1"/>
+              </a:effectRef>
+              <a:fontRef idx="minor">
+                <a:schemeClr val="tx1"/>
+              </a:fontRef>
+            </p:style>
+          </p:cxnSp>
+          <p:grpSp>
+            <p:nvGrpSpPr>
+              <p:cNvPr id="23" name="グループ化 22">
+                <a:extLst>
+                  <a:ext uri="{FF2B5EF4-FFF2-40B4-BE49-F238E27FC236}">
+                    <a16:creationId xmlns:a16="http://schemas.microsoft.com/office/drawing/2014/main" id="{15320E63-7692-337A-4A92-585B6E480F07}"/>
+                  </a:ext>
+                </a:extLst>
+              </p:cNvPr>
+              <p:cNvGrpSpPr/>
+              <p:nvPr/>
+            </p:nvGrpSpPr>
+            <p:grpSpPr>
+              <a:xfrm>
+                <a:off x="5646417" y="2168786"/>
+                <a:ext cx="767312" cy="2248657"/>
+                <a:chOff x="5646417" y="2168786"/>
+                <a:chExt cx="767312" cy="2248657"/>
+              </a:xfrm>
+            </p:grpSpPr>
+            <p:cxnSp>
+              <p:nvCxnSpPr>
+                <p:cNvPr id="109" name="直線コネクタ 108">
+                  <a:extLst>
+                    <a:ext uri="{FF2B5EF4-FFF2-40B4-BE49-F238E27FC236}">
+                      <a16:creationId xmlns:a16="http://schemas.microsoft.com/office/drawing/2014/main" id="{B77C1E02-D8F3-0F80-20DD-1765F0C545A0}"/>
+                    </a:ext>
+                  </a:extLst>
+                </p:cNvPr>
+                <p:cNvCxnSpPr>
+                  <a:cxnSpLocks/>
+                </p:cNvCxnSpPr>
+                <p:nvPr/>
+              </p:nvCxnSpPr>
+              <p:spPr>
+                <a:xfrm>
+                  <a:off x="5931049" y="2288487"/>
+                  <a:ext cx="0" cy="2128956"/>
+                </a:xfrm>
+                <a:prstGeom prst="line">
+                  <a:avLst/>
+                </a:prstGeom>
+                <a:ln w="12700">
+                  <a:prstDash val="dash"/>
+                </a:ln>
+              </p:spPr>
+              <p:style>
+                <a:lnRef idx="1">
+                  <a:schemeClr val="accent1"/>
+                </a:lnRef>
+                <a:fillRef idx="0">
+                  <a:schemeClr val="accent1"/>
+                </a:fillRef>
+                <a:effectRef idx="0">
+                  <a:schemeClr val="accent1"/>
+                </a:effectRef>
+                <a:fontRef idx="minor">
+                  <a:schemeClr val="tx1"/>
+                </a:fontRef>
+              </p:style>
+            </p:cxnSp>
+            <mc:AlternateContent xmlns:mc="http://schemas.openxmlformats.org/markup-compatibility/2006" xmlns:a14="http://schemas.microsoft.com/office/drawing/2010/main">
+              <mc:Choice Requires="a14">
+                <p:sp>
+                  <p:nvSpPr>
+                    <p:cNvPr id="117" name="テキスト ボックス 116">
+                      <a:extLst>
+                        <a:ext uri="{FF2B5EF4-FFF2-40B4-BE49-F238E27FC236}">
+                          <a16:creationId xmlns:a16="http://schemas.microsoft.com/office/drawing/2014/main" id="{A7A8ACEA-33BE-83DF-8EC7-E7E5DE4D017E}"/>
+                        </a:ext>
+                      </a:extLst>
+                    </p:cNvPr>
+                    <p:cNvSpPr txBox="1"/>
+                    <p:nvPr/>
+                  </p:nvSpPr>
+                  <p:spPr>
+                    <a:xfrm>
+                      <a:off x="6010734" y="2168786"/>
+                      <a:ext cx="402995" cy="369332"/>
+                    </a:xfrm>
+                    <a:prstGeom prst="rect">
+                      <a:avLst/>
+                    </a:prstGeom>
+                    <a:noFill/>
+                  </p:spPr>
+                  <p:txBody>
+                    <a:bodyPr wrap="none" rtlCol="0">
+                      <a:spAutoFit/>
+                    </a:bodyPr>
+                    <a:lstStyle/>
+                    <a:p>
+                      <a:pPr/>
+                      <a14:m>
+                        <m:oMathPara xmlns:m="http://schemas.openxmlformats.org/officeDocument/2006/math">
+                          <m:oMathParaPr>
+                            <m:jc m:val="centerGroup"/>
+                          </m:oMathParaPr>
+                          <m:oMath xmlns:m="http://schemas.openxmlformats.org/officeDocument/2006/math">
+                            <m:r>
+                              <a:rPr kumimoji="1" lang="en-US" altLang="ja-JP" b="0" i="1" dirty="0" smtClean="0">
+                                <a:latin typeface="Cambria Math" panose="02040503050406030204" pitchFamily="18" charset="0"/>
+                              </a:rPr>
+                              <m:t>𝜃</m:t>
+                            </m:r>
+                          </m:oMath>
+                        </m:oMathPara>
+                      </a14:m>
+                      <a:endParaRPr kumimoji="1" lang="ja-JP" altLang="en-US" dirty="0"/>
+                    </a:p>
+                  </p:txBody>
+                </p:sp>
+              </mc:Choice>
+              <mc:Fallback xmlns="">
+                <p:sp>
+                  <p:nvSpPr>
+                    <p:cNvPr id="117" name="テキスト ボックス 116">
+                      <a:extLst>
+                        <a:ext uri="{FF2B5EF4-FFF2-40B4-BE49-F238E27FC236}">
+                          <a16:creationId xmlns:a16="http://schemas.microsoft.com/office/drawing/2014/main" id="{A7A8ACEA-33BE-83DF-8EC7-E7E5DE4D017E}"/>
+                        </a:ext>
+                      </a:extLst>
+                    </p:cNvPr>
+                    <p:cNvSpPr txBox="1">
+                      <a:spLocks noRot="1" noChangeAspect="1" noMove="1" noResize="1" noEditPoints="1" noAdjustHandles="1" noChangeArrowheads="1" noChangeShapeType="1" noTextEdit="1"/>
+                    </p:cNvSpPr>
+                    <p:nvPr/>
+                  </p:nvSpPr>
+                  <p:spPr>
+                    <a:xfrm>
+                      <a:off x="6010734" y="2168786"/>
+                      <a:ext cx="402995" cy="369332"/>
+                    </a:xfrm>
+                    <a:prstGeom prst="rect">
+                      <a:avLst/>
+                    </a:prstGeom>
+                    <a:blipFill>
+                      <a:blip r:embed="rId3"/>
+                      <a:stretch>
+                        <a:fillRect/>
+                      </a:stretch>
+                    </a:blipFill>
+                  </p:spPr>
+                  <p:txBody>
+                    <a:bodyPr/>
+                    <a:lstStyle/>
+                    <a:p>
+                      <a:r>
+                        <a:rPr lang="ja-JP" altLang="en-US">
+                          <a:noFill/>
+                        </a:rPr>
+                        <a:t> </a:t>
+                      </a:r>
+                    </a:p>
+                  </p:txBody>
+                </p:sp>
+              </mc:Fallback>
+            </mc:AlternateContent>
+            <p:grpSp>
+              <p:nvGrpSpPr>
+                <p:cNvPr id="120" name="グループ化 119">
+                  <a:extLst>
+                    <a:ext uri="{FF2B5EF4-FFF2-40B4-BE49-F238E27FC236}">
+                      <a16:creationId xmlns:a16="http://schemas.microsoft.com/office/drawing/2014/main" id="{A21097D9-2815-DD68-80E5-D3892A17B4F9}"/>
+                    </a:ext>
+                  </a:extLst>
+                </p:cNvPr>
+                <p:cNvGrpSpPr/>
+                <p:nvPr/>
+              </p:nvGrpSpPr>
+              <p:grpSpPr>
+                <a:xfrm rot="1800000">
+                  <a:off x="5646417" y="2862229"/>
+                  <a:ext cx="576221" cy="1166497"/>
+                  <a:chOff x="6376067" y="4122443"/>
+                  <a:chExt cx="576221" cy="1166497"/>
+                </a:xfrm>
+              </p:grpSpPr>
+              <p:sp>
+                <p:nvSpPr>
+                  <p:cNvPr id="128" name="楕円 127">
+                    <a:extLst>
+                      <a:ext uri="{FF2B5EF4-FFF2-40B4-BE49-F238E27FC236}">
+                        <a16:creationId xmlns:a16="http://schemas.microsoft.com/office/drawing/2014/main" id="{51424A5B-1E43-19D2-097A-D7909FC91B47}"/>
+                      </a:ext>
+                    </a:extLst>
+                  </p:cNvPr>
+                  <p:cNvSpPr/>
+                  <p:nvPr/>
+                </p:nvSpPr>
+                <p:spPr>
+                  <a:xfrm>
+                    <a:off x="6376067" y="4122443"/>
+                    <a:ext cx="576221" cy="1166497"/>
+                  </a:xfrm>
+                  <a:prstGeom prst="ellipse">
+                    <a:avLst/>
+                  </a:prstGeom>
+                  <a:noFill/>
+                </p:spPr>
+                <p:style>
+                  <a:lnRef idx="2">
+                    <a:schemeClr val="accent1">
+                      <a:shade val="15000"/>
+                    </a:schemeClr>
+                  </a:lnRef>
+                  <a:fillRef idx="1">
+                    <a:schemeClr val="accent1"/>
+                  </a:fillRef>
+                  <a:effectRef idx="0">
+                    <a:schemeClr val="accent1"/>
+                  </a:effectRef>
+                  <a:fontRef idx="minor">
+                    <a:schemeClr val="lt1"/>
+                  </a:fontRef>
+                </p:style>
+                <p:txBody>
+                  <a:bodyPr rtlCol="0" anchor="ctr"/>
+                  <a:lstStyle/>
+                  <a:p>
+                    <a:pPr algn="ctr"/>
+                    <a:endParaRPr kumimoji="1" lang="ja-JP" altLang="en-US"/>
+                  </a:p>
+                </p:txBody>
+              </p:sp>
+              <p:cxnSp>
+                <p:nvCxnSpPr>
+                  <p:cNvPr id="129" name="直線コネクタ 128">
+                    <a:extLst>
+                      <a:ext uri="{FF2B5EF4-FFF2-40B4-BE49-F238E27FC236}">
+                        <a16:creationId xmlns:a16="http://schemas.microsoft.com/office/drawing/2014/main" id="{B26CC896-BFC3-E8C8-C8C0-2948844F632F}"/>
+                      </a:ext>
+                    </a:extLst>
+                  </p:cNvPr>
+                  <p:cNvCxnSpPr>
+                    <a:stCxn id="128" idx="1"/>
+                    <a:endCxn id="128" idx="3"/>
+                  </p:cNvCxnSpPr>
+                  <p:nvPr/>
+                </p:nvCxnSpPr>
+                <p:spPr>
+                  <a:xfrm>
+                    <a:off x="6460448" y="4293273"/>
+                    <a:ext cx="0" cy="824837"/>
+                  </a:xfrm>
+                  <a:prstGeom prst="line">
+                    <a:avLst/>
+                  </a:prstGeom>
+                  <a:ln w="19050"/>
+                </p:spPr>
+                <p:style>
+                  <a:lnRef idx="1">
+                    <a:schemeClr val="accent1"/>
+                  </a:lnRef>
+                  <a:fillRef idx="0">
+                    <a:schemeClr val="accent1"/>
+                  </a:fillRef>
+                  <a:effectRef idx="0">
+                    <a:schemeClr val="accent1"/>
+                  </a:effectRef>
+                  <a:fontRef idx="minor">
+                    <a:schemeClr val="tx1"/>
+                  </a:fontRef>
+                </p:style>
+              </p:cxnSp>
+              <p:cxnSp>
+                <p:nvCxnSpPr>
+                  <p:cNvPr id="130" name="直線コネクタ 129">
+                    <a:extLst>
+                      <a:ext uri="{FF2B5EF4-FFF2-40B4-BE49-F238E27FC236}">
+                        <a16:creationId xmlns:a16="http://schemas.microsoft.com/office/drawing/2014/main" id="{652FD907-3F6A-94B5-96F0-E8F3C7BC2D93}"/>
+                      </a:ext>
+                    </a:extLst>
+                  </p:cNvPr>
+                  <p:cNvCxnSpPr>
+                    <a:stCxn id="128" idx="0"/>
+                    <a:endCxn id="128" idx="4"/>
+                  </p:cNvCxnSpPr>
+                  <p:nvPr/>
+                </p:nvCxnSpPr>
+                <p:spPr>
+                  <a:xfrm>
+                    <a:off x="6664173" y="4122443"/>
+                    <a:ext cx="0" cy="1166497"/>
+                  </a:xfrm>
+                  <a:prstGeom prst="line">
+                    <a:avLst/>
+                  </a:prstGeom>
+                  <a:ln w="19050"/>
+                </p:spPr>
+                <p:style>
+                  <a:lnRef idx="1">
+                    <a:schemeClr val="accent1"/>
+                  </a:lnRef>
+                  <a:fillRef idx="0">
+                    <a:schemeClr val="accent1"/>
+                  </a:fillRef>
+                  <a:effectRef idx="0">
+                    <a:schemeClr val="accent1"/>
+                  </a:effectRef>
+                  <a:fontRef idx="minor">
+                    <a:schemeClr val="tx1"/>
+                  </a:fontRef>
+                </p:style>
+              </p:cxnSp>
+              <p:cxnSp>
+                <p:nvCxnSpPr>
+                  <p:cNvPr id="131" name="直線コネクタ 130">
+                    <a:extLst>
+                      <a:ext uri="{FF2B5EF4-FFF2-40B4-BE49-F238E27FC236}">
+                        <a16:creationId xmlns:a16="http://schemas.microsoft.com/office/drawing/2014/main" id="{99C3540A-E9E5-61FD-7CDB-E797469C308D}"/>
+                      </a:ext>
+                    </a:extLst>
+                  </p:cNvPr>
+                  <p:cNvCxnSpPr>
+                    <a:stCxn id="128" idx="7"/>
+                    <a:endCxn id="128" idx="5"/>
+                  </p:cNvCxnSpPr>
+                  <p:nvPr/>
+                </p:nvCxnSpPr>
+                <p:spPr>
+                  <a:xfrm>
+                    <a:off x="6867897" y="4293273"/>
+                    <a:ext cx="0" cy="824837"/>
+                  </a:xfrm>
+                  <a:prstGeom prst="line">
+                    <a:avLst/>
+                  </a:prstGeom>
+                  <a:ln w="19050"/>
+                </p:spPr>
+                <p:style>
+                  <a:lnRef idx="1">
+                    <a:schemeClr val="accent1"/>
+                  </a:lnRef>
+                  <a:fillRef idx="0">
+                    <a:schemeClr val="accent1"/>
+                  </a:fillRef>
+                  <a:effectRef idx="0">
+                    <a:schemeClr val="accent1"/>
+                  </a:effectRef>
+                  <a:fontRef idx="minor">
+                    <a:schemeClr val="tx1"/>
+                  </a:fontRef>
+                </p:style>
+              </p:cxnSp>
+              <p:cxnSp>
+                <p:nvCxnSpPr>
+                  <p:cNvPr id="132" name="直線コネクタ 131">
+                    <a:extLst>
+                      <a:ext uri="{FF2B5EF4-FFF2-40B4-BE49-F238E27FC236}">
+                        <a16:creationId xmlns:a16="http://schemas.microsoft.com/office/drawing/2014/main" id="{20BE54CC-DE9E-9968-269C-9DF404A278A1}"/>
+                      </a:ext>
+                    </a:extLst>
+                  </p:cNvPr>
+                  <p:cNvCxnSpPr>
+                    <a:cxnSpLocks/>
+                  </p:cNvCxnSpPr>
+                  <p:nvPr/>
+                </p:nvCxnSpPr>
+                <p:spPr>
+                  <a:xfrm>
+                    <a:off x="6764614" y="4165687"/>
+                    <a:ext cx="0" cy="1102202"/>
+                  </a:xfrm>
+                  <a:prstGeom prst="line">
+                    <a:avLst/>
+                  </a:prstGeom>
+                  <a:ln w="19050"/>
+                </p:spPr>
+                <p:style>
+                  <a:lnRef idx="1">
+                    <a:schemeClr val="accent1"/>
+                  </a:lnRef>
+                  <a:fillRef idx="0">
+                    <a:schemeClr val="accent1"/>
+                  </a:fillRef>
+                  <a:effectRef idx="0">
+                    <a:schemeClr val="accent1"/>
+                  </a:effectRef>
+                  <a:fontRef idx="minor">
+                    <a:schemeClr val="tx1"/>
+                  </a:fontRef>
+                </p:style>
+              </p:cxnSp>
+              <p:cxnSp>
+                <p:nvCxnSpPr>
+                  <p:cNvPr id="133" name="直線コネクタ 132">
+                    <a:extLst>
+                      <a:ext uri="{FF2B5EF4-FFF2-40B4-BE49-F238E27FC236}">
+                        <a16:creationId xmlns:a16="http://schemas.microsoft.com/office/drawing/2014/main" id="{3E0C7425-DED8-EEC3-E569-08B1D84CAF04}"/>
+                      </a:ext>
+                    </a:extLst>
+                  </p:cNvPr>
+                  <p:cNvCxnSpPr>
+                    <a:cxnSpLocks/>
+                  </p:cNvCxnSpPr>
+                  <p:nvPr/>
+                </p:nvCxnSpPr>
+                <p:spPr>
+                  <a:xfrm>
+                    <a:off x="6570199" y="4165688"/>
+                    <a:ext cx="0" cy="1102202"/>
+                  </a:xfrm>
+                  <a:prstGeom prst="line">
+                    <a:avLst/>
+                  </a:prstGeom>
+                  <a:ln w="19050"/>
+                </p:spPr>
+                <p:style>
+                  <a:lnRef idx="1">
+                    <a:schemeClr val="accent1"/>
+                  </a:lnRef>
+                  <a:fillRef idx="0">
+                    <a:schemeClr val="accent1"/>
+                  </a:fillRef>
+                  <a:effectRef idx="0">
+                    <a:schemeClr val="accent1"/>
+                  </a:effectRef>
+                  <a:fontRef idx="minor">
+                    <a:schemeClr val="tx1"/>
+                  </a:fontRef>
+                </p:style>
+              </p:cxnSp>
+            </p:grpSp>
+          </p:grpSp>
+        </p:grpSp>
+        <p:sp>
+          <p:nvSpPr>
+            <p:cNvPr id="134" name="テキスト ボックス 133">
+              <a:extLst>
+                <a:ext uri="{FF2B5EF4-FFF2-40B4-BE49-F238E27FC236}">
+                  <a16:creationId xmlns:a16="http://schemas.microsoft.com/office/drawing/2014/main" id="{3D351F89-7B25-4AB4-7095-E0E8BE69B994}"/>
+                </a:ext>
+              </a:extLst>
+            </p:cNvPr>
+            <p:cNvSpPr txBox="1"/>
+            <p:nvPr/>
+          </p:nvSpPr>
+          <p:spPr>
+            <a:xfrm>
+              <a:off x="265183" y="2353452"/>
+              <a:ext cx="530915" cy="369332"/>
+            </a:xfrm>
+            <a:prstGeom prst="rect">
+              <a:avLst/>
+            </a:prstGeom>
+            <a:noFill/>
+          </p:spPr>
+          <p:txBody>
+            <a:bodyPr wrap="none" rtlCol="0">
+              <a:spAutoFit/>
+            </a:bodyPr>
+            <a:lstStyle/>
+            <a:p>
+              <a:r>
+                <a:rPr kumimoji="1" lang="en-US" altLang="ja-JP" dirty="0"/>
+                <a:t>(a)</a:t>
+              </a:r>
+              <a:endParaRPr kumimoji="1" lang="ja-JP" altLang="en-US" dirty="0"/>
+            </a:p>
+          </p:txBody>
+        </p:sp>
+        <p:sp>
+          <p:nvSpPr>
+            <p:cNvPr id="81" name="円弧 80">
+              <a:extLst>
+                <a:ext uri="{FF2B5EF4-FFF2-40B4-BE49-F238E27FC236}">
+                  <a16:creationId xmlns:a16="http://schemas.microsoft.com/office/drawing/2014/main" id="{6D20DBB0-0B24-9A56-65C0-A493A5623EBA}"/>
+                </a:ext>
+              </a:extLst>
+            </p:cNvPr>
+            <p:cNvSpPr/>
+            <p:nvPr/>
+          </p:nvSpPr>
+          <p:spPr>
+            <a:xfrm flipH="1">
+              <a:off x="2055451" y="2614117"/>
+              <a:ext cx="2079524" cy="1721962"/>
+            </a:xfrm>
+            <a:prstGeom prst="arc">
+              <a:avLst>
+                <a:gd name="adj1" fmla="val 16200000"/>
+                <a:gd name="adj2" fmla="val 17173125"/>
+              </a:avLst>
+            </a:prstGeom>
+          </p:spPr>
+          <p:style>
+            <a:lnRef idx="1">
+              <a:schemeClr val="accent1"/>
+            </a:lnRef>
+            <a:fillRef idx="0">
+              <a:schemeClr val="accent1"/>
+            </a:fillRef>
+            <a:effectRef idx="0">
+              <a:schemeClr val="accent1"/>
+            </a:effectRef>
+            <a:fontRef idx="minor">
+              <a:schemeClr val="tx1"/>
+            </a:fontRef>
+          </p:style>
+          <p:txBody>
+            <a:bodyPr rtlCol="0" anchor="ctr"/>
+            <a:lstStyle/>
+            <a:p>
+              <a:pPr algn="ctr"/>
+              <a:endParaRPr kumimoji="1" lang="ja-JP" altLang="en-US"/>
+            </a:p>
+          </p:txBody>
+        </p:sp>
+        <p:cxnSp>
+          <p:nvCxnSpPr>
+            <p:cNvPr id="82" name="直線コネクタ 81">
+              <a:extLst>
+                <a:ext uri="{FF2B5EF4-FFF2-40B4-BE49-F238E27FC236}">
+                  <a16:creationId xmlns:a16="http://schemas.microsoft.com/office/drawing/2014/main" id="{3B355F62-580D-2AA5-1ED8-3B47B2325470}"/>
+                </a:ext>
+              </a:extLst>
+            </p:cNvPr>
+            <p:cNvCxnSpPr>
+              <a:cxnSpLocks/>
+            </p:cNvCxnSpPr>
+            <p:nvPr/>
+          </p:nvCxnSpPr>
+          <p:spPr>
+            <a:xfrm rot="20700000" flipH="1">
+              <a:off x="2949412" y="2493205"/>
+              <a:ext cx="0" cy="1080000"/>
+            </a:xfrm>
+            <a:prstGeom prst="line">
+              <a:avLst/>
+            </a:prstGeom>
+            <a:ln w="12700">
+              <a:prstDash val="dash"/>
+            </a:ln>
+          </p:spPr>
+          <p:style>
+            <a:lnRef idx="1">
+              <a:schemeClr val="accent1"/>
+            </a:lnRef>
+            <a:fillRef idx="0">
+              <a:schemeClr val="accent1"/>
+            </a:fillRef>
+            <a:effectRef idx="0">
+              <a:schemeClr val="accent1"/>
+            </a:effectRef>
+            <a:fontRef idx="minor">
+              <a:schemeClr val="tx1"/>
+            </a:fontRef>
+          </p:style>
+        </p:cxnSp>
+        <p:cxnSp>
+          <p:nvCxnSpPr>
+            <p:cNvPr id="84" name="直線コネクタ 83">
+              <a:extLst>
+                <a:ext uri="{FF2B5EF4-FFF2-40B4-BE49-F238E27FC236}">
+                  <a16:creationId xmlns:a16="http://schemas.microsoft.com/office/drawing/2014/main" id="{238936B1-C683-93C6-199C-45F121CF5A68}"/>
+                </a:ext>
+              </a:extLst>
+            </p:cNvPr>
+            <p:cNvCxnSpPr>
+              <a:cxnSpLocks/>
+            </p:cNvCxnSpPr>
+            <p:nvPr/>
+          </p:nvCxnSpPr>
+          <p:spPr>
+            <a:xfrm flipH="1">
+              <a:off x="3087160" y="2358159"/>
+              <a:ext cx="0" cy="2128956"/>
+            </a:xfrm>
+            <a:prstGeom prst="line">
+              <a:avLst/>
+            </a:prstGeom>
+            <a:ln w="12700">
+              <a:prstDash val="dash"/>
+            </a:ln>
+          </p:spPr>
+          <p:style>
+            <a:lnRef idx="1">
+              <a:schemeClr val="accent1"/>
+            </a:lnRef>
+            <a:fillRef idx="0">
+              <a:schemeClr val="accent1"/>
+            </a:fillRef>
+            <a:effectRef idx="0">
+              <a:schemeClr val="accent1"/>
+            </a:effectRef>
+            <a:fontRef idx="minor">
+              <a:schemeClr val="tx1"/>
+            </a:fontRef>
+          </p:style>
+        </p:cxnSp>
+        <mc:AlternateContent xmlns:mc="http://schemas.openxmlformats.org/markup-compatibility/2006" xmlns:a14="http://schemas.microsoft.com/office/drawing/2010/main">
+          <mc:Choice Requires="a14">
+            <p:sp>
+              <p:nvSpPr>
+                <p:cNvPr id="86" name="テキスト ボックス 85">
+                  <a:extLst>
+                    <a:ext uri="{FF2B5EF4-FFF2-40B4-BE49-F238E27FC236}">
+                      <a16:creationId xmlns:a16="http://schemas.microsoft.com/office/drawing/2014/main" id="{9910DAD8-A74E-67A2-D527-310DF7E29182}"/>
+                    </a:ext>
+                  </a:extLst>
+                </p:cNvPr>
+                <p:cNvSpPr txBox="1"/>
+                <p:nvPr/>
+              </p:nvSpPr>
+              <p:spPr>
+                <a:xfrm flipH="1">
+                  <a:off x="2116111" y="2101281"/>
+                  <a:ext cx="1164357" cy="369332"/>
+                </a:xfrm>
+                <a:prstGeom prst="rect">
+                  <a:avLst/>
+                </a:prstGeom>
+                <a:noFill/>
+              </p:spPr>
+              <p:txBody>
+                <a:bodyPr wrap="none" rtlCol="0">
+                  <a:spAutoFit/>
+                </a:bodyPr>
+                <a:lstStyle/>
+                <a:p>
+                  <a:pPr/>
+                  <a14:m>
+                    <m:oMathPara xmlns:m="http://schemas.openxmlformats.org/officeDocument/2006/math">
+                      <m:oMathParaPr>
+                        <m:jc m:val="centerGroup"/>
+                      </m:oMathParaPr>
+                      <m:oMath xmlns:m="http://schemas.openxmlformats.org/officeDocument/2006/math">
+                        <m:r>
+                          <a:rPr kumimoji="1" lang="en-US" altLang="ja-JP" b="0" i="1" dirty="0" smtClean="0">
+                            <a:latin typeface="Cambria Math" panose="02040503050406030204" pitchFamily="18" charset="0"/>
+                          </a:rPr>
+                          <m:t>0° </m:t>
+                        </m:r>
+                        <m:r>
+                          <m:rPr>
+                            <m:sty m:val="p"/>
+                          </m:rPr>
+                          <a:rPr kumimoji="1" lang="en-US" altLang="ja-JP" b="0" i="0" dirty="0" smtClean="0">
+                            <a:latin typeface="Cambria Math" panose="02040503050406030204" pitchFamily="18" charset="0"/>
+                          </a:rPr>
+                          <m:t>or</m:t>
+                        </m:r>
+                        <m:r>
+                          <a:rPr kumimoji="1" lang="en-US" altLang="ja-JP" b="0" i="1" dirty="0" smtClean="0">
+                            <a:latin typeface="Cambria Math" panose="02040503050406030204" pitchFamily="18" charset="0"/>
+                          </a:rPr>
+                          <m:t> 45°</m:t>
+                        </m:r>
+                      </m:oMath>
+                    </m:oMathPara>
+                  </a14:m>
+                  <a:endParaRPr kumimoji="1" lang="ja-JP" altLang="en-US" dirty="0"/>
+                </a:p>
+              </p:txBody>
+            </p:sp>
+          </mc:Choice>
+          <mc:Fallback xmlns="">
+            <p:sp>
+              <p:nvSpPr>
+                <p:cNvPr id="86" name="テキスト ボックス 85">
+                  <a:extLst>
+                    <a:ext uri="{FF2B5EF4-FFF2-40B4-BE49-F238E27FC236}">
+                      <a16:creationId xmlns:a16="http://schemas.microsoft.com/office/drawing/2014/main" id="{9910DAD8-A74E-67A2-D527-310DF7E29182}"/>
+                    </a:ext>
+                  </a:extLst>
+                </p:cNvPr>
+                <p:cNvSpPr txBox="1">
+                  <a:spLocks noRot="1" noChangeAspect="1" noMove="1" noResize="1" noEditPoints="1" noAdjustHandles="1" noChangeArrowheads="1" noChangeShapeType="1" noTextEdit="1"/>
+                </p:cNvSpPr>
+                <p:nvPr/>
+              </p:nvSpPr>
+              <p:spPr>
+                <a:xfrm flipH="1">
+                  <a:off x="2116111" y="2101281"/>
+                  <a:ext cx="1164357" cy="369332"/>
+                </a:xfrm>
+                <a:prstGeom prst="rect">
+                  <a:avLst/>
+                </a:prstGeom>
+                <a:blipFill>
+                  <a:blip r:embed="rId4"/>
+                  <a:stretch>
+                    <a:fillRect/>
+                  </a:stretch>
+                </a:blipFill>
+              </p:spPr>
+              <p:txBody>
+                <a:bodyPr/>
+                <a:lstStyle/>
+                <a:p>
+                  <a:r>
+                    <a:rPr lang="ja-JP" altLang="en-US">
+                      <a:noFill/>
+                    </a:rPr>
+                    <a:t> </a:t>
+                  </a:r>
+                </a:p>
+              </p:txBody>
+            </p:sp>
+          </mc:Fallback>
+        </mc:AlternateContent>
+        <p:grpSp>
+          <p:nvGrpSpPr>
+            <p:cNvPr id="87" name="グループ化 86">
+              <a:extLst>
+                <a:ext uri="{FF2B5EF4-FFF2-40B4-BE49-F238E27FC236}">
+                  <a16:creationId xmlns:a16="http://schemas.microsoft.com/office/drawing/2014/main" id="{C30D4B42-1AA0-0652-58A0-E953997672F6}"/>
+                </a:ext>
+              </a:extLst>
+            </p:cNvPr>
+            <p:cNvGrpSpPr/>
+            <p:nvPr/>
+          </p:nvGrpSpPr>
+          <p:grpSpPr>
+            <a:xfrm rot="20700000" flipH="1">
+              <a:off x="2795570" y="2931910"/>
+              <a:ext cx="576221" cy="1166497"/>
+              <a:chOff x="6376067" y="4122443"/>
+              <a:chExt cx="576221" cy="1166497"/>
+            </a:xfrm>
+          </p:grpSpPr>
+          <p:sp>
+            <p:nvSpPr>
+              <p:cNvPr id="88" name="楕円 87">
+                <a:extLst>
+                  <a:ext uri="{FF2B5EF4-FFF2-40B4-BE49-F238E27FC236}">
+                    <a16:creationId xmlns:a16="http://schemas.microsoft.com/office/drawing/2014/main" id="{CF213B39-50F7-B76A-4D98-E87739ED6118}"/>
+                  </a:ext>
+                </a:extLst>
+              </p:cNvPr>
+              <p:cNvSpPr/>
+              <p:nvPr/>
+            </p:nvSpPr>
+            <p:spPr>
+              <a:xfrm>
+                <a:off x="6376067" y="4122443"/>
+                <a:ext cx="576221" cy="1166497"/>
+              </a:xfrm>
+              <a:prstGeom prst="ellipse">
+                <a:avLst/>
+              </a:prstGeom>
+              <a:noFill/>
+            </p:spPr>
+            <p:style>
+              <a:lnRef idx="2">
+                <a:schemeClr val="accent1">
+                  <a:shade val="15000"/>
+                </a:schemeClr>
+              </a:lnRef>
+              <a:fillRef idx="1">
+                <a:schemeClr val="accent1"/>
+              </a:fillRef>
+              <a:effectRef idx="0">
+                <a:schemeClr val="accent1"/>
+              </a:effectRef>
+              <a:fontRef idx="minor">
+                <a:schemeClr val="lt1"/>
+              </a:fontRef>
+            </p:style>
+            <p:txBody>
+              <a:bodyPr rtlCol="0" anchor="ctr"/>
+              <a:lstStyle/>
+              <a:p>
+                <a:pPr algn="ctr"/>
+                <a:endParaRPr kumimoji="1" lang="ja-JP" altLang="en-US"/>
+              </a:p>
+            </p:txBody>
+          </p:sp>
+          <p:cxnSp>
+            <p:nvCxnSpPr>
+              <p:cNvPr id="89" name="直線コネクタ 88">
+                <a:extLst>
+                  <a:ext uri="{FF2B5EF4-FFF2-40B4-BE49-F238E27FC236}">
+                    <a16:creationId xmlns:a16="http://schemas.microsoft.com/office/drawing/2014/main" id="{FE64D24E-B60F-09D6-EC71-8DE24D0F4046}"/>
+                  </a:ext>
+                </a:extLst>
+              </p:cNvPr>
+              <p:cNvCxnSpPr>
+                <a:stCxn id="88" idx="1"/>
+                <a:endCxn id="88" idx="3"/>
+              </p:cNvCxnSpPr>
+              <p:nvPr/>
+            </p:nvCxnSpPr>
+            <p:spPr>
+              <a:xfrm>
+                <a:off x="6460448" y="4293273"/>
+                <a:ext cx="0" cy="824837"/>
+              </a:xfrm>
+              <a:prstGeom prst="line">
+                <a:avLst/>
+              </a:prstGeom>
+              <a:ln w="19050"/>
+            </p:spPr>
+            <p:style>
+              <a:lnRef idx="1">
+                <a:schemeClr val="accent1"/>
+              </a:lnRef>
+              <a:fillRef idx="0">
+                <a:schemeClr val="accent1"/>
+              </a:fillRef>
+              <a:effectRef idx="0">
+                <a:schemeClr val="accent1"/>
+              </a:effectRef>
+              <a:fontRef idx="minor">
+                <a:schemeClr val="tx1"/>
+              </a:fontRef>
+            </p:style>
+          </p:cxnSp>
+          <p:cxnSp>
+            <p:nvCxnSpPr>
+              <p:cNvPr id="90" name="直線コネクタ 89">
+                <a:extLst>
+                  <a:ext uri="{FF2B5EF4-FFF2-40B4-BE49-F238E27FC236}">
+                    <a16:creationId xmlns:a16="http://schemas.microsoft.com/office/drawing/2014/main" id="{046F776D-B0E4-8DCB-2E94-F125ECE3D020}"/>
+                  </a:ext>
+                </a:extLst>
+              </p:cNvPr>
+              <p:cNvCxnSpPr>
+                <a:stCxn id="88" idx="0"/>
+                <a:endCxn id="88" idx="4"/>
+              </p:cNvCxnSpPr>
+              <p:nvPr/>
+            </p:nvCxnSpPr>
+            <p:spPr>
+              <a:xfrm>
+                <a:off x="6664173" y="4122443"/>
+                <a:ext cx="0" cy="1166497"/>
+              </a:xfrm>
+              <a:prstGeom prst="line">
+                <a:avLst/>
+              </a:prstGeom>
+              <a:ln w="19050"/>
+            </p:spPr>
+            <p:style>
+              <a:lnRef idx="1">
+                <a:schemeClr val="accent1"/>
+              </a:lnRef>
+              <a:fillRef idx="0">
+                <a:schemeClr val="accent1"/>
+              </a:fillRef>
+              <a:effectRef idx="0">
+                <a:schemeClr val="accent1"/>
+              </a:effectRef>
+              <a:fontRef idx="minor">
+                <a:schemeClr val="tx1"/>
+              </a:fontRef>
+            </p:style>
+          </p:cxnSp>
+          <p:cxnSp>
+            <p:nvCxnSpPr>
+              <p:cNvPr id="91" name="直線コネクタ 90">
+                <a:extLst>
+                  <a:ext uri="{FF2B5EF4-FFF2-40B4-BE49-F238E27FC236}">
+                    <a16:creationId xmlns:a16="http://schemas.microsoft.com/office/drawing/2014/main" id="{B55A19C3-63A0-0D07-92B8-4063145E3277}"/>
+                  </a:ext>
+                </a:extLst>
+              </p:cNvPr>
+              <p:cNvCxnSpPr>
+                <a:stCxn id="88" idx="7"/>
+                <a:endCxn id="88" idx="5"/>
+              </p:cNvCxnSpPr>
+              <p:nvPr/>
+            </p:nvCxnSpPr>
+            <p:spPr>
+              <a:xfrm>
+                <a:off x="6867897" y="4293273"/>
+                <a:ext cx="0" cy="824837"/>
+              </a:xfrm>
+              <a:prstGeom prst="line">
+                <a:avLst/>
+              </a:prstGeom>
+              <a:ln w="19050"/>
+            </p:spPr>
+            <p:style>
+              <a:lnRef idx="1">
+                <a:schemeClr val="accent1"/>
+              </a:lnRef>
+              <a:fillRef idx="0">
+                <a:schemeClr val="accent1"/>
+              </a:fillRef>
+              <a:effectRef idx="0">
+                <a:schemeClr val="accent1"/>
+              </a:effectRef>
+              <a:fontRef idx="minor">
+                <a:schemeClr val="tx1"/>
+              </a:fontRef>
+            </p:style>
+          </p:cxnSp>
+          <p:cxnSp>
+            <p:nvCxnSpPr>
+              <p:cNvPr id="92" name="直線コネクタ 91">
+                <a:extLst>
+                  <a:ext uri="{FF2B5EF4-FFF2-40B4-BE49-F238E27FC236}">
+                    <a16:creationId xmlns:a16="http://schemas.microsoft.com/office/drawing/2014/main" id="{9D3F7A34-FBED-C1DA-F3EF-770CB85787D8}"/>
+                  </a:ext>
+                </a:extLst>
+              </p:cNvPr>
+              <p:cNvCxnSpPr>
+                <a:cxnSpLocks/>
+              </p:cNvCxnSpPr>
+              <p:nvPr/>
+            </p:nvCxnSpPr>
+            <p:spPr>
+              <a:xfrm>
+                <a:off x="6764614" y="4165687"/>
+                <a:ext cx="0" cy="1102202"/>
+              </a:xfrm>
+              <a:prstGeom prst="line">
+                <a:avLst/>
+              </a:prstGeom>
+              <a:ln w="19050"/>
+            </p:spPr>
+            <p:style>
+              <a:lnRef idx="1">
+                <a:schemeClr val="accent1"/>
+              </a:lnRef>
+              <a:fillRef idx="0">
+                <a:schemeClr val="accent1"/>
+              </a:fillRef>
+              <a:effectRef idx="0">
+                <a:schemeClr val="accent1"/>
+              </a:effectRef>
+              <a:fontRef idx="minor">
+                <a:schemeClr val="tx1"/>
+              </a:fontRef>
+            </p:style>
+          </p:cxnSp>
+          <p:cxnSp>
+            <p:nvCxnSpPr>
+              <p:cNvPr id="93" name="直線コネクタ 92">
+                <a:extLst>
+                  <a:ext uri="{FF2B5EF4-FFF2-40B4-BE49-F238E27FC236}">
+                    <a16:creationId xmlns:a16="http://schemas.microsoft.com/office/drawing/2014/main" id="{972214D6-FB3C-F618-3680-153E536FF727}"/>
+                  </a:ext>
+                </a:extLst>
+              </p:cNvPr>
+              <p:cNvCxnSpPr>
+                <a:cxnSpLocks/>
+              </p:cNvCxnSpPr>
+              <p:nvPr/>
+            </p:nvCxnSpPr>
+            <p:spPr>
+              <a:xfrm>
+                <a:off x="6570199" y="4165688"/>
+                <a:ext cx="0" cy="1102202"/>
+              </a:xfrm>
+              <a:prstGeom prst="line">
+                <a:avLst/>
+              </a:prstGeom>
+              <a:ln w="19050"/>
+            </p:spPr>
+            <p:style>
+              <a:lnRef idx="1">
+                <a:schemeClr val="accent1"/>
+              </a:lnRef>
+              <a:fillRef idx="0">
+                <a:schemeClr val="accent1"/>
+              </a:fillRef>
+              <a:effectRef idx="0">
+                <a:schemeClr val="accent1"/>
+              </a:effectRef>
+              <a:fontRef idx="minor">
+                <a:schemeClr val="tx1"/>
+              </a:fontRef>
+            </p:style>
+          </p:cxnSp>
+        </p:grpSp>
+      </p:grpSp>
+      <p:grpSp>
+        <p:nvGrpSpPr>
+          <p:cNvPr id="122" name="グループ化 121">
+            <a:extLst>
+              <a:ext uri="{FF2B5EF4-FFF2-40B4-BE49-F238E27FC236}">
+                <a16:creationId xmlns:a16="http://schemas.microsoft.com/office/drawing/2014/main" id="{CDC2C7FD-7766-2C07-9D68-1516EF205347}"/>
+              </a:ext>
+            </a:extLst>
+          </p:cNvPr>
+          <p:cNvGrpSpPr/>
+          <p:nvPr/>
+        </p:nvGrpSpPr>
+        <p:grpSpPr>
+          <a:xfrm>
+            <a:off x="253031" y="4130013"/>
+            <a:ext cx="8052304" cy="2262404"/>
+            <a:chOff x="260869" y="4130013"/>
+            <a:chExt cx="8052304" cy="2262404"/>
+          </a:xfrm>
+        </p:grpSpPr>
+        <p:cxnSp>
+          <p:nvCxnSpPr>
+            <p:cNvPr id="5" name="直線コネクタ 4">
+              <a:extLst>
+                <a:ext uri="{FF2B5EF4-FFF2-40B4-BE49-F238E27FC236}">
+                  <a16:creationId xmlns:a16="http://schemas.microsoft.com/office/drawing/2014/main" id="{A9F42109-52A0-A459-4F6E-AEBADB02DF99}"/>
+                </a:ext>
+              </a:extLst>
+            </p:cNvPr>
+            <p:cNvCxnSpPr>
+              <a:cxnSpLocks/>
+            </p:cNvCxnSpPr>
+            <p:nvPr/>
+          </p:nvCxnSpPr>
+          <p:spPr>
+            <a:xfrm>
+              <a:off x="5938887" y="4263461"/>
+              <a:ext cx="0" cy="2128956"/>
+            </a:xfrm>
+            <a:prstGeom prst="line">
+              <a:avLst/>
+            </a:prstGeom>
+            <a:ln w="12700">
+              <a:prstDash val="dash"/>
+            </a:ln>
+          </p:spPr>
+          <p:style>
+            <a:lnRef idx="1">
+              <a:schemeClr val="accent1"/>
+            </a:lnRef>
+            <a:fillRef idx="0">
+              <a:schemeClr val="accent1"/>
+            </a:fillRef>
+            <a:effectRef idx="0">
+              <a:schemeClr val="accent1"/>
+            </a:effectRef>
+            <a:fontRef idx="minor">
+              <a:schemeClr val="tx1"/>
+            </a:fontRef>
+          </p:style>
+        </p:cxnSp>
+        <p:sp>
+          <p:nvSpPr>
+            <p:cNvPr id="18" name="正方形/長方形 17">
+              <a:extLst>
+                <a:ext uri="{FF2B5EF4-FFF2-40B4-BE49-F238E27FC236}">
+                  <a16:creationId xmlns:a16="http://schemas.microsoft.com/office/drawing/2014/main" id="{2FCB73A6-6CEA-797C-1B09-E401DFA14990}"/>
+                </a:ext>
+              </a:extLst>
+            </p:cNvPr>
+            <p:cNvSpPr/>
+            <p:nvPr/>
+          </p:nvSpPr>
+          <p:spPr>
+            <a:xfrm>
+              <a:off x="308898" y="5055044"/>
+              <a:ext cx="1731226" cy="730817"/>
+            </a:xfrm>
+            <a:prstGeom prst="rect">
+              <a:avLst/>
+            </a:prstGeom>
+            <a:noFill/>
+            <a:ln w="28575">
+              <a:solidFill>
+                <a:schemeClr val="tx1"/>
+              </a:solidFill>
+            </a:ln>
+          </p:spPr>
+          <p:style>
+            <a:lnRef idx="2">
+              <a:schemeClr val="accent1">
+                <a:shade val="15000"/>
+              </a:schemeClr>
+            </a:lnRef>
+            <a:fillRef idx="1">
+              <a:schemeClr val="accent1"/>
+            </a:fillRef>
+            <a:effectRef idx="0">
+              <a:schemeClr val="accent1"/>
+            </a:effectRef>
+            <a:fontRef idx="minor">
+              <a:schemeClr val="lt1"/>
+            </a:fontRef>
+          </p:style>
+          <p:txBody>
+            <a:bodyPr rtlCol="0" anchor="ctr"/>
+            <a:lstStyle/>
+            <a:p>
+              <a:pPr algn="ctr"/>
+              <a:r>
+                <a:rPr kumimoji="1" lang="en-US" altLang="ja-JP" dirty="0">
+                  <a:solidFill>
+                    <a:schemeClr val="tx1"/>
+                  </a:solidFill>
+                </a:rPr>
+                <a:t>He-Ne LASER</a:t>
+              </a:r>
+              <a:endParaRPr kumimoji="1" lang="ja-JP" altLang="en-US" dirty="0">
+                <a:solidFill>
+                  <a:schemeClr val="tx1"/>
+                </a:solidFill>
+              </a:endParaRPr>
+            </a:p>
+          </p:txBody>
+        </p:sp>
+        <p:sp>
+          <p:nvSpPr>
+            <p:cNvPr id="19" name="正方形/長方形 18">
+              <a:extLst>
+                <a:ext uri="{FF2B5EF4-FFF2-40B4-BE49-F238E27FC236}">
+                  <a16:creationId xmlns:a16="http://schemas.microsoft.com/office/drawing/2014/main" id="{9A7FEA12-8F2F-1399-0607-7E69EC8E464B}"/>
+                </a:ext>
+              </a:extLst>
+            </p:cNvPr>
+            <p:cNvSpPr/>
+            <p:nvPr/>
+          </p:nvSpPr>
+          <p:spPr>
+            <a:xfrm>
+              <a:off x="7287218" y="5039447"/>
+              <a:ext cx="1025955" cy="730817"/>
+            </a:xfrm>
+            <a:prstGeom prst="rect">
+              <a:avLst/>
+            </a:prstGeom>
+            <a:noFill/>
+            <a:ln w="28575">
+              <a:solidFill>
+                <a:schemeClr val="tx1"/>
+              </a:solidFill>
+            </a:ln>
+          </p:spPr>
+          <p:style>
+            <a:lnRef idx="2">
+              <a:schemeClr val="accent1">
+                <a:shade val="15000"/>
+              </a:schemeClr>
+            </a:lnRef>
+            <a:fillRef idx="1">
+              <a:schemeClr val="accent1"/>
+            </a:fillRef>
+            <a:effectRef idx="0">
+              <a:schemeClr val="accent1"/>
+            </a:effectRef>
+            <a:fontRef idx="minor">
+              <a:schemeClr val="lt1"/>
+            </a:fontRef>
+          </p:style>
+          <p:txBody>
+            <a:bodyPr rtlCol="0" anchor="ctr"/>
+            <a:lstStyle/>
+            <a:p>
+              <a:pPr algn="ctr"/>
+              <a:r>
+                <a:rPr kumimoji="1" lang="en-US" altLang="ja-JP" dirty="0">
+                  <a:solidFill>
+                    <a:schemeClr val="tx1"/>
+                  </a:solidFill>
+                </a:rPr>
+                <a:t>PD</a:t>
+              </a:r>
+              <a:endParaRPr kumimoji="1" lang="ja-JP" altLang="en-US" dirty="0">
+                <a:solidFill>
+                  <a:schemeClr val="tx1"/>
+                </a:solidFill>
+              </a:endParaRPr>
+            </a:p>
+          </p:txBody>
+        </p:sp>
+        <p:cxnSp>
+          <p:nvCxnSpPr>
+            <p:cNvPr id="21" name="直線コネクタ 20">
+              <a:extLst>
+                <a:ext uri="{FF2B5EF4-FFF2-40B4-BE49-F238E27FC236}">
+                  <a16:creationId xmlns:a16="http://schemas.microsoft.com/office/drawing/2014/main" id="{83B667E3-94F5-B624-2CF7-2A8FFE409694}"/>
+                </a:ext>
+              </a:extLst>
+            </p:cNvPr>
+            <p:cNvCxnSpPr>
+              <a:cxnSpLocks/>
+              <a:stCxn id="18" idx="3"/>
+              <a:endCxn id="19" idx="1"/>
+            </p:cNvCxnSpPr>
+            <p:nvPr/>
+          </p:nvCxnSpPr>
+          <p:spPr>
+            <a:xfrm flipV="1">
+              <a:off x="2040124" y="5404856"/>
+              <a:ext cx="5247094" cy="15596"/>
+            </a:xfrm>
+            <a:prstGeom prst="line">
+              <a:avLst/>
+            </a:prstGeom>
+            <a:ln w="19050"/>
+          </p:spPr>
+          <p:style>
+            <a:lnRef idx="1">
+              <a:schemeClr val="accent3"/>
+            </a:lnRef>
+            <a:fillRef idx="0">
+              <a:schemeClr val="accent3"/>
+            </a:fillRef>
+            <a:effectRef idx="0">
+              <a:schemeClr val="accent3"/>
+            </a:effectRef>
+            <a:fontRef idx="minor">
+              <a:schemeClr val="tx1"/>
+            </a:fontRef>
+          </p:style>
+        </p:cxnSp>
+        <p:sp>
+          <p:nvSpPr>
+            <p:cNvPr id="22" name="テキスト ボックス 21">
+              <a:extLst>
+                <a:ext uri="{FF2B5EF4-FFF2-40B4-BE49-F238E27FC236}">
+                  <a16:creationId xmlns:a16="http://schemas.microsoft.com/office/drawing/2014/main" id="{62D746A5-9BF6-8910-2160-A8654901322B}"/>
+                </a:ext>
+              </a:extLst>
+            </p:cNvPr>
+            <p:cNvSpPr txBox="1"/>
+            <p:nvPr/>
+          </p:nvSpPr>
+          <p:spPr>
+            <a:xfrm>
+              <a:off x="921129" y="5768747"/>
+              <a:ext cx="1118995" cy="392630"/>
+            </a:xfrm>
+            <a:prstGeom prst="rect">
+              <a:avLst/>
+            </a:prstGeom>
+            <a:noFill/>
+          </p:spPr>
+          <p:txBody>
+            <a:bodyPr wrap="none" rtlCol="0">
+              <a:spAutoFit/>
+            </a:bodyPr>
+            <a:lstStyle/>
+            <a:p>
+              <a:r>
+                <a:rPr kumimoji="1" lang="en-US" altLang="ja-JP" sz="1400" dirty="0"/>
+                <a:t>633 nm</a:t>
+              </a:r>
+              <a:endParaRPr kumimoji="1" lang="ja-JP" altLang="en-US" sz="1400" dirty="0"/>
+            </a:p>
+          </p:txBody>
+        </p:sp>
+        <p:sp>
+          <p:nvSpPr>
+            <p:cNvPr id="9" name="円弧 8">
+              <a:extLst>
+                <a:ext uri="{FF2B5EF4-FFF2-40B4-BE49-F238E27FC236}">
+                  <a16:creationId xmlns:a16="http://schemas.microsoft.com/office/drawing/2014/main" id="{21E1F151-A319-1C8B-AE0B-71C23E1F9867}"/>
+                </a:ext>
+              </a:extLst>
+            </p:cNvPr>
+            <p:cNvSpPr/>
+            <p:nvPr/>
+          </p:nvSpPr>
+          <p:spPr>
+            <a:xfrm>
+              <a:off x="4891072" y="4519419"/>
+              <a:ext cx="2079524" cy="1721962"/>
+            </a:xfrm>
+            <a:prstGeom prst="arc">
+              <a:avLst>
+                <a:gd name="adj1" fmla="val 16200000"/>
+                <a:gd name="adj2" fmla="val 18149082"/>
+              </a:avLst>
+            </a:prstGeom>
+          </p:spPr>
+          <p:style>
+            <a:lnRef idx="1">
+              <a:schemeClr val="accent1"/>
+            </a:lnRef>
+            <a:fillRef idx="0">
+              <a:schemeClr val="accent1"/>
+            </a:fillRef>
+            <a:effectRef idx="0">
+              <a:schemeClr val="accent1"/>
+            </a:effectRef>
+            <a:fontRef idx="minor">
+              <a:schemeClr val="tx1"/>
+            </a:fontRef>
+          </p:style>
+          <p:txBody>
+            <a:bodyPr rtlCol="0" anchor="ctr"/>
+            <a:lstStyle/>
+            <a:p>
+              <a:pPr algn="ctr"/>
+              <a:endParaRPr kumimoji="1" lang="ja-JP" altLang="en-US"/>
+            </a:p>
+          </p:txBody>
+        </p:sp>
+        <p:cxnSp>
+          <p:nvCxnSpPr>
+            <p:cNvPr id="10" name="直線コネクタ 9">
+              <a:extLst>
+                <a:ext uri="{FF2B5EF4-FFF2-40B4-BE49-F238E27FC236}">
+                  <a16:creationId xmlns:a16="http://schemas.microsoft.com/office/drawing/2014/main" id="{A49A3D08-F7FC-EA88-1C12-A6B966DCBAF7}"/>
+                </a:ext>
+              </a:extLst>
+            </p:cNvPr>
+            <p:cNvCxnSpPr>
+              <a:cxnSpLocks/>
+            </p:cNvCxnSpPr>
+            <p:nvPr/>
+          </p:nvCxnSpPr>
+          <p:spPr>
+            <a:xfrm rot="1800000">
+              <a:off x="6220069" y="4398507"/>
+              <a:ext cx="0" cy="1080000"/>
+            </a:xfrm>
+            <a:prstGeom prst="line">
+              <a:avLst/>
+            </a:prstGeom>
+            <a:ln w="12700">
+              <a:prstDash val="dash"/>
+            </a:ln>
+          </p:spPr>
+          <p:style>
+            <a:lnRef idx="1">
+              <a:schemeClr val="accent1"/>
+            </a:lnRef>
+            <a:fillRef idx="0">
+              <a:schemeClr val="accent1"/>
+            </a:fillRef>
+            <a:effectRef idx="0">
+              <a:schemeClr val="accent1"/>
+            </a:effectRef>
+            <a:fontRef idx="minor">
+              <a:schemeClr val="tx1"/>
+            </a:fontRef>
+          </p:style>
+        </p:cxnSp>
+        <mc:AlternateContent xmlns:mc="http://schemas.openxmlformats.org/markup-compatibility/2006" xmlns:a14="http://schemas.microsoft.com/office/drawing/2010/main">
+          <mc:Choice Requires="a14">
+            <p:sp>
+              <p:nvSpPr>
+                <p:cNvPr id="11" name="テキスト ボックス 10">
+                  <a:extLst>
+                    <a:ext uri="{FF2B5EF4-FFF2-40B4-BE49-F238E27FC236}">
+                      <a16:creationId xmlns:a16="http://schemas.microsoft.com/office/drawing/2014/main" id="{12FB5A6E-3FFD-1749-579A-E0F5FBE4463E}"/>
+                    </a:ext>
+                  </a:extLst>
+                </p:cNvPr>
+                <p:cNvSpPr txBox="1"/>
+                <p:nvPr/>
+              </p:nvSpPr>
+              <p:spPr>
+                <a:xfrm>
+                  <a:off x="6018572" y="4143760"/>
+                  <a:ext cx="402995" cy="369332"/>
+                </a:xfrm>
+                <a:prstGeom prst="rect">
+                  <a:avLst/>
+                </a:prstGeom>
+                <a:noFill/>
+              </p:spPr>
+              <p:txBody>
+                <a:bodyPr wrap="none" rtlCol="0">
+                  <a:spAutoFit/>
+                </a:bodyPr>
+                <a:lstStyle/>
+                <a:p>
+                  <a:pPr/>
+                  <a14:m>
+                    <m:oMathPara xmlns:m="http://schemas.openxmlformats.org/officeDocument/2006/math">
+                      <m:oMathParaPr>
+                        <m:jc m:val="centerGroup"/>
+                      </m:oMathParaPr>
+                      <m:oMath xmlns:m="http://schemas.openxmlformats.org/officeDocument/2006/math">
+                        <m:r>
+                          <a:rPr kumimoji="1" lang="en-US" altLang="ja-JP" b="0" i="1" dirty="0" smtClean="0">
+                            <a:latin typeface="Cambria Math" panose="02040503050406030204" pitchFamily="18" charset="0"/>
+                          </a:rPr>
+                          <m:t>𝜃</m:t>
+                        </m:r>
+                      </m:oMath>
+                    </m:oMathPara>
+                  </a14:m>
+                  <a:endParaRPr kumimoji="1" lang="ja-JP" altLang="en-US" dirty="0"/>
+                </a:p>
+              </p:txBody>
+            </p:sp>
+          </mc:Choice>
+          <mc:Fallback xmlns="">
+            <p:sp>
+              <p:nvSpPr>
+                <p:cNvPr id="11" name="テキスト ボックス 10">
+                  <a:extLst>
+                    <a:ext uri="{FF2B5EF4-FFF2-40B4-BE49-F238E27FC236}">
+                      <a16:creationId xmlns:a16="http://schemas.microsoft.com/office/drawing/2014/main" id="{12FB5A6E-3FFD-1749-579A-E0F5FBE4463E}"/>
+                    </a:ext>
+                  </a:extLst>
+                </p:cNvPr>
+                <p:cNvSpPr txBox="1">
+                  <a:spLocks noRot="1" noChangeAspect="1" noMove="1" noResize="1" noEditPoints="1" noAdjustHandles="1" noChangeArrowheads="1" noChangeShapeType="1" noTextEdit="1"/>
+                </p:cNvSpPr>
+                <p:nvPr/>
+              </p:nvSpPr>
+              <p:spPr>
+                <a:xfrm>
+                  <a:off x="6018572" y="4143760"/>
+                  <a:ext cx="402995" cy="369332"/>
+                </a:xfrm>
+                <a:prstGeom prst="rect">
+                  <a:avLst/>
+                </a:prstGeom>
+                <a:blipFill>
+                  <a:blip r:embed="rId5"/>
+                  <a:stretch>
+                    <a:fillRect/>
+                  </a:stretch>
+                </a:blipFill>
+              </p:spPr>
+              <p:txBody>
+                <a:bodyPr/>
+                <a:lstStyle/>
+                <a:p>
+                  <a:r>
+                    <a:rPr lang="ja-JP" altLang="en-US">
+                      <a:noFill/>
+                    </a:rPr>
+                    <a:t> </a:t>
+                  </a:r>
+                </a:p>
+              </p:txBody>
+            </p:sp>
+          </mc:Fallback>
+        </mc:AlternateContent>
+        <mc:AlternateContent xmlns:mc="http://schemas.openxmlformats.org/markup-compatibility/2006" xmlns:a14="http://schemas.microsoft.com/office/drawing/2010/main">
+          <mc:Choice Requires="a14">
+            <p:sp>
+              <p:nvSpPr>
+                <p:cNvPr id="12" name="テキスト ボックス 11">
+                  <a:extLst>
+                    <a:ext uri="{FF2B5EF4-FFF2-40B4-BE49-F238E27FC236}">
+                      <a16:creationId xmlns:a16="http://schemas.microsoft.com/office/drawing/2014/main" id="{6C4B2FBD-F761-C0C9-D61B-07495D307D4B}"/>
+                    </a:ext>
+                  </a:extLst>
+                </p:cNvPr>
+                <p:cNvSpPr txBox="1"/>
+                <p:nvPr/>
+              </p:nvSpPr>
+              <p:spPr>
+                <a:xfrm>
+                  <a:off x="7468962" y="4553380"/>
+                  <a:ext cx="690830" cy="369332"/>
+                </a:xfrm>
+                <a:prstGeom prst="rect">
+                  <a:avLst/>
+                </a:prstGeom>
+                <a:noFill/>
+              </p:spPr>
+              <p:txBody>
+                <a:bodyPr wrap="none" rtlCol="0">
+                  <a:spAutoFit/>
+                </a:bodyPr>
+                <a:lstStyle/>
+                <a:p>
+                  <a:pPr/>
+                  <a14:m>
+                    <m:oMathPara xmlns:m="http://schemas.openxmlformats.org/officeDocument/2006/math">
+                      <m:oMathParaPr>
+                        <m:jc m:val="centerGroup"/>
+                      </m:oMathParaPr>
+                      <m:oMath xmlns:m="http://schemas.openxmlformats.org/officeDocument/2006/math">
+                        <m:r>
+                          <a:rPr kumimoji="1" lang="en-US" altLang="ja-JP" b="0" i="1" dirty="0" smtClean="0">
+                            <a:latin typeface="Cambria Math" panose="02040503050406030204" pitchFamily="18" charset="0"/>
+                          </a:rPr>
+                          <m:t>𝐼</m:t>
+                        </m:r>
+                        <m:r>
+                          <a:rPr kumimoji="1" lang="en-US" altLang="ja-JP" b="0" i="1" dirty="0" smtClean="0">
+                            <a:latin typeface="Cambria Math" panose="02040503050406030204" pitchFamily="18" charset="0"/>
+                          </a:rPr>
+                          <m:t>(</m:t>
+                        </m:r>
+                        <m:r>
+                          <a:rPr kumimoji="1" lang="en-US" altLang="ja-JP" b="0" i="1" dirty="0" smtClean="0">
+                            <a:latin typeface="Cambria Math" panose="02040503050406030204" pitchFamily="18" charset="0"/>
+                          </a:rPr>
+                          <m:t>𝜃</m:t>
+                        </m:r>
+                        <m:r>
+                          <a:rPr kumimoji="1" lang="en-US" altLang="ja-JP" b="0" i="1" dirty="0" smtClean="0">
+                            <a:latin typeface="Cambria Math" panose="02040503050406030204" pitchFamily="18" charset="0"/>
+                          </a:rPr>
+                          <m:t>)</m:t>
+                        </m:r>
+                      </m:oMath>
+                    </m:oMathPara>
+                  </a14:m>
+                  <a:endParaRPr kumimoji="1" lang="ja-JP" altLang="en-US" dirty="0"/>
+                </a:p>
+              </p:txBody>
+            </p:sp>
+          </mc:Choice>
+          <mc:Fallback xmlns="">
+            <p:sp>
+              <p:nvSpPr>
+                <p:cNvPr id="12" name="テキスト ボックス 11">
+                  <a:extLst>
+                    <a:ext uri="{FF2B5EF4-FFF2-40B4-BE49-F238E27FC236}">
+                      <a16:creationId xmlns:a16="http://schemas.microsoft.com/office/drawing/2014/main" id="{6C4B2FBD-F761-C0C9-D61B-07495D307D4B}"/>
+                    </a:ext>
+                  </a:extLst>
+                </p:cNvPr>
+                <p:cNvSpPr txBox="1">
+                  <a:spLocks noRot="1" noChangeAspect="1" noMove="1" noResize="1" noEditPoints="1" noAdjustHandles="1" noChangeArrowheads="1" noChangeShapeType="1" noTextEdit="1"/>
+                </p:cNvSpPr>
+                <p:nvPr/>
+              </p:nvSpPr>
+              <p:spPr>
+                <a:xfrm>
+                  <a:off x="7468962" y="4553380"/>
+                  <a:ext cx="690830" cy="369332"/>
+                </a:xfrm>
+                <a:prstGeom prst="rect">
+                  <a:avLst/>
+                </a:prstGeom>
+                <a:blipFill>
+                  <a:blip r:embed="rId6"/>
+                  <a:stretch>
+                    <a:fillRect b="-14754"/>
+                  </a:stretch>
+                </a:blipFill>
+              </p:spPr>
+              <p:txBody>
+                <a:bodyPr/>
+                <a:lstStyle/>
+                <a:p>
+                  <a:r>
+                    <a:rPr lang="ja-JP" altLang="en-US">
+                      <a:noFill/>
+                    </a:rPr>
+                    <a:t> </a:t>
+                  </a:r>
+                </a:p>
+              </p:txBody>
+            </p:sp>
+          </mc:Fallback>
+        </mc:AlternateContent>
+        <p:grpSp>
+          <p:nvGrpSpPr>
+            <p:cNvPr id="43" name="グループ化 42">
+              <a:extLst>
+                <a:ext uri="{FF2B5EF4-FFF2-40B4-BE49-F238E27FC236}">
+                  <a16:creationId xmlns:a16="http://schemas.microsoft.com/office/drawing/2014/main" id="{6E307E6C-89A4-42D8-CE23-AE244F9D1BF8}"/>
+                </a:ext>
+              </a:extLst>
+            </p:cNvPr>
+            <p:cNvGrpSpPr/>
+            <p:nvPr/>
+          </p:nvGrpSpPr>
+          <p:grpSpPr>
+            <a:xfrm rot="1800000">
+              <a:off x="5654255" y="4837203"/>
+              <a:ext cx="576221" cy="1166497"/>
+              <a:chOff x="6376067" y="4122443"/>
+              <a:chExt cx="576221" cy="1166497"/>
+            </a:xfrm>
+          </p:grpSpPr>
+          <p:sp>
+            <p:nvSpPr>
+              <p:cNvPr id="27" name="楕円 26">
+                <a:extLst>
+                  <a:ext uri="{FF2B5EF4-FFF2-40B4-BE49-F238E27FC236}">
+                    <a16:creationId xmlns:a16="http://schemas.microsoft.com/office/drawing/2014/main" id="{93DB6037-23FA-72F3-B27D-CED77F76B4B3}"/>
+                  </a:ext>
+                </a:extLst>
+              </p:cNvPr>
+              <p:cNvSpPr/>
+              <p:nvPr/>
+            </p:nvSpPr>
+            <p:spPr>
+              <a:xfrm>
+                <a:off x="6376067" y="4122443"/>
+                <a:ext cx="576221" cy="1166497"/>
+              </a:xfrm>
+              <a:prstGeom prst="ellipse">
+                <a:avLst/>
+              </a:prstGeom>
+              <a:noFill/>
+            </p:spPr>
+            <p:style>
+              <a:lnRef idx="2">
+                <a:schemeClr val="accent1">
+                  <a:shade val="15000"/>
+                </a:schemeClr>
+              </a:lnRef>
+              <a:fillRef idx="1">
+                <a:schemeClr val="accent1"/>
+              </a:fillRef>
+              <a:effectRef idx="0">
+                <a:schemeClr val="accent1"/>
+              </a:effectRef>
+              <a:fontRef idx="minor">
+                <a:schemeClr val="lt1"/>
+              </a:fontRef>
+            </p:style>
+            <p:txBody>
+              <a:bodyPr rtlCol="0" anchor="ctr"/>
+              <a:lstStyle/>
+              <a:p>
+                <a:pPr algn="ctr"/>
+                <a:endParaRPr kumimoji="1" lang="ja-JP" altLang="en-US"/>
+              </a:p>
+            </p:txBody>
+          </p:sp>
+          <p:cxnSp>
+            <p:nvCxnSpPr>
+              <p:cNvPr id="28" name="直線コネクタ 27">
+                <a:extLst>
+                  <a:ext uri="{FF2B5EF4-FFF2-40B4-BE49-F238E27FC236}">
+                    <a16:creationId xmlns:a16="http://schemas.microsoft.com/office/drawing/2014/main" id="{1C83984C-545C-9A8F-A8AF-F6F3DEA16C52}"/>
+                  </a:ext>
+                </a:extLst>
+              </p:cNvPr>
+              <p:cNvCxnSpPr>
+                <a:stCxn id="27" idx="1"/>
+                <a:endCxn id="27" idx="3"/>
+              </p:cNvCxnSpPr>
+              <p:nvPr/>
+            </p:nvCxnSpPr>
+            <p:spPr>
+              <a:xfrm>
+                <a:off x="6460448" y="4293273"/>
+                <a:ext cx="0" cy="824837"/>
+              </a:xfrm>
+              <a:prstGeom prst="line">
+                <a:avLst/>
+              </a:prstGeom>
+              <a:ln w="19050"/>
+            </p:spPr>
+            <p:style>
+              <a:lnRef idx="1">
+                <a:schemeClr val="accent1"/>
+              </a:lnRef>
+              <a:fillRef idx="0">
+                <a:schemeClr val="accent1"/>
+              </a:fillRef>
+              <a:effectRef idx="0">
+                <a:schemeClr val="accent1"/>
+              </a:effectRef>
+              <a:fontRef idx="minor">
+                <a:schemeClr val="tx1"/>
+              </a:fontRef>
+            </p:style>
+          </p:cxnSp>
+          <p:cxnSp>
+            <p:nvCxnSpPr>
+              <p:cNvPr id="29" name="直線コネクタ 28">
+                <a:extLst>
+                  <a:ext uri="{FF2B5EF4-FFF2-40B4-BE49-F238E27FC236}">
+                    <a16:creationId xmlns:a16="http://schemas.microsoft.com/office/drawing/2014/main" id="{CEDA13C4-F378-1201-8B6C-B168F08F2DF3}"/>
+                  </a:ext>
+                </a:extLst>
+              </p:cNvPr>
+              <p:cNvCxnSpPr>
+                <a:stCxn id="27" idx="0"/>
+                <a:endCxn id="27" idx="4"/>
+              </p:cNvCxnSpPr>
+              <p:nvPr/>
+            </p:nvCxnSpPr>
+            <p:spPr>
+              <a:xfrm>
+                <a:off x="6664173" y="4122443"/>
+                <a:ext cx="0" cy="1166497"/>
+              </a:xfrm>
+              <a:prstGeom prst="line">
+                <a:avLst/>
+              </a:prstGeom>
+              <a:ln w="19050"/>
+            </p:spPr>
+            <p:style>
+              <a:lnRef idx="1">
+                <a:schemeClr val="accent1"/>
+              </a:lnRef>
+              <a:fillRef idx="0">
+                <a:schemeClr val="accent1"/>
+              </a:fillRef>
+              <a:effectRef idx="0">
+                <a:schemeClr val="accent1"/>
+              </a:effectRef>
+              <a:fontRef idx="minor">
+                <a:schemeClr val="tx1"/>
+              </a:fontRef>
+            </p:style>
+          </p:cxnSp>
+          <p:cxnSp>
+            <p:nvCxnSpPr>
+              <p:cNvPr id="30" name="直線コネクタ 29">
+                <a:extLst>
+                  <a:ext uri="{FF2B5EF4-FFF2-40B4-BE49-F238E27FC236}">
+                    <a16:creationId xmlns:a16="http://schemas.microsoft.com/office/drawing/2014/main" id="{7BB3F641-4AFB-675B-D9BF-A40AA045158A}"/>
+                  </a:ext>
+                </a:extLst>
+              </p:cNvPr>
+              <p:cNvCxnSpPr>
+                <a:stCxn id="27" idx="7"/>
+                <a:endCxn id="27" idx="5"/>
+              </p:cNvCxnSpPr>
+              <p:nvPr/>
+            </p:nvCxnSpPr>
+            <p:spPr>
+              <a:xfrm>
+                <a:off x="6867897" y="4293273"/>
+                <a:ext cx="0" cy="824837"/>
+              </a:xfrm>
+              <a:prstGeom prst="line">
+                <a:avLst/>
+              </a:prstGeom>
+              <a:ln w="19050"/>
+            </p:spPr>
+            <p:style>
+              <a:lnRef idx="1">
+                <a:schemeClr val="accent1"/>
+              </a:lnRef>
+              <a:fillRef idx="0">
+                <a:schemeClr val="accent1"/>
+              </a:fillRef>
+              <a:effectRef idx="0">
+                <a:schemeClr val="accent1"/>
+              </a:effectRef>
+              <a:fontRef idx="minor">
+                <a:schemeClr val="tx1"/>
+              </a:fontRef>
+            </p:style>
+          </p:cxnSp>
+          <p:cxnSp>
+            <p:nvCxnSpPr>
+              <p:cNvPr id="31" name="直線コネクタ 30">
+                <a:extLst>
+                  <a:ext uri="{FF2B5EF4-FFF2-40B4-BE49-F238E27FC236}">
+                    <a16:creationId xmlns:a16="http://schemas.microsoft.com/office/drawing/2014/main" id="{DABF11BA-CE6F-2657-387A-70DE0C1FA3F1}"/>
+                  </a:ext>
+                </a:extLst>
+              </p:cNvPr>
+              <p:cNvCxnSpPr>
+                <a:cxnSpLocks/>
+              </p:cNvCxnSpPr>
+              <p:nvPr/>
+            </p:nvCxnSpPr>
+            <p:spPr>
+              <a:xfrm>
+                <a:off x="6764614" y="4165687"/>
+                <a:ext cx="0" cy="1102202"/>
+              </a:xfrm>
+              <a:prstGeom prst="line">
+                <a:avLst/>
+              </a:prstGeom>
+              <a:ln w="19050"/>
+            </p:spPr>
+            <p:style>
+              <a:lnRef idx="1">
+                <a:schemeClr val="accent1"/>
+              </a:lnRef>
+              <a:fillRef idx="0">
+                <a:schemeClr val="accent1"/>
+              </a:fillRef>
+              <a:effectRef idx="0">
+                <a:schemeClr val="accent1"/>
+              </a:effectRef>
+              <a:fontRef idx="minor">
+                <a:schemeClr val="tx1"/>
+              </a:fontRef>
+            </p:style>
+          </p:cxnSp>
+          <p:cxnSp>
+            <p:nvCxnSpPr>
+              <p:cNvPr id="32" name="直線コネクタ 31">
+                <a:extLst>
+                  <a:ext uri="{FF2B5EF4-FFF2-40B4-BE49-F238E27FC236}">
+                    <a16:creationId xmlns:a16="http://schemas.microsoft.com/office/drawing/2014/main" id="{F0670C1D-ED5F-69F8-1898-08746AE2C95B}"/>
+                  </a:ext>
+                </a:extLst>
+              </p:cNvPr>
+              <p:cNvCxnSpPr>
+                <a:cxnSpLocks/>
+              </p:cNvCxnSpPr>
+              <p:nvPr/>
+            </p:nvCxnSpPr>
+            <p:spPr>
+              <a:xfrm>
+                <a:off x="6570199" y="4165688"/>
+                <a:ext cx="0" cy="1102202"/>
+              </a:xfrm>
+              <a:prstGeom prst="line">
+                <a:avLst/>
+              </a:prstGeom>
+              <a:ln w="19050"/>
+            </p:spPr>
+            <p:style>
+              <a:lnRef idx="1">
+                <a:schemeClr val="accent1"/>
+              </a:lnRef>
+              <a:fillRef idx="0">
+                <a:schemeClr val="accent1"/>
+              </a:fillRef>
+              <a:effectRef idx="0">
+                <a:schemeClr val="accent1"/>
+              </a:effectRef>
+              <a:fontRef idx="minor">
+                <a:schemeClr val="tx1"/>
+              </a:fontRef>
+            </p:style>
+          </p:cxnSp>
+        </p:grpSp>
+        <p:sp>
+          <p:nvSpPr>
+            <p:cNvPr id="2" name="テキスト ボックス 1">
+              <a:extLst>
+                <a:ext uri="{FF2B5EF4-FFF2-40B4-BE49-F238E27FC236}">
+                  <a16:creationId xmlns:a16="http://schemas.microsoft.com/office/drawing/2014/main" id="{2A40E757-C00F-5475-E61C-1FB877660B9C}"/>
+                </a:ext>
+              </a:extLst>
+            </p:cNvPr>
+            <p:cNvSpPr txBox="1"/>
+            <p:nvPr/>
+          </p:nvSpPr>
+          <p:spPr>
+            <a:xfrm>
+              <a:off x="260869" y="4293933"/>
+              <a:ext cx="513282" cy="369332"/>
+            </a:xfrm>
+            <a:prstGeom prst="rect">
+              <a:avLst/>
+            </a:prstGeom>
+            <a:noFill/>
+          </p:spPr>
+          <p:txBody>
+            <a:bodyPr wrap="none" rtlCol="0">
+              <a:spAutoFit/>
+            </a:bodyPr>
+            <a:lstStyle/>
+            <a:p>
+              <a:r>
+                <a:rPr kumimoji="1" lang="en-US" altLang="ja-JP" dirty="0"/>
+                <a:t>(c)</a:t>
+              </a:r>
+              <a:endParaRPr kumimoji="1" lang="ja-JP" altLang="en-US" dirty="0"/>
+            </a:p>
+          </p:txBody>
+        </p:sp>
+        <p:grpSp>
+          <p:nvGrpSpPr>
+            <p:cNvPr id="121" name="グループ化 120">
+              <a:extLst>
+                <a:ext uri="{FF2B5EF4-FFF2-40B4-BE49-F238E27FC236}">
+                  <a16:creationId xmlns:a16="http://schemas.microsoft.com/office/drawing/2014/main" id="{C086ABB0-AF4B-FF2F-6FBF-F6D4B982CAD0}"/>
+                </a:ext>
+              </a:extLst>
+            </p:cNvPr>
+            <p:cNvGrpSpPr/>
+            <p:nvPr/>
+          </p:nvGrpSpPr>
+          <p:grpSpPr>
+            <a:xfrm>
+              <a:off x="3375794" y="4130013"/>
+              <a:ext cx="2179231" cy="2256077"/>
+              <a:chOff x="3718694" y="4130013"/>
+              <a:chExt cx="2179231" cy="2256077"/>
+            </a:xfrm>
+          </p:grpSpPr>
+          <p:cxnSp>
+            <p:nvCxnSpPr>
+              <p:cNvPr id="98" name="直線コネクタ 97">
+                <a:extLst>
+                  <a:ext uri="{FF2B5EF4-FFF2-40B4-BE49-F238E27FC236}">
+                    <a16:creationId xmlns:a16="http://schemas.microsoft.com/office/drawing/2014/main" id="{1F8D2C51-ABCF-B549-0FF9-CDC30B9905B9}"/>
+                  </a:ext>
+                </a:extLst>
+              </p:cNvPr>
+              <p:cNvCxnSpPr>
+                <a:cxnSpLocks/>
+              </p:cNvCxnSpPr>
+              <p:nvPr/>
+            </p:nvCxnSpPr>
+            <p:spPr>
+              <a:xfrm rot="1800000">
+                <a:off x="5047691" y="4392180"/>
+                <a:ext cx="0" cy="1080000"/>
+              </a:xfrm>
+              <a:prstGeom prst="line">
+                <a:avLst/>
+              </a:prstGeom>
+              <a:ln w="12700">
+                <a:prstDash val="dash"/>
+              </a:ln>
+            </p:spPr>
+            <p:style>
+              <a:lnRef idx="1">
+                <a:schemeClr val="accent1"/>
+              </a:lnRef>
+              <a:fillRef idx="0">
+                <a:schemeClr val="accent1"/>
+              </a:fillRef>
+              <a:effectRef idx="0">
+                <a:schemeClr val="accent1"/>
+              </a:effectRef>
+              <a:fontRef idx="minor">
+                <a:schemeClr val="tx1"/>
+              </a:fontRef>
+            </p:style>
+          </p:cxnSp>
+          <p:cxnSp>
+            <p:nvCxnSpPr>
+              <p:cNvPr id="96" name="直線コネクタ 95">
+                <a:extLst>
+                  <a:ext uri="{FF2B5EF4-FFF2-40B4-BE49-F238E27FC236}">
+                    <a16:creationId xmlns:a16="http://schemas.microsoft.com/office/drawing/2014/main" id="{A7D69497-0898-45FC-5BD6-F9E32DC58F86}"/>
+                  </a:ext>
+                </a:extLst>
+              </p:cNvPr>
+              <p:cNvCxnSpPr>
+                <a:cxnSpLocks/>
+              </p:cNvCxnSpPr>
+              <p:nvPr/>
+            </p:nvCxnSpPr>
+            <p:spPr>
+              <a:xfrm>
+                <a:off x="4766509" y="4257134"/>
+                <a:ext cx="0" cy="2128956"/>
+              </a:xfrm>
+              <a:prstGeom prst="line">
+                <a:avLst/>
+              </a:prstGeom>
+              <a:ln w="12700">
+                <a:prstDash val="dash"/>
+              </a:ln>
+            </p:spPr>
+            <p:style>
+              <a:lnRef idx="1">
+                <a:schemeClr val="accent1"/>
+              </a:lnRef>
+              <a:fillRef idx="0">
+                <a:schemeClr val="accent1"/>
+              </a:fillRef>
+              <a:effectRef idx="0">
+                <a:schemeClr val="accent1"/>
+              </a:effectRef>
+              <a:fontRef idx="minor">
+                <a:schemeClr val="tx1"/>
+              </a:fontRef>
+            </p:style>
+          </p:cxnSp>
+          <p:sp>
+            <p:nvSpPr>
+              <p:cNvPr id="44" name="正方形/長方形 43">
+                <a:extLst>
+                  <a:ext uri="{FF2B5EF4-FFF2-40B4-BE49-F238E27FC236}">
+                    <a16:creationId xmlns:a16="http://schemas.microsoft.com/office/drawing/2014/main" id="{85DDD893-D2A1-6424-FB81-675B9C0FF3CB}"/>
+                  </a:ext>
+                </a:extLst>
+              </p:cNvPr>
+              <p:cNvSpPr/>
+              <p:nvPr/>
+            </p:nvSpPr>
+            <p:spPr>
+              <a:xfrm rot="1800000">
+                <a:off x="4602838" y="4954451"/>
+                <a:ext cx="340658" cy="914400"/>
+              </a:xfrm>
+              <a:prstGeom prst="rect">
+                <a:avLst/>
+              </a:prstGeom>
+            </p:spPr>
+            <p:style>
+              <a:lnRef idx="2">
+                <a:schemeClr val="accent5">
+                  <a:shade val="15000"/>
+                </a:schemeClr>
+              </a:lnRef>
+              <a:fillRef idx="1">
+                <a:schemeClr val="accent5"/>
+              </a:fillRef>
+              <a:effectRef idx="0">
+                <a:schemeClr val="accent5"/>
+              </a:effectRef>
+              <a:fontRef idx="minor">
+                <a:schemeClr val="lt1"/>
+              </a:fontRef>
+            </p:style>
+            <p:txBody>
+              <a:bodyPr rtlCol="0" anchor="ctr"/>
+              <a:lstStyle/>
+              <a:p>
+                <a:pPr algn="ctr"/>
+                <a:endParaRPr kumimoji="1" lang="ja-JP" altLang="en-US"/>
+              </a:p>
+            </p:txBody>
+          </p:sp>
+          <p:sp>
+            <p:nvSpPr>
+              <p:cNvPr id="97" name="円弧 96">
+                <a:extLst>
+                  <a:ext uri="{FF2B5EF4-FFF2-40B4-BE49-F238E27FC236}">
+                    <a16:creationId xmlns:a16="http://schemas.microsoft.com/office/drawing/2014/main" id="{491FE11B-9F0B-8A3A-512C-F11765C26AB9}"/>
+                  </a:ext>
+                </a:extLst>
+              </p:cNvPr>
+              <p:cNvSpPr/>
+              <p:nvPr/>
+            </p:nvSpPr>
+            <p:spPr>
+              <a:xfrm>
+                <a:off x="3718694" y="4513092"/>
+                <a:ext cx="2079524" cy="1721962"/>
+              </a:xfrm>
+              <a:prstGeom prst="arc">
+                <a:avLst>
+                  <a:gd name="adj1" fmla="val 16200000"/>
+                  <a:gd name="adj2" fmla="val 18149082"/>
+                </a:avLst>
+              </a:prstGeom>
+            </p:spPr>
+            <p:style>
+              <a:lnRef idx="1">
+                <a:schemeClr val="accent1"/>
+              </a:lnRef>
+              <a:fillRef idx="0">
+                <a:schemeClr val="accent1"/>
+              </a:fillRef>
+              <a:effectRef idx="0">
+                <a:schemeClr val="accent1"/>
+              </a:effectRef>
+              <a:fontRef idx="minor">
+                <a:schemeClr val="tx1"/>
+              </a:fontRef>
+            </p:style>
+            <p:txBody>
+              <a:bodyPr rtlCol="0" anchor="ctr"/>
+              <a:lstStyle/>
+              <a:p>
+                <a:pPr algn="ctr"/>
+                <a:endParaRPr kumimoji="1" lang="ja-JP" altLang="en-US"/>
+              </a:p>
+            </p:txBody>
+          </p:sp>
+          <mc:AlternateContent xmlns:mc="http://schemas.openxmlformats.org/markup-compatibility/2006" xmlns:a14="http://schemas.microsoft.com/office/drawing/2010/main">
+            <mc:Choice Requires="a14">
+              <p:sp>
+                <p:nvSpPr>
+                  <p:cNvPr id="99" name="テキスト ボックス 98">
+                    <a:extLst>
+                      <a:ext uri="{FF2B5EF4-FFF2-40B4-BE49-F238E27FC236}">
+                        <a16:creationId xmlns:a16="http://schemas.microsoft.com/office/drawing/2014/main" id="{9C119719-3F17-AD27-E896-AF10432DD525}"/>
+                      </a:ext>
+                    </a:extLst>
+                  </p:cNvPr>
+                  <p:cNvSpPr txBox="1"/>
+                  <p:nvPr/>
+                </p:nvSpPr>
+                <p:spPr>
+                  <a:xfrm>
+                    <a:off x="4805959" y="4130013"/>
+                    <a:ext cx="1091966" cy="369332"/>
+                  </a:xfrm>
+                  <a:prstGeom prst="rect">
+                    <a:avLst/>
+                  </a:prstGeom>
+                  <a:noFill/>
+                </p:spPr>
+                <p:txBody>
+                  <a:bodyPr wrap="none" rtlCol="0">
+                    <a:spAutoFit/>
+                  </a:bodyPr>
+                  <a:lstStyle/>
+                  <a:p>
+                    <a:pPr/>
+                    <a14:m>
+                      <m:oMathPara xmlns:m="http://schemas.openxmlformats.org/officeDocument/2006/math">
+                        <m:oMathParaPr>
+                          <m:jc m:val="centerGroup"/>
+                        </m:oMathParaPr>
+                        <m:oMath xmlns:m="http://schemas.openxmlformats.org/officeDocument/2006/math">
+                          <m:r>
+                            <a:rPr kumimoji="1" lang="en-US" altLang="ja-JP" b="0" i="0" dirty="0" smtClean="0">
+                              <a:latin typeface="Cambria Math" panose="02040503050406030204" pitchFamily="18" charset="0"/>
+                            </a:rPr>
+                            <m:t>0</m:t>
+                          </m:r>
+                          <m:r>
+                            <a:rPr kumimoji="1" lang="en-US" altLang="ja-JP" b="0" i="1" dirty="0" smtClean="0">
+                              <a:latin typeface="Cambria Math" panose="02040503050406030204" pitchFamily="18" charset="0"/>
+                            </a:rPr>
+                            <m:t>° ~ 45°</m:t>
+                          </m:r>
+                        </m:oMath>
+                      </m:oMathPara>
+                    </a14:m>
+                    <a:endParaRPr kumimoji="1" lang="ja-JP" altLang="en-US" dirty="0"/>
+                  </a:p>
+                </p:txBody>
+              </p:sp>
+            </mc:Choice>
+            <mc:Fallback xmlns="">
+              <p:sp>
+                <p:nvSpPr>
+                  <p:cNvPr id="99" name="テキスト ボックス 98">
+                    <a:extLst>
+                      <a:ext uri="{FF2B5EF4-FFF2-40B4-BE49-F238E27FC236}">
+                        <a16:creationId xmlns:a16="http://schemas.microsoft.com/office/drawing/2014/main" id="{9C119719-3F17-AD27-E896-AF10432DD525}"/>
+                      </a:ext>
+                    </a:extLst>
+                  </p:cNvPr>
+                  <p:cNvSpPr txBox="1">
+                    <a:spLocks noRot="1" noChangeAspect="1" noMove="1" noResize="1" noEditPoints="1" noAdjustHandles="1" noChangeArrowheads="1" noChangeShapeType="1" noTextEdit="1"/>
+                  </p:cNvSpPr>
+                  <p:nvPr/>
+                </p:nvSpPr>
+                <p:spPr>
+                  <a:xfrm>
+                    <a:off x="4805959" y="4130013"/>
+                    <a:ext cx="1091966" cy="369332"/>
+                  </a:xfrm>
+                  <a:prstGeom prst="rect">
+                    <a:avLst/>
+                  </a:prstGeom>
+                  <a:blipFill>
+                    <a:blip r:embed="rId7"/>
+                    <a:stretch>
+                      <a:fillRect/>
+                    </a:stretch>
+                  </a:blipFill>
+                </p:spPr>
+                <p:txBody>
+                  <a:bodyPr/>
+                  <a:lstStyle/>
+                  <a:p>
+                    <a:r>
+                      <a:rPr lang="ja-JP" altLang="en-US">
+                        <a:noFill/>
+                      </a:rPr>
+                      <a:t> </a:t>
+                    </a:r>
+                  </a:p>
+                </p:txBody>
+              </p:sp>
+            </mc:Fallback>
+          </mc:AlternateContent>
+        </p:grpSp>
+        <p:grpSp>
+          <p:nvGrpSpPr>
+            <p:cNvPr id="100" name="グループ化 99">
+              <a:extLst>
+                <a:ext uri="{FF2B5EF4-FFF2-40B4-BE49-F238E27FC236}">
+                  <a16:creationId xmlns:a16="http://schemas.microsoft.com/office/drawing/2014/main" id="{6B4CABB3-1E0F-F624-707C-C842E09FC798}"/>
+                </a:ext>
+              </a:extLst>
+            </p:cNvPr>
+            <p:cNvGrpSpPr/>
+            <p:nvPr/>
+          </p:nvGrpSpPr>
+          <p:grpSpPr>
+            <a:xfrm>
+              <a:off x="2561212" y="4837199"/>
+              <a:ext cx="576221" cy="1166497"/>
+              <a:chOff x="6376067" y="4122443"/>
+              <a:chExt cx="576221" cy="1166497"/>
+            </a:xfrm>
+          </p:grpSpPr>
+          <p:sp>
+            <p:nvSpPr>
+              <p:cNvPr id="101" name="楕円 100">
+                <a:extLst>
+                  <a:ext uri="{FF2B5EF4-FFF2-40B4-BE49-F238E27FC236}">
+                    <a16:creationId xmlns:a16="http://schemas.microsoft.com/office/drawing/2014/main" id="{A9297AD8-E558-0A62-2652-DF548F466BD3}"/>
+                  </a:ext>
+                </a:extLst>
+              </p:cNvPr>
+              <p:cNvSpPr/>
+              <p:nvPr/>
+            </p:nvSpPr>
+            <p:spPr>
+              <a:xfrm>
+                <a:off x="6376067" y="4122443"/>
+                <a:ext cx="576221" cy="1166497"/>
+              </a:xfrm>
+              <a:prstGeom prst="ellipse">
+                <a:avLst/>
+              </a:prstGeom>
+              <a:noFill/>
+            </p:spPr>
+            <p:style>
+              <a:lnRef idx="2">
+                <a:schemeClr val="accent1">
+                  <a:shade val="15000"/>
+                </a:schemeClr>
+              </a:lnRef>
+              <a:fillRef idx="1">
+                <a:schemeClr val="accent1"/>
+              </a:fillRef>
+              <a:effectRef idx="0">
+                <a:schemeClr val="accent1"/>
+              </a:effectRef>
+              <a:fontRef idx="minor">
+                <a:schemeClr val="lt1"/>
+              </a:fontRef>
+            </p:style>
+            <p:txBody>
+              <a:bodyPr rtlCol="0" anchor="ctr"/>
+              <a:lstStyle/>
+              <a:p>
+                <a:pPr algn="ctr"/>
+                <a:endParaRPr kumimoji="1" lang="ja-JP" altLang="en-US"/>
+              </a:p>
+            </p:txBody>
+          </p:sp>
+          <p:cxnSp>
+            <p:nvCxnSpPr>
+              <p:cNvPr id="102" name="直線コネクタ 101">
+                <a:extLst>
+                  <a:ext uri="{FF2B5EF4-FFF2-40B4-BE49-F238E27FC236}">
+                    <a16:creationId xmlns:a16="http://schemas.microsoft.com/office/drawing/2014/main" id="{75909D43-59AA-510C-9E1F-386E8D590D49}"/>
+                  </a:ext>
+                </a:extLst>
+              </p:cNvPr>
+              <p:cNvCxnSpPr>
+                <a:stCxn id="101" idx="1"/>
+                <a:endCxn id="101" idx="3"/>
+              </p:cNvCxnSpPr>
+              <p:nvPr/>
+            </p:nvCxnSpPr>
+            <p:spPr>
+              <a:xfrm>
+                <a:off x="6460448" y="4293273"/>
+                <a:ext cx="0" cy="824837"/>
+              </a:xfrm>
+              <a:prstGeom prst="line">
+                <a:avLst/>
+              </a:prstGeom>
+              <a:ln w="19050"/>
+            </p:spPr>
+            <p:style>
+              <a:lnRef idx="1">
+                <a:schemeClr val="accent1"/>
+              </a:lnRef>
+              <a:fillRef idx="0">
+                <a:schemeClr val="accent1"/>
+              </a:fillRef>
+              <a:effectRef idx="0">
+                <a:schemeClr val="accent1"/>
+              </a:effectRef>
+              <a:fontRef idx="minor">
+                <a:schemeClr val="tx1"/>
+              </a:fontRef>
+            </p:style>
+          </p:cxnSp>
+          <p:cxnSp>
+            <p:nvCxnSpPr>
+              <p:cNvPr id="103" name="直線コネクタ 102">
+                <a:extLst>
+                  <a:ext uri="{FF2B5EF4-FFF2-40B4-BE49-F238E27FC236}">
+                    <a16:creationId xmlns:a16="http://schemas.microsoft.com/office/drawing/2014/main" id="{B06CB2D0-D45D-DF5D-CF2D-B5AED1A5EEFC}"/>
+                  </a:ext>
+                </a:extLst>
+              </p:cNvPr>
+              <p:cNvCxnSpPr>
+                <a:stCxn id="101" idx="0"/>
+                <a:endCxn id="101" idx="4"/>
+              </p:cNvCxnSpPr>
+              <p:nvPr/>
+            </p:nvCxnSpPr>
+            <p:spPr>
+              <a:xfrm>
+                <a:off x="6664173" y="4122443"/>
+                <a:ext cx="0" cy="1166497"/>
+              </a:xfrm>
+              <a:prstGeom prst="line">
+                <a:avLst/>
+              </a:prstGeom>
+              <a:ln w="19050"/>
+            </p:spPr>
+            <p:style>
+              <a:lnRef idx="1">
+                <a:schemeClr val="accent1"/>
+              </a:lnRef>
+              <a:fillRef idx="0">
+                <a:schemeClr val="accent1"/>
+              </a:fillRef>
+              <a:effectRef idx="0">
+                <a:schemeClr val="accent1"/>
+              </a:effectRef>
+              <a:fontRef idx="minor">
+                <a:schemeClr val="tx1"/>
+              </a:fontRef>
+            </p:style>
+          </p:cxnSp>
+          <p:cxnSp>
+            <p:nvCxnSpPr>
+              <p:cNvPr id="104" name="直線コネクタ 103">
+                <a:extLst>
+                  <a:ext uri="{FF2B5EF4-FFF2-40B4-BE49-F238E27FC236}">
+                    <a16:creationId xmlns:a16="http://schemas.microsoft.com/office/drawing/2014/main" id="{FAC7BDEE-4EB9-F66D-EC9C-5AF445AD8DE1}"/>
+                  </a:ext>
+                </a:extLst>
+              </p:cNvPr>
+              <p:cNvCxnSpPr>
+                <a:stCxn id="101" idx="7"/>
+                <a:endCxn id="101" idx="5"/>
+              </p:cNvCxnSpPr>
+              <p:nvPr/>
+            </p:nvCxnSpPr>
+            <p:spPr>
+              <a:xfrm>
+                <a:off x="6867897" y="4293273"/>
+                <a:ext cx="0" cy="824837"/>
+              </a:xfrm>
+              <a:prstGeom prst="line">
+                <a:avLst/>
+              </a:prstGeom>
+              <a:ln w="19050"/>
+            </p:spPr>
+            <p:style>
+              <a:lnRef idx="1">
+                <a:schemeClr val="accent1"/>
+              </a:lnRef>
+              <a:fillRef idx="0">
+                <a:schemeClr val="accent1"/>
+              </a:fillRef>
+              <a:effectRef idx="0">
+                <a:schemeClr val="accent1"/>
+              </a:effectRef>
+              <a:fontRef idx="minor">
+                <a:schemeClr val="tx1"/>
+              </a:fontRef>
+            </p:style>
+          </p:cxnSp>
+          <p:cxnSp>
+            <p:nvCxnSpPr>
+              <p:cNvPr id="105" name="直線コネクタ 104">
+                <a:extLst>
+                  <a:ext uri="{FF2B5EF4-FFF2-40B4-BE49-F238E27FC236}">
+                    <a16:creationId xmlns:a16="http://schemas.microsoft.com/office/drawing/2014/main" id="{CF46115C-1C3A-44D5-0F96-37D882596F32}"/>
+                  </a:ext>
+                </a:extLst>
+              </p:cNvPr>
+              <p:cNvCxnSpPr>
+                <a:cxnSpLocks/>
+              </p:cNvCxnSpPr>
+              <p:nvPr/>
+            </p:nvCxnSpPr>
+            <p:spPr>
+              <a:xfrm>
+                <a:off x="6764614" y="4165687"/>
+                <a:ext cx="0" cy="1102202"/>
+              </a:xfrm>
+              <a:prstGeom prst="line">
+                <a:avLst/>
+              </a:prstGeom>
+              <a:ln w="19050"/>
+            </p:spPr>
+            <p:style>
+              <a:lnRef idx="1">
+                <a:schemeClr val="accent1"/>
+              </a:lnRef>
+              <a:fillRef idx="0">
+                <a:schemeClr val="accent1"/>
+              </a:fillRef>
+              <a:effectRef idx="0">
+                <a:schemeClr val="accent1"/>
+              </a:effectRef>
+              <a:fontRef idx="minor">
+                <a:schemeClr val="tx1"/>
+              </a:fontRef>
+            </p:style>
+          </p:cxnSp>
+          <p:cxnSp>
+            <p:nvCxnSpPr>
+              <p:cNvPr id="108" name="直線コネクタ 107">
+                <a:extLst>
+                  <a:ext uri="{FF2B5EF4-FFF2-40B4-BE49-F238E27FC236}">
+                    <a16:creationId xmlns:a16="http://schemas.microsoft.com/office/drawing/2014/main" id="{2B519272-3841-0978-641D-C2CC35D6B706}"/>
+                  </a:ext>
+                </a:extLst>
+              </p:cNvPr>
+              <p:cNvCxnSpPr>
+                <a:cxnSpLocks/>
+              </p:cNvCxnSpPr>
+              <p:nvPr/>
+            </p:nvCxnSpPr>
+            <p:spPr>
+              <a:xfrm>
+                <a:off x="6570199" y="4165688"/>
+                <a:ext cx="0" cy="1102202"/>
+              </a:xfrm>
+              <a:prstGeom prst="line">
+                <a:avLst/>
+              </a:prstGeom>
+              <a:ln w="19050"/>
+            </p:spPr>
+            <p:style>
+              <a:lnRef idx="1">
+                <a:schemeClr val="accent1"/>
+              </a:lnRef>
+              <a:fillRef idx="0">
+                <a:schemeClr val="accent1"/>
+              </a:fillRef>
+              <a:effectRef idx="0">
+                <a:schemeClr val="accent1"/>
+              </a:effectRef>
+              <a:fontRef idx="minor">
+                <a:schemeClr val="tx1"/>
+              </a:fontRef>
+            </p:style>
+          </p:cxnSp>
+        </p:grpSp>
+      </p:grpSp>
+      <p:grpSp>
+        <p:nvGrpSpPr>
+          <p:cNvPr id="168" name="グループ化 167">
+            <a:extLst>
+              <a:ext uri="{FF2B5EF4-FFF2-40B4-BE49-F238E27FC236}">
+                <a16:creationId xmlns:a16="http://schemas.microsoft.com/office/drawing/2014/main" id="{9B8DC0B3-93C8-239B-80E6-3881172F74A8}"/>
+              </a:ext>
+            </a:extLst>
+          </p:cNvPr>
+          <p:cNvGrpSpPr/>
+          <p:nvPr/>
+        </p:nvGrpSpPr>
+        <p:grpSpPr>
+          <a:xfrm>
+            <a:off x="253031" y="2465083"/>
+            <a:ext cx="8052304" cy="2128956"/>
+            <a:chOff x="253031" y="2465083"/>
+            <a:chExt cx="8052304" cy="2128956"/>
+          </a:xfrm>
+        </p:grpSpPr>
+        <p:cxnSp>
+          <p:nvCxnSpPr>
+            <p:cNvPr id="124" name="直線コネクタ 123">
+              <a:extLst>
+                <a:ext uri="{FF2B5EF4-FFF2-40B4-BE49-F238E27FC236}">
+                  <a16:creationId xmlns:a16="http://schemas.microsoft.com/office/drawing/2014/main" id="{A45A6020-E5E5-ED63-4A7C-797B708AE00F}"/>
+                </a:ext>
+              </a:extLst>
+            </p:cNvPr>
+            <p:cNvCxnSpPr>
+              <a:cxnSpLocks/>
+            </p:cNvCxnSpPr>
+            <p:nvPr/>
+          </p:nvCxnSpPr>
+          <p:spPr>
+            <a:xfrm>
+              <a:off x="5931049" y="2465083"/>
+              <a:ext cx="0" cy="2128956"/>
+            </a:xfrm>
+            <a:prstGeom prst="line">
+              <a:avLst/>
+            </a:prstGeom>
+            <a:ln w="12700">
+              <a:prstDash val="dash"/>
+            </a:ln>
+          </p:spPr>
+          <p:style>
+            <a:lnRef idx="1">
+              <a:schemeClr val="accent1"/>
+            </a:lnRef>
+            <a:fillRef idx="0">
+              <a:schemeClr val="accent1"/>
+            </a:fillRef>
+            <a:effectRef idx="0">
+              <a:schemeClr val="accent1"/>
+            </a:effectRef>
+            <a:fontRef idx="minor">
+              <a:schemeClr val="tx1"/>
+            </a:fontRef>
+          </p:style>
+        </p:cxnSp>
+        <p:sp>
+          <p:nvSpPr>
+            <p:cNvPr id="125" name="正方形/長方形 124">
+              <a:extLst>
+                <a:ext uri="{FF2B5EF4-FFF2-40B4-BE49-F238E27FC236}">
+                  <a16:creationId xmlns:a16="http://schemas.microsoft.com/office/drawing/2014/main" id="{233752B2-D03C-1740-34FC-12B9216F9AB7}"/>
+                </a:ext>
+              </a:extLst>
+            </p:cNvPr>
+            <p:cNvSpPr/>
+            <p:nvPr/>
+          </p:nvSpPr>
+          <p:spPr>
+            <a:xfrm>
+              <a:off x="301060" y="3256666"/>
+              <a:ext cx="1731226" cy="730817"/>
+            </a:xfrm>
+            <a:prstGeom prst="rect">
+              <a:avLst/>
+            </a:prstGeom>
+            <a:noFill/>
+            <a:ln w="28575">
+              <a:solidFill>
+                <a:schemeClr val="tx1"/>
+              </a:solidFill>
+            </a:ln>
+          </p:spPr>
+          <p:style>
+            <a:lnRef idx="2">
+              <a:schemeClr val="accent1">
+                <a:shade val="15000"/>
+              </a:schemeClr>
+            </a:lnRef>
+            <a:fillRef idx="1">
+              <a:schemeClr val="accent1"/>
+            </a:fillRef>
+            <a:effectRef idx="0">
+              <a:schemeClr val="accent1"/>
+            </a:effectRef>
+            <a:fontRef idx="minor">
+              <a:schemeClr val="lt1"/>
+            </a:fontRef>
+          </p:style>
+          <p:txBody>
+            <a:bodyPr rtlCol="0" anchor="ctr"/>
+            <a:lstStyle/>
+            <a:p>
+              <a:pPr algn="ctr"/>
+              <a:r>
+                <a:rPr kumimoji="1" lang="en-US" altLang="ja-JP" dirty="0">
+                  <a:solidFill>
+                    <a:schemeClr val="tx1"/>
+                  </a:solidFill>
+                </a:rPr>
+                <a:t>He-Ne LASER</a:t>
+              </a:r>
+              <a:endParaRPr kumimoji="1" lang="ja-JP" altLang="en-US" dirty="0">
+                <a:solidFill>
+                  <a:schemeClr val="tx1"/>
+                </a:solidFill>
+              </a:endParaRPr>
+            </a:p>
+          </p:txBody>
+        </p:sp>
+        <p:sp>
+          <p:nvSpPr>
+            <p:cNvPr id="126" name="正方形/長方形 125">
+              <a:extLst>
+                <a:ext uri="{FF2B5EF4-FFF2-40B4-BE49-F238E27FC236}">
+                  <a16:creationId xmlns:a16="http://schemas.microsoft.com/office/drawing/2014/main" id="{6DF575C8-582E-C91E-C2DE-15549BF1E69D}"/>
+                </a:ext>
+              </a:extLst>
+            </p:cNvPr>
+            <p:cNvSpPr/>
+            <p:nvPr/>
+          </p:nvSpPr>
+          <p:spPr>
+            <a:xfrm>
+              <a:off x="7279380" y="3241069"/>
+              <a:ext cx="1025955" cy="730817"/>
+            </a:xfrm>
+            <a:prstGeom prst="rect">
+              <a:avLst/>
+            </a:prstGeom>
+            <a:noFill/>
+            <a:ln w="28575">
+              <a:solidFill>
+                <a:schemeClr val="tx1"/>
+              </a:solidFill>
+            </a:ln>
+          </p:spPr>
+          <p:style>
+            <a:lnRef idx="2">
+              <a:schemeClr val="accent1">
+                <a:shade val="15000"/>
+              </a:schemeClr>
+            </a:lnRef>
+            <a:fillRef idx="1">
+              <a:schemeClr val="accent1"/>
+            </a:fillRef>
+            <a:effectRef idx="0">
+              <a:schemeClr val="accent1"/>
+            </a:effectRef>
+            <a:fontRef idx="minor">
+              <a:schemeClr val="lt1"/>
+            </a:fontRef>
+          </p:style>
+          <p:txBody>
+            <a:bodyPr rtlCol="0" anchor="ctr"/>
+            <a:lstStyle/>
+            <a:p>
+              <a:pPr algn="ctr"/>
+              <a:r>
+                <a:rPr kumimoji="1" lang="en-US" altLang="ja-JP" dirty="0">
+                  <a:solidFill>
+                    <a:schemeClr val="tx1"/>
+                  </a:solidFill>
+                </a:rPr>
+                <a:t>PD</a:t>
+              </a:r>
+              <a:endParaRPr kumimoji="1" lang="ja-JP" altLang="en-US" dirty="0">
+                <a:solidFill>
+                  <a:schemeClr val="tx1"/>
+                </a:solidFill>
+              </a:endParaRPr>
+            </a:p>
+          </p:txBody>
+        </p:sp>
+        <p:cxnSp>
+          <p:nvCxnSpPr>
+            <p:cNvPr id="127" name="直線コネクタ 126">
+              <a:extLst>
+                <a:ext uri="{FF2B5EF4-FFF2-40B4-BE49-F238E27FC236}">
+                  <a16:creationId xmlns:a16="http://schemas.microsoft.com/office/drawing/2014/main" id="{26CD38C9-D84E-7248-160F-C974A4E886CD}"/>
+                </a:ext>
+              </a:extLst>
+            </p:cNvPr>
+            <p:cNvCxnSpPr>
+              <a:cxnSpLocks/>
+              <a:stCxn id="125" idx="3"/>
+              <a:endCxn id="126" idx="1"/>
+            </p:cNvCxnSpPr>
+            <p:nvPr/>
+          </p:nvCxnSpPr>
+          <p:spPr>
+            <a:xfrm flipV="1">
+              <a:off x="2032286" y="3606478"/>
+              <a:ext cx="5247094" cy="15596"/>
+            </a:xfrm>
+            <a:prstGeom prst="line">
+              <a:avLst/>
+            </a:prstGeom>
+            <a:ln w="19050"/>
+          </p:spPr>
+          <p:style>
+            <a:lnRef idx="1">
+              <a:schemeClr val="accent3"/>
+            </a:lnRef>
+            <a:fillRef idx="0">
+              <a:schemeClr val="accent3"/>
+            </a:fillRef>
+            <a:effectRef idx="0">
+              <a:schemeClr val="accent3"/>
+            </a:effectRef>
+            <a:fontRef idx="minor">
+              <a:schemeClr val="tx1"/>
+            </a:fontRef>
+          </p:style>
+        </p:cxnSp>
+        <p:sp>
+          <p:nvSpPr>
+            <p:cNvPr id="135" name="テキスト ボックス 134">
+              <a:extLst>
+                <a:ext uri="{FF2B5EF4-FFF2-40B4-BE49-F238E27FC236}">
+                  <a16:creationId xmlns:a16="http://schemas.microsoft.com/office/drawing/2014/main" id="{AD1D775D-B616-2FA3-A64E-6C203CD3285C}"/>
+                </a:ext>
+              </a:extLst>
+            </p:cNvPr>
+            <p:cNvSpPr txBox="1"/>
+            <p:nvPr/>
+          </p:nvSpPr>
+          <p:spPr>
+            <a:xfrm>
+              <a:off x="913291" y="3970369"/>
+              <a:ext cx="1118995" cy="392630"/>
+            </a:xfrm>
+            <a:prstGeom prst="rect">
+              <a:avLst/>
+            </a:prstGeom>
+            <a:noFill/>
+          </p:spPr>
+          <p:txBody>
+            <a:bodyPr wrap="none" rtlCol="0">
+              <a:spAutoFit/>
+            </a:bodyPr>
+            <a:lstStyle/>
+            <a:p>
+              <a:r>
+                <a:rPr kumimoji="1" lang="en-US" altLang="ja-JP" sz="1400" dirty="0"/>
+                <a:t>633 nm</a:t>
+              </a:r>
+              <a:endParaRPr kumimoji="1" lang="ja-JP" altLang="en-US" sz="1400" dirty="0"/>
+            </a:p>
+          </p:txBody>
+        </p:sp>
+        <mc:AlternateContent xmlns:mc="http://schemas.openxmlformats.org/markup-compatibility/2006" xmlns:a14="http://schemas.microsoft.com/office/drawing/2010/main">
+          <mc:Choice Requires="a14">
+            <p:sp>
+              <p:nvSpPr>
+                <p:cNvPr id="140" name="テキスト ボックス 139">
+                  <a:extLst>
+                    <a:ext uri="{FF2B5EF4-FFF2-40B4-BE49-F238E27FC236}">
+                      <a16:creationId xmlns:a16="http://schemas.microsoft.com/office/drawing/2014/main" id="{4707B7AA-F586-FE39-A803-7D55140D7D2C}"/>
+                    </a:ext>
+                  </a:extLst>
+                </p:cNvPr>
+                <p:cNvSpPr txBox="1"/>
+                <p:nvPr/>
+              </p:nvSpPr>
+              <p:spPr>
+                <a:xfrm>
+                  <a:off x="7461124" y="2755002"/>
+                  <a:ext cx="717376" cy="369332"/>
+                </a:xfrm>
+                <a:prstGeom prst="rect">
+                  <a:avLst/>
+                </a:prstGeom>
+                <a:noFill/>
+              </p:spPr>
+              <p:txBody>
+                <a:bodyPr wrap="none" rtlCol="0">
+                  <a:spAutoFit/>
+                </a:bodyPr>
+                <a:lstStyle/>
+                <a:p>
+                  <a:pPr/>
+                  <a14:m>
+                    <m:oMathPara xmlns:m="http://schemas.openxmlformats.org/officeDocument/2006/math">
+                      <m:oMathParaPr>
+                        <m:jc m:val="centerGroup"/>
+                      </m:oMathParaPr>
+                      <m:oMath xmlns:m="http://schemas.openxmlformats.org/officeDocument/2006/math">
+                        <m:sSub>
+                          <m:sSubPr>
+                            <m:ctrlPr>
+                              <a:rPr kumimoji="1" lang="en-US" altLang="ja-JP" b="0" i="1" dirty="0" smtClean="0">
+                                <a:latin typeface="Cambria Math" panose="02040503050406030204" pitchFamily="18" charset="0"/>
+                              </a:rPr>
+                            </m:ctrlPr>
+                          </m:sSubPr>
+                          <m:e>
+                            <m:r>
+                              <a:rPr kumimoji="1" lang="en-US" altLang="ja-JP" b="0" i="1" dirty="0" smtClean="0">
+                                <a:latin typeface="Cambria Math" panose="02040503050406030204" pitchFamily="18" charset="0"/>
+                              </a:rPr>
+                              <m:t>𝐼</m:t>
+                            </m:r>
+                          </m:e>
+                          <m:sub>
+                            <m:r>
+                              <m:rPr>
+                                <m:sty m:val="p"/>
+                              </m:rPr>
+                              <a:rPr kumimoji="1" lang="en-US" altLang="ja-JP" b="0" i="0" dirty="0" smtClean="0">
+                                <a:latin typeface="Cambria Math" panose="02040503050406030204" pitchFamily="18" charset="0"/>
+                              </a:rPr>
+                              <m:t>max</m:t>
+                            </m:r>
+                          </m:sub>
+                        </m:sSub>
+                      </m:oMath>
+                    </m:oMathPara>
+                  </a14:m>
+                  <a:endParaRPr kumimoji="1" lang="ja-JP" altLang="en-US" dirty="0"/>
+                </a:p>
+              </p:txBody>
+            </p:sp>
+          </mc:Choice>
+          <mc:Fallback xmlns="">
+            <p:sp>
+              <p:nvSpPr>
+                <p:cNvPr id="140" name="テキスト ボックス 139">
+                  <a:extLst>
+                    <a:ext uri="{FF2B5EF4-FFF2-40B4-BE49-F238E27FC236}">
+                      <a16:creationId xmlns:a16="http://schemas.microsoft.com/office/drawing/2014/main" id="{4707B7AA-F586-FE39-A803-7D55140D7D2C}"/>
+                    </a:ext>
+                  </a:extLst>
+                </p:cNvPr>
+                <p:cNvSpPr txBox="1">
+                  <a:spLocks noRot="1" noChangeAspect="1" noMove="1" noResize="1" noEditPoints="1" noAdjustHandles="1" noChangeArrowheads="1" noChangeShapeType="1" noTextEdit="1"/>
+                </p:cNvSpPr>
+                <p:nvPr/>
+              </p:nvSpPr>
+              <p:spPr>
+                <a:xfrm>
+                  <a:off x="7461124" y="2755002"/>
+                  <a:ext cx="717376" cy="369332"/>
+                </a:xfrm>
+                <a:prstGeom prst="rect">
+                  <a:avLst/>
+                </a:prstGeom>
+                <a:blipFill>
+                  <a:blip r:embed="rId8"/>
+                  <a:stretch>
+                    <a:fillRect/>
+                  </a:stretch>
+                </a:blipFill>
+              </p:spPr>
+              <p:txBody>
+                <a:bodyPr/>
+                <a:lstStyle/>
+                <a:p>
+                  <a:r>
+                    <a:rPr lang="ja-JP" altLang="en-US">
+                      <a:noFill/>
+                    </a:rPr>
+                    <a:t> </a:t>
+                  </a:r>
+                </a:p>
+              </p:txBody>
+            </p:sp>
+          </mc:Fallback>
+        </mc:AlternateContent>
+        <p:grpSp>
+          <p:nvGrpSpPr>
+            <p:cNvPr id="141" name="グループ化 140">
+              <a:extLst>
+                <a:ext uri="{FF2B5EF4-FFF2-40B4-BE49-F238E27FC236}">
+                  <a16:creationId xmlns:a16="http://schemas.microsoft.com/office/drawing/2014/main" id="{903855E3-7C91-E955-26EB-59A7A4A618BA}"/>
+                </a:ext>
+              </a:extLst>
+            </p:cNvPr>
+            <p:cNvGrpSpPr/>
+            <p:nvPr/>
+          </p:nvGrpSpPr>
+          <p:grpSpPr>
+            <a:xfrm>
+              <a:off x="5638797" y="3038825"/>
+              <a:ext cx="576221" cy="1166497"/>
+              <a:chOff x="6376067" y="4122443"/>
+              <a:chExt cx="576221" cy="1166497"/>
+            </a:xfrm>
+          </p:grpSpPr>
+          <p:sp>
+            <p:nvSpPr>
+              <p:cNvPr id="158" name="楕円 157">
+                <a:extLst>
+                  <a:ext uri="{FF2B5EF4-FFF2-40B4-BE49-F238E27FC236}">
+                    <a16:creationId xmlns:a16="http://schemas.microsoft.com/office/drawing/2014/main" id="{32ED0C6A-9C2E-1003-7A99-121325DE28D7}"/>
+                  </a:ext>
+                </a:extLst>
+              </p:cNvPr>
+              <p:cNvSpPr/>
+              <p:nvPr/>
+            </p:nvSpPr>
+            <p:spPr>
+              <a:xfrm>
+                <a:off x="6376067" y="4122443"/>
+                <a:ext cx="576221" cy="1166497"/>
+              </a:xfrm>
+              <a:prstGeom prst="ellipse">
+                <a:avLst/>
+              </a:prstGeom>
+              <a:noFill/>
+            </p:spPr>
+            <p:style>
+              <a:lnRef idx="2">
+                <a:schemeClr val="accent1">
+                  <a:shade val="15000"/>
+                </a:schemeClr>
+              </a:lnRef>
+              <a:fillRef idx="1">
+                <a:schemeClr val="accent1"/>
+              </a:fillRef>
+              <a:effectRef idx="0">
+                <a:schemeClr val="accent1"/>
+              </a:effectRef>
+              <a:fontRef idx="minor">
+                <a:schemeClr val="lt1"/>
+              </a:fontRef>
+            </p:style>
+            <p:txBody>
+              <a:bodyPr rtlCol="0" anchor="ctr"/>
+              <a:lstStyle/>
+              <a:p>
+                <a:pPr algn="ctr"/>
+                <a:endParaRPr kumimoji="1" lang="ja-JP" altLang="en-US"/>
+              </a:p>
+            </p:txBody>
+          </p:sp>
+          <p:cxnSp>
+            <p:nvCxnSpPr>
+              <p:cNvPr id="159" name="直線コネクタ 158">
+                <a:extLst>
+                  <a:ext uri="{FF2B5EF4-FFF2-40B4-BE49-F238E27FC236}">
+                    <a16:creationId xmlns:a16="http://schemas.microsoft.com/office/drawing/2014/main" id="{9CC003DD-2166-F250-3CDB-EDD77E2A17BC}"/>
+                  </a:ext>
+                </a:extLst>
+              </p:cNvPr>
+              <p:cNvCxnSpPr>
+                <a:stCxn id="158" idx="1"/>
+                <a:endCxn id="158" idx="3"/>
+              </p:cNvCxnSpPr>
+              <p:nvPr/>
+            </p:nvCxnSpPr>
+            <p:spPr>
+              <a:xfrm>
+                <a:off x="6460448" y="4293273"/>
+                <a:ext cx="0" cy="824837"/>
+              </a:xfrm>
+              <a:prstGeom prst="line">
+                <a:avLst/>
+              </a:prstGeom>
+              <a:ln w="19050"/>
+            </p:spPr>
+            <p:style>
+              <a:lnRef idx="1">
+                <a:schemeClr val="accent1"/>
+              </a:lnRef>
+              <a:fillRef idx="0">
+                <a:schemeClr val="accent1"/>
+              </a:fillRef>
+              <a:effectRef idx="0">
+                <a:schemeClr val="accent1"/>
+              </a:effectRef>
+              <a:fontRef idx="minor">
+                <a:schemeClr val="tx1"/>
+              </a:fontRef>
+            </p:style>
+          </p:cxnSp>
+          <p:cxnSp>
+            <p:nvCxnSpPr>
+              <p:cNvPr id="160" name="直線コネクタ 159">
+                <a:extLst>
+                  <a:ext uri="{FF2B5EF4-FFF2-40B4-BE49-F238E27FC236}">
+                    <a16:creationId xmlns:a16="http://schemas.microsoft.com/office/drawing/2014/main" id="{76D2B751-24EE-8475-29B8-7FD3C2E00EBF}"/>
+                  </a:ext>
+                </a:extLst>
+              </p:cNvPr>
+              <p:cNvCxnSpPr>
+                <a:stCxn id="158" idx="0"/>
+                <a:endCxn id="158" idx="4"/>
+              </p:cNvCxnSpPr>
+              <p:nvPr/>
+            </p:nvCxnSpPr>
+            <p:spPr>
+              <a:xfrm>
+                <a:off x="6664173" y="4122443"/>
+                <a:ext cx="0" cy="1166497"/>
+              </a:xfrm>
+              <a:prstGeom prst="line">
+                <a:avLst/>
+              </a:prstGeom>
+              <a:ln w="19050"/>
+            </p:spPr>
+            <p:style>
+              <a:lnRef idx="1">
+                <a:schemeClr val="accent1"/>
+              </a:lnRef>
+              <a:fillRef idx="0">
+                <a:schemeClr val="accent1"/>
+              </a:fillRef>
+              <a:effectRef idx="0">
+                <a:schemeClr val="accent1"/>
+              </a:effectRef>
+              <a:fontRef idx="minor">
+                <a:schemeClr val="tx1"/>
+              </a:fontRef>
+            </p:style>
+          </p:cxnSp>
+          <p:cxnSp>
+            <p:nvCxnSpPr>
+              <p:cNvPr id="161" name="直線コネクタ 160">
+                <a:extLst>
+                  <a:ext uri="{FF2B5EF4-FFF2-40B4-BE49-F238E27FC236}">
+                    <a16:creationId xmlns:a16="http://schemas.microsoft.com/office/drawing/2014/main" id="{C704F024-E55A-DFB8-8566-21E3AB9B0098}"/>
+                  </a:ext>
+                </a:extLst>
+              </p:cNvPr>
+              <p:cNvCxnSpPr>
+                <a:stCxn id="158" idx="7"/>
+                <a:endCxn id="158" idx="5"/>
+              </p:cNvCxnSpPr>
+              <p:nvPr/>
+            </p:nvCxnSpPr>
+            <p:spPr>
+              <a:xfrm>
+                <a:off x="6867897" y="4293273"/>
+                <a:ext cx="0" cy="824837"/>
+              </a:xfrm>
+              <a:prstGeom prst="line">
+                <a:avLst/>
+              </a:prstGeom>
+              <a:ln w="19050"/>
+            </p:spPr>
+            <p:style>
+              <a:lnRef idx="1">
+                <a:schemeClr val="accent1"/>
+              </a:lnRef>
+              <a:fillRef idx="0">
+                <a:schemeClr val="accent1"/>
+              </a:fillRef>
+              <a:effectRef idx="0">
+                <a:schemeClr val="accent1"/>
+              </a:effectRef>
+              <a:fontRef idx="minor">
+                <a:schemeClr val="tx1"/>
+              </a:fontRef>
+            </p:style>
+          </p:cxnSp>
+          <p:cxnSp>
+            <p:nvCxnSpPr>
+              <p:cNvPr id="162" name="直線コネクタ 161">
+                <a:extLst>
+                  <a:ext uri="{FF2B5EF4-FFF2-40B4-BE49-F238E27FC236}">
+                    <a16:creationId xmlns:a16="http://schemas.microsoft.com/office/drawing/2014/main" id="{CA5C427F-804B-5EB2-7BC7-3AE1DC6235EF}"/>
+                  </a:ext>
+                </a:extLst>
+              </p:cNvPr>
+              <p:cNvCxnSpPr>
+                <a:cxnSpLocks/>
+              </p:cNvCxnSpPr>
+              <p:nvPr/>
+            </p:nvCxnSpPr>
+            <p:spPr>
+              <a:xfrm>
+                <a:off x="6764614" y="4165687"/>
+                <a:ext cx="0" cy="1102202"/>
+              </a:xfrm>
+              <a:prstGeom prst="line">
+                <a:avLst/>
+              </a:prstGeom>
+              <a:ln w="19050"/>
+            </p:spPr>
+            <p:style>
+              <a:lnRef idx="1">
+                <a:schemeClr val="accent1"/>
+              </a:lnRef>
+              <a:fillRef idx="0">
+                <a:schemeClr val="accent1"/>
+              </a:fillRef>
+              <a:effectRef idx="0">
+                <a:schemeClr val="accent1"/>
+              </a:effectRef>
+              <a:fontRef idx="minor">
+                <a:schemeClr val="tx1"/>
+              </a:fontRef>
+            </p:style>
+          </p:cxnSp>
+          <p:cxnSp>
+            <p:nvCxnSpPr>
+              <p:cNvPr id="163" name="直線コネクタ 162">
+                <a:extLst>
+                  <a:ext uri="{FF2B5EF4-FFF2-40B4-BE49-F238E27FC236}">
+                    <a16:creationId xmlns:a16="http://schemas.microsoft.com/office/drawing/2014/main" id="{4C552B24-49CC-BC26-2647-30926D02AD35}"/>
+                  </a:ext>
+                </a:extLst>
+              </p:cNvPr>
+              <p:cNvCxnSpPr>
+                <a:cxnSpLocks/>
+              </p:cNvCxnSpPr>
+              <p:nvPr/>
+            </p:nvCxnSpPr>
+            <p:spPr>
+              <a:xfrm>
+                <a:off x="6570199" y="4165688"/>
+                <a:ext cx="0" cy="1102202"/>
+              </a:xfrm>
+              <a:prstGeom prst="line">
+                <a:avLst/>
+              </a:prstGeom>
+              <a:ln w="19050"/>
+            </p:spPr>
+            <p:style>
+              <a:lnRef idx="1">
+                <a:schemeClr val="accent1"/>
+              </a:lnRef>
+              <a:fillRef idx="0">
+                <a:schemeClr val="accent1"/>
+              </a:fillRef>
+              <a:effectRef idx="0">
+                <a:schemeClr val="accent1"/>
+              </a:effectRef>
+              <a:fontRef idx="minor">
+                <a:schemeClr val="tx1"/>
+              </a:fontRef>
+            </p:style>
+          </p:cxnSp>
+        </p:grpSp>
+        <p:sp>
+          <p:nvSpPr>
+            <p:cNvPr id="142" name="テキスト ボックス 141">
+              <a:extLst>
+                <a:ext uri="{FF2B5EF4-FFF2-40B4-BE49-F238E27FC236}">
+                  <a16:creationId xmlns:a16="http://schemas.microsoft.com/office/drawing/2014/main" id="{AEC8FF8E-2C91-3E86-91F3-A04866A466B2}"/>
+                </a:ext>
+              </a:extLst>
+            </p:cNvPr>
+            <p:cNvSpPr txBox="1"/>
+            <p:nvPr/>
+          </p:nvSpPr>
+          <p:spPr>
+            <a:xfrm>
+              <a:off x="253031" y="2495555"/>
+              <a:ext cx="537327" cy="369332"/>
+            </a:xfrm>
+            <a:prstGeom prst="rect">
+              <a:avLst/>
+            </a:prstGeom>
+            <a:noFill/>
+          </p:spPr>
+          <p:txBody>
+            <a:bodyPr wrap="none" rtlCol="0">
+              <a:spAutoFit/>
+            </a:bodyPr>
+            <a:lstStyle/>
+            <a:p>
+              <a:r>
+                <a:rPr kumimoji="1" lang="en-US" altLang="ja-JP" dirty="0"/>
+                <a:t>(b)</a:t>
+              </a:r>
+              <a:endParaRPr kumimoji="1" lang="ja-JP" altLang="en-US" dirty="0"/>
+            </a:p>
+          </p:txBody>
+        </p:sp>
+        <p:grpSp>
+          <p:nvGrpSpPr>
+            <p:cNvPr id="144" name="グループ化 143">
+              <a:extLst>
+                <a:ext uri="{FF2B5EF4-FFF2-40B4-BE49-F238E27FC236}">
+                  <a16:creationId xmlns:a16="http://schemas.microsoft.com/office/drawing/2014/main" id="{1CCE6C04-0B6E-9856-CE01-B6E037698479}"/>
+                </a:ext>
+              </a:extLst>
+            </p:cNvPr>
+            <p:cNvGrpSpPr/>
+            <p:nvPr/>
+          </p:nvGrpSpPr>
+          <p:grpSpPr>
+            <a:xfrm>
+              <a:off x="3883862" y="3013650"/>
+              <a:ext cx="1220809" cy="1423026"/>
+              <a:chOff x="4234600" y="4812028"/>
+              <a:chExt cx="1220809" cy="1423026"/>
+            </a:xfrm>
+          </p:grpSpPr>
+          <p:sp>
+            <p:nvSpPr>
+              <p:cNvPr id="155" name="正方形/長方形 154">
+                <a:extLst>
+                  <a:ext uri="{FF2B5EF4-FFF2-40B4-BE49-F238E27FC236}">
+                    <a16:creationId xmlns:a16="http://schemas.microsoft.com/office/drawing/2014/main" id="{8C2FDD37-5AAB-7001-D082-0947AC4D061E}"/>
+                  </a:ext>
+                </a:extLst>
+              </p:cNvPr>
+              <p:cNvSpPr/>
+              <p:nvPr/>
+            </p:nvSpPr>
+            <p:spPr>
+              <a:xfrm rot="21120000">
+                <a:off x="4663798" y="4954451"/>
+                <a:ext cx="340658" cy="914400"/>
+              </a:xfrm>
+              <a:prstGeom prst="rect">
+                <a:avLst/>
+              </a:prstGeom>
+            </p:spPr>
+            <p:style>
+              <a:lnRef idx="2">
+                <a:schemeClr val="accent5">
+                  <a:shade val="15000"/>
+                </a:schemeClr>
+              </a:lnRef>
+              <a:fillRef idx="1">
+                <a:schemeClr val="accent5"/>
+              </a:fillRef>
+              <a:effectRef idx="0">
+                <a:schemeClr val="accent5"/>
+              </a:effectRef>
+              <a:fontRef idx="minor">
+                <a:schemeClr val="lt1"/>
+              </a:fontRef>
+            </p:style>
+            <p:txBody>
+              <a:bodyPr rtlCol="0" anchor="ctr"/>
+              <a:lstStyle/>
+              <a:p>
+                <a:pPr algn="ctr"/>
+                <a:endParaRPr kumimoji="1" lang="ja-JP" altLang="en-US"/>
+              </a:p>
+            </p:txBody>
+          </p:sp>
+          <p:sp>
+            <p:nvSpPr>
+              <p:cNvPr id="156" name="円弧 155">
+                <a:extLst>
+                  <a:ext uri="{FF2B5EF4-FFF2-40B4-BE49-F238E27FC236}">
+                    <a16:creationId xmlns:a16="http://schemas.microsoft.com/office/drawing/2014/main" id="{35BA9634-C869-9640-A2EB-DA66E743EEC2}"/>
+                  </a:ext>
+                </a:extLst>
+              </p:cNvPr>
+              <p:cNvSpPr/>
+              <p:nvPr/>
+            </p:nvSpPr>
+            <p:spPr>
+              <a:xfrm>
+                <a:off x="4234600" y="4812028"/>
+                <a:ext cx="1220809" cy="1423026"/>
+              </a:xfrm>
+              <a:prstGeom prst="arc">
+                <a:avLst>
+                  <a:gd name="adj1" fmla="val 14412992"/>
+                  <a:gd name="adj2" fmla="val 17936038"/>
+                </a:avLst>
+              </a:prstGeom>
+              <a:ln w="28575">
+                <a:solidFill>
+                  <a:schemeClr val="tx2"/>
+                </a:solidFill>
+                <a:headEnd type="triangle" w="med" len="med"/>
+                <a:tailEnd type="triangle" w="med" len="med"/>
+              </a:ln>
+            </p:spPr>
+            <p:style>
+              <a:lnRef idx="1">
+                <a:schemeClr val="accent1"/>
+              </a:lnRef>
+              <a:fillRef idx="0">
+                <a:schemeClr val="accent1"/>
+              </a:fillRef>
+              <a:effectRef idx="0">
+                <a:schemeClr val="accent1"/>
+              </a:effectRef>
+              <a:fontRef idx="minor">
+                <a:schemeClr val="tx1"/>
+              </a:fontRef>
+            </p:style>
+            <p:txBody>
+              <a:bodyPr rtlCol="0" anchor="ctr"/>
+              <a:lstStyle/>
+              <a:p>
+                <a:pPr algn="ctr"/>
+                <a:endParaRPr kumimoji="1" lang="ja-JP" altLang="en-US"/>
+              </a:p>
+            </p:txBody>
+          </p:sp>
+        </p:grpSp>
+        <p:grpSp>
+          <p:nvGrpSpPr>
+            <p:cNvPr id="145" name="グループ化 144">
+              <a:extLst>
+                <a:ext uri="{FF2B5EF4-FFF2-40B4-BE49-F238E27FC236}">
+                  <a16:creationId xmlns:a16="http://schemas.microsoft.com/office/drawing/2014/main" id="{BAAD8EF1-4929-BCEB-074E-C0056FBDC99D}"/>
+                </a:ext>
+              </a:extLst>
+            </p:cNvPr>
+            <p:cNvGrpSpPr/>
+            <p:nvPr/>
+          </p:nvGrpSpPr>
+          <p:grpSpPr>
+            <a:xfrm>
+              <a:off x="2553374" y="3038821"/>
+              <a:ext cx="576221" cy="1166497"/>
+              <a:chOff x="6376067" y="4122443"/>
+              <a:chExt cx="576221" cy="1166497"/>
+            </a:xfrm>
+          </p:grpSpPr>
+          <p:sp>
+            <p:nvSpPr>
+              <p:cNvPr id="147" name="楕円 146">
+                <a:extLst>
+                  <a:ext uri="{FF2B5EF4-FFF2-40B4-BE49-F238E27FC236}">
+                    <a16:creationId xmlns:a16="http://schemas.microsoft.com/office/drawing/2014/main" id="{E1E4B479-5D28-EA54-C265-21CD6358D7AB}"/>
+                  </a:ext>
+                </a:extLst>
+              </p:cNvPr>
+              <p:cNvSpPr/>
+              <p:nvPr/>
+            </p:nvSpPr>
+            <p:spPr>
+              <a:xfrm>
+                <a:off x="6376067" y="4122443"/>
+                <a:ext cx="576221" cy="1166497"/>
+              </a:xfrm>
+              <a:prstGeom prst="ellipse">
+                <a:avLst/>
+              </a:prstGeom>
+              <a:noFill/>
+            </p:spPr>
+            <p:style>
+              <a:lnRef idx="2">
+                <a:schemeClr val="accent1">
+                  <a:shade val="15000"/>
+                </a:schemeClr>
+              </a:lnRef>
+              <a:fillRef idx="1">
+                <a:schemeClr val="accent1"/>
+              </a:fillRef>
+              <a:effectRef idx="0">
+                <a:schemeClr val="accent1"/>
+              </a:effectRef>
+              <a:fontRef idx="minor">
+                <a:schemeClr val="lt1"/>
+              </a:fontRef>
+            </p:style>
+            <p:txBody>
+              <a:bodyPr rtlCol="0" anchor="ctr"/>
+              <a:lstStyle/>
+              <a:p>
+                <a:pPr algn="ctr"/>
+                <a:endParaRPr kumimoji="1" lang="ja-JP" altLang="en-US"/>
+              </a:p>
+            </p:txBody>
+          </p:sp>
+          <p:cxnSp>
+            <p:nvCxnSpPr>
+              <p:cNvPr id="148" name="直線コネクタ 147">
+                <a:extLst>
+                  <a:ext uri="{FF2B5EF4-FFF2-40B4-BE49-F238E27FC236}">
+                    <a16:creationId xmlns:a16="http://schemas.microsoft.com/office/drawing/2014/main" id="{39B8D5F4-DB6A-EC3E-5B6C-BCF201F2BC10}"/>
+                  </a:ext>
+                </a:extLst>
+              </p:cNvPr>
+              <p:cNvCxnSpPr>
+                <a:stCxn id="147" idx="1"/>
+                <a:endCxn id="147" idx="3"/>
+              </p:cNvCxnSpPr>
+              <p:nvPr/>
+            </p:nvCxnSpPr>
+            <p:spPr>
+              <a:xfrm>
+                <a:off x="6460448" y="4293273"/>
+                <a:ext cx="0" cy="824837"/>
+              </a:xfrm>
+              <a:prstGeom prst="line">
+                <a:avLst/>
+              </a:prstGeom>
+              <a:ln w="19050"/>
+            </p:spPr>
+            <p:style>
+              <a:lnRef idx="1">
+                <a:schemeClr val="accent1"/>
+              </a:lnRef>
+              <a:fillRef idx="0">
+                <a:schemeClr val="accent1"/>
+              </a:fillRef>
+              <a:effectRef idx="0">
+                <a:schemeClr val="accent1"/>
+              </a:effectRef>
+              <a:fontRef idx="minor">
+                <a:schemeClr val="tx1"/>
+              </a:fontRef>
+            </p:style>
+          </p:cxnSp>
+          <p:cxnSp>
+            <p:nvCxnSpPr>
+              <p:cNvPr id="149" name="直線コネクタ 148">
+                <a:extLst>
+                  <a:ext uri="{FF2B5EF4-FFF2-40B4-BE49-F238E27FC236}">
+                    <a16:creationId xmlns:a16="http://schemas.microsoft.com/office/drawing/2014/main" id="{3AEBCF31-2B3B-9BF6-766F-B9415B6D66A2}"/>
+                  </a:ext>
+                </a:extLst>
+              </p:cNvPr>
+              <p:cNvCxnSpPr>
+                <a:stCxn id="147" idx="0"/>
+                <a:endCxn id="147" idx="4"/>
+              </p:cNvCxnSpPr>
+              <p:nvPr/>
+            </p:nvCxnSpPr>
+            <p:spPr>
+              <a:xfrm>
+                <a:off x="6664173" y="4122443"/>
+                <a:ext cx="0" cy="1166497"/>
+              </a:xfrm>
+              <a:prstGeom prst="line">
+                <a:avLst/>
+              </a:prstGeom>
+              <a:ln w="19050"/>
+            </p:spPr>
+            <p:style>
+              <a:lnRef idx="1">
+                <a:schemeClr val="accent1"/>
+              </a:lnRef>
+              <a:fillRef idx="0">
+                <a:schemeClr val="accent1"/>
+              </a:fillRef>
+              <a:effectRef idx="0">
+                <a:schemeClr val="accent1"/>
+              </a:effectRef>
+              <a:fontRef idx="minor">
+                <a:schemeClr val="tx1"/>
+              </a:fontRef>
+            </p:style>
+          </p:cxnSp>
+          <p:cxnSp>
+            <p:nvCxnSpPr>
+              <p:cNvPr id="150" name="直線コネクタ 149">
+                <a:extLst>
+                  <a:ext uri="{FF2B5EF4-FFF2-40B4-BE49-F238E27FC236}">
+                    <a16:creationId xmlns:a16="http://schemas.microsoft.com/office/drawing/2014/main" id="{95C9BE9B-2CEC-9379-3ED3-61BBF51BB8EF}"/>
+                  </a:ext>
+                </a:extLst>
+              </p:cNvPr>
+              <p:cNvCxnSpPr>
+                <a:stCxn id="147" idx="7"/>
+                <a:endCxn id="147" idx="5"/>
+              </p:cNvCxnSpPr>
+              <p:nvPr/>
+            </p:nvCxnSpPr>
+            <p:spPr>
+              <a:xfrm>
+                <a:off x="6867897" y="4293273"/>
+                <a:ext cx="0" cy="824837"/>
+              </a:xfrm>
+              <a:prstGeom prst="line">
+                <a:avLst/>
+              </a:prstGeom>
+              <a:ln w="19050"/>
+            </p:spPr>
+            <p:style>
+              <a:lnRef idx="1">
+                <a:schemeClr val="accent1"/>
+              </a:lnRef>
+              <a:fillRef idx="0">
+                <a:schemeClr val="accent1"/>
+              </a:fillRef>
+              <a:effectRef idx="0">
+                <a:schemeClr val="accent1"/>
+              </a:effectRef>
+              <a:fontRef idx="minor">
+                <a:schemeClr val="tx1"/>
+              </a:fontRef>
+            </p:style>
+          </p:cxnSp>
+          <p:cxnSp>
+            <p:nvCxnSpPr>
+              <p:cNvPr id="151" name="直線コネクタ 150">
+                <a:extLst>
+                  <a:ext uri="{FF2B5EF4-FFF2-40B4-BE49-F238E27FC236}">
+                    <a16:creationId xmlns:a16="http://schemas.microsoft.com/office/drawing/2014/main" id="{5716D7EB-8580-AA7E-E813-571EEFA664FA}"/>
+                  </a:ext>
+                </a:extLst>
+              </p:cNvPr>
+              <p:cNvCxnSpPr>
+                <a:cxnSpLocks/>
+              </p:cNvCxnSpPr>
+              <p:nvPr/>
+            </p:nvCxnSpPr>
+            <p:spPr>
+              <a:xfrm>
+                <a:off x="6764614" y="4165687"/>
+                <a:ext cx="0" cy="1102202"/>
+              </a:xfrm>
+              <a:prstGeom prst="line">
+                <a:avLst/>
+              </a:prstGeom>
+              <a:ln w="19050"/>
+            </p:spPr>
+            <p:style>
+              <a:lnRef idx="1">
+                <a:schemeClr val="accent1"/>
+              </a:lnRef>
+              <a:fillRef idx="0">
+                <a:schemeClr val="accent1"/>
+              </a:fillRef>
+              <a:effectRef idx="0">
+                <a:schemeClr val="accent1"/>
+              </a:effectRef>
+              <a:fontRef idx="minor">
+                <a:schemeClr val="tx1"/>
+              </a:fontRef>
+            </p:style>
+          </p:cxnSp>
+          <p:cxnSp>
+            <p:nvCxnSpPr>
+              <p:cNvPr id="152" name="直線コネクタ 151">
+                <a:extLst>
+                  <a:ext uri="{FF2B5EF4-FFF2-40B4-BE49-F238E27FC236}">
+                    <a16:creationId xmlns:a16="http://schemas.microsoft.com/office/drawing/2014/main" id="{AFC801DA-E30E-4BA1-49D6-876B12892695}"/>
+                  </a:ext>
+                </a:extLst>
+              </p:cNvPr>
+              <p:cNvCxnSpPr>
+                <a:cxnSpLocks/>
+              </p:cNvCxnSpPr>
+              <p:nvPr/>
+            </p:nvCxnSpPr>
+            <p:spPr>
+              <a:xfrm>
+                <a:off x="6570199" y="4165688"/>
+                <a:ext cx="0" cy="1102202"/>
+              </a:xfrm>
+              <a:prstGeom prst="line">
+                <a:avLst/>
+              </a:prstGeom>
+              <a:ln w="19050"/>
+            </p:spPr>
+            <p:style>
+              <a:lnRef idx="1">
+                <a:schemeClr val="accent1"/>
+              </a:lnRef>
+              <a:fillRef idx="0">
+                <a:schemeClr val="accent1"/>
+              </a:fillRef>
+              <a:effectRef idx="0">
+                <a:schemeClr val="accent1"/>
+              </a:effectRef>
+              <a:fontRef idx="minor">
+                <a:schemeClr val="tx1"/>
+              </a:fontRef>
+            </p:style>
+          </p:cxnSp>
+        </p:grpSp>
+      </p:grpSp>
+    </p:spTree>
+    <p:extLst>
+      <p:ext uri="{BB962C8B-B14F-4D97-AF65-F5344CB8AC3E}">
+        <p14:creationId xmlns:p14="http://schemas.microsoft.com/office/powerpoint/2010/main" val="1594718112"/>
+      </p:ext>
+    </p:extLst>
+  </p:cSld>
+  <p:clrMapOvr>
+    <a:masterClrMapping/>
+  </p:clrMapOvr>
+</p:sld>
+</file>
+
+<file path=ppt/slides/slide14.xml><?xml version="1.0" encoding="utf-8"?>
+<p:sld xmlns:a="http://schemas.openxmlformats.org/drawingml/2006/main" xmlns:r="http://schemas.openxmlformats.org/officeDocument/2006/relationships" xmlns:p="http://schemas.openxmlformats.org/presentationml/2006/main">
+  <p:cSld>
+    <p:spTree>
+      <p:nvGrpSpPr>
+        <p:cNvPr id="1" name="">
+          <a:extLst>
+            <a:ext uri="{FF2B5EF4-FFF2-40B4-BE49-F238E27FC236}">
+              <a16:creationId xmlns:a16="http://schemas.microsoft.com/office/drawing/2014/main" id="{4A43AD3D-9941-FFA6-12E2-153C9A6E2AE5}"/>
+            </a:ext>
+          </a:extLst>
+        </p:cNvPr>
+        <p:cNvGrpSpPr/>
+        <p:nvPr/>
+      </p:nvGrpSpPr>
+      <p:grpSpPr>
+        <a:xfrm>
+          <a:off x="0" y="0"/>
+          <a:ext cx="0" cy="0"/>
+          <a:chOff x="0" y="0"/>
+          <a:chExt cx="0" cy="0"/>
+        </a:xfrm>
+      </p:grpSpPr>
+      <p:sp>
+        <p:nvSpPr>
+          <p:cNvPr id="3" name="スライド番号プレースホルダー 2">
+            <a:extLst>
+              <a:ext uri="{FF2B5EF4-FFF2-40B4-BE49-F238E27FC236}">
+                <a16:creationId xmlns:a16="http://schemas.microsoft.com/office/drawing/2014/main" id="{F76BDE66-C571-C7D6-28CE-7361400BD39C}"/>
+              </a:ext>
+            </a:extLst>
+          </p:cNvPr>
+          <p:cNvSpPr>
+            <a:spLocks noGrp="1"/>
+          </p:cNvSpPr>
+          <p:nvPr>
+            <p:ph type="sldNum" sz="quarter" idx="4294967295"/>
+          </p:nvPr>
+        </p:nvSpPr>
+        <p:spPr>
+          <a:xfrm>
+            <a:off x="9393238" y="6477000"/>
+            <a:ext cx="512762" cy="215900"/>
+          </a:xfrm>
+        </p:spPr>
+        <p:txBody>
+          <a:bodyPr/>
+          <a:lstStyle/>
+          <a:p>
+            <a:fld id="{3976CDD0-C26C-4561-A9EF-A0090B2270A4}" type="slidenum">
+              <a:rPr kumimoji="1" lang="ja-JP" altLang="en-US" smtClean="0"/>
+              <a:t>14</a:t>
+            </a:fld>
+            <a:endParaRPr kumimoji="1" lang="ja-JP" altLang="en-US"/>
+          </a:p>
+        </p:txBody>
+      </p:sp>
+      <p:grpSp>
+        <p:nvGrpSpPr>
+          <p:cNvPr id="4" name="グループ化 3">
+            <a:extLst>
+              <a:ext uri="{FF2B5EF4-FFF2-40B4-BE49-F238E27FC236}">
+                <a16:creationId xmlns:a16="http://schemas.microsoft.com/office/drawing/2014/main" id="{4840EE59-BFC6-2737-4A8F-6DB493E59C0A}"/>
+              </a:ext>
+            </a:extLst>
+          </p:cNvPr>
+          <p:cNvGrpSpPr/>
+          <p:nvPr/>
+        </p:nvGrpSpPr>
+        <p:grpSpPr>
+          <a:xfrm>
+            <a:off x="950862" y="2191871"/>
+            <a:ext cx="8004275" cy="2726287"/>
+            <a:chOff x="950863" y="1458087"/>
+            <a:chExt cx="8004275" cy="2726287"/>
+          </a:xfrm>
+        </p:grpSpPr>
+        <p:cxnSp>
+          <p:nvCxnSpPr>
+            <p:cNvPr id="5" name="直線コネクタ 4">
+              <a:extLst>
+                <a:ext uri="{FF2B5EF4-FFF2-40B4-BE49-F238E27FC236}">
+                  <a16:creationId xmlns:a16="http://schemas.microsoft.com/office/drawing/2014/main" id="{BA8F5289-CECD-E236-2B0B-AF130979384B}"/>
+                </a:ext>
+              </a:extLst>
+            </p:cNvPr>
+            <p:cNvCxnSpPr>
+              <a:cxnSpLocks/>
+            </p:cNvCxnSpPr>
+            <p:nvPr/>
+          </p:nvCxnSpPr>
+          <p:spPr>
+            <a:xfrm>
+              <a:off x="6498776" y="1577788"/>
+              <a:ext cx="0" cy="2128956"/>
+            </a:xfrm>
+            <a:prstGeom prst="line">
+              <a:avLst/>
+            </a:prstGeom>
+            <a:ln w="12700">
+              <a:prstDash val="dash"/>
+            </a:ln>
+          </p:spPr>
+          <p:style>
+            <a:lnRef idx="1">
+              <a:schemeClr val="accent1"/>
+            </a:lnRef>
+            <a:fillRef idx="0">
+              <a:schemeClr val="accent1"/>
+            </a:fillRef>
+            <a:effectRef idx="0">
+              <a:schemeClr val="accent1"/>
+            </a:effectRef>
+            <a:fontRef idx="minor">
+              <a:schemeClr val="tx1"/>
+            </a:fontRef>
+          </p:style>
+        </p:cxnSp>
+        <p:grpSp>
+          <p:nvGrpSpPr>
+            <p:cNvPr id="6" name="グループ化 5">
+              <a:extLst>
+                <a:ext uri="{FF2B5EF4-FFF2-40B4-BE49-F238E27FC236}">
+                  <a16:creationId xmlns:a16="http://schemas.microsoft.com/office/drawing/2014/main" id="{B67224EB-C11E-B25C-C2BA-D3BD93CF53D4}"/>
+                </a:ext>
+              </a:extLst>
+            </p:cNvPr>
+            <p:cNvGrpSpPr/>
+            <p:nvPr/>
+          </p:nvGrpSpPr>
+          <p:grpSpPr>
+            <a:xfrm>
+              <a:off x="950863" y="2151529"/>
+              <a:ext cx="8004275" cy="1580462"/>
+              <a:chOff x="1363308" y="2323580"/>
+              <a:chExt cx="5907069" cy="1166364"/>
+            </a:xfrm>
+          </p:grpSpPr>
+          <p:grpSp>
+            <p:nvGrpSpPr>
+              <p:cNvPr id="17" name="グループ化 16">
+                <a:extLst>
+                  <a:ext uri="{FF2B5EF4-FFF2-40B4-BE49-F238E27FC236}">
+                    <a16:creationId xmlns:a16="http://schemas.microsoft.com/office/drawing/2014/main" id="{E001D66A-E610-0710-F4BC-FA11F708DA42}"/>
+                  </a:ext>
+                </a:extLst>
+              </p:cNvPr>
+              <p:cNvGrpSpPr/>
+              <p:nvPr/>
+            </p:nvGrpSpPr>
+            <p:grpSpPr>
+              <a:xfrm>
+                <a:off x="3801914" y="2449651"/>
+                <a:ext cx="1385852" cy="1040293"/>
+                <a:chOff x="3801914" y="2449651"/>
+                <a:chExt cx="1385852" cy="1040293"/>
+              </a:xfrm>
+            </p:grpSpPr>
+            <p:sp>
+              <p:nvSpPr>
+                <p:cNvPr id="39" name="正方形/長方形 38">
+                  <a:extLst>
+                    <a:ext uri="{FF2B5EF4-FFF2-40B4-BE49-F238E27FC236}">
+                      <a16:creationId xmlns:a16="http://schemas.microsoft.com/office/drawing/2014/main" id="{3E22B614-D276-0FF9-99FF-73793DFA4A0D}"/>
+                    </a:ext>
+                  </a:extLst>
+                </p:cNvPr>
+                <p:cNvSpPr/>
+                <p:nvPr/>
+              </p:nvSpPr>
+              <p:spPr>
+                <a:xfrm>
+                  <a:off x="3945752" y="2547026"/>
+                  <a:ext cx="1131603" cy="369332"/>
+                </a:xfrm>
+                <a:prstGeom prst="rect">
+                  <a:avLst/>
+                </a:prstGeom>
+                <a:solidFill>
+                  <a:schemeClr val="bg2"/>
+                </a:solidFill>
+                <a:ln w="19050"/>
+              </p:spPr>
+              <p:style>
+                <a:lnRef idx="2">
+                  <a:schemeClr val="accent1">
+                    <a:shade val="15000"/>
+                  </a:schemeClr>
+                </a:lnRef>
+                <a:fillRef idx="1">
+                  <a:schemeClr val="accent1"/>
+                </a:fillRef>
+                <a:effectRef idx="0">
+                  <a:schemeClr val="accent1"/>
+                </a:effectRef>
+                <a:fontRef idx="minor">
+                  <a:schemeClr val="lt1"/>
+                </a:fontRef>
+              </p:style>
+              <p:txBody>
+                <a:bodyPr rtlCol="0" anchor="ctr"/>
+                <a:lstStyle/>
+                <a:p>
+                  <a:pPr algn="ctr"/>
+                  <a:endParaRPr kumimoji="1" lang="ja-JP" altLang="en-US"/>
+                </a:p>
+              </p:txBody>
+            </p:sp>
+            <p:sp>
+              <p:nvSpPr>
+                <p:cNvPr id="40" name="正方形/長方形 39">
+                  <a:extLst>
+                    <a:ext uri="{FF2B5EF4-FFF2-40B4-BE49-F238E27FC236}">
+                      <a16:creationId xmlns:a16="http://schemas.microsoft.com/office/drawing/2014/main" id="{5E0CD8E9-A559-4EFD-12D1-1AF393479A4E}"/>
+                    </a:ext>
+                  </a:extLst>
+                </p:cNvPr>
+                <p:cNvSpPr/>
+                <p:nvPr/>
+              </p:nvSpPr>
+              <p:spPr>
+                <a:xfrm>
+                  <a:off x="3801914" y="2449651"/>
+                  <a:ext cx="1385852" cy="574028"/>
+                </a:xfrm>
+                <a:prstGeom prst="rect">
+                  <a:avLst/>
+                </a:prstGeom>
+                <a:noFill/>
+                <a:ln w="38100"/>
+              </p:spPr>
+              <p:style>
+                <a:lnRef idx="2">
+                  <a:schemeClr val="accent1">
+                    <a:shade val="15000"/>
+                  </a:schemeClr>
+                </a:lnRef>
+                <a:fillRef idx="1">
+                  <a:schemeClr val="accent1"/>
+                </a:fillRef>
+                <a:effectRef idx="0">
+                  <a:schemeClr val="accent1"/>
+                </a:effectRef>
+                <a:fontRef idx="minor">
+                  <a:schemeClr val="lt1"/>
+                </a:fontRef>
+              </p:style>
+              <p:txBody>
+                <a:bodyPr rtlCol="0" anchor="ctr"/>
+                <a:lstStyle/>
+                <a:p>
+                  <a:pPr algn="ctr"/>
+                  <a:endParaRPr kumimoji="1" lang="ja-JP" altLang="en-US"/>
+                </a:p>
+              </p:txBody>
+            </p:sp>
+            <p:cxnSp>
+              <p:nvCxnSpPr>
+                <p:cNvPr id="41" name="直線コネクタ 40">
+                  <a:extLst>
+                    <a:ext uri="{FF2B5EF4-FFF2-40B4-BE49-F238E27FC236}">
+                      <a16:creationId xmlns:a16="http://schemas.microsoft.com/office/drawing/2014/main" id="{10C23BBC-F3E5-D3A6-67C0-494D2EDD261F}"/>
+                    </a:ext>
+                  </a:extLst>
+                </p:cNvPr>
+                <p:cNvCxnSpPr/>
+                <p:nvPr/>
+              </p:nvCxnSpPr>
+              <p:spPr>
+                <a:xfrm>
+                  <a:off x="3945752" y="3025187"/>
+                  <a:ext cx="0" cy="464757"/>
+                </a:xfrm>
+                <a:prstGeom prst="line">
+                  <a:avLst/>
+                </a:prstGeom>
+                <a:ln w="19050"/>
+              </p:spPr>
+              <p:style>
+                <a:lnRef idx="1">
+                  <a:schemeClr val="accent1"/>
+                </a:lnRef>
+                <a:fillRef idx="0">
+                  <a:schemeClr val="accent1"/>
+                </a:fillRef>
+                <a:effectRef idx="0">
+                  <a:schemeClr val="accent1"/>
+                </a:effectRef>
+                <a:fontRef idx="minor">
+                  <a:schemeClr val="tx1"/>
+                </a:fontRef>
+              </p:style>
+            </p:cxnSp>
+            <p:cxnSp>
+              <p:nvCxnSpPr>
+                <p:cNvPr id="42" name="直線コネクタ 41">
+                  <a:extLst>
+                    <a:ext uri="{FF2B5EF4-FFF2-40B4-BE49-F238E27FC236}">
+                      <a16:creationId xmlns:a16="http://schemas.microsoft.com/office/drawing/2014/main" id="{A5BB8A09-6F2F-EFA9-2315-EBF6E7747369}"/>
+                    </a:ext>
+                  </a:extLst>
+                </p:cNvPr>
+                <p:cNvCxnSpPr/>
+                <p:nvPr/>
+              </p:nvCxnSpPr>
+              <p:spPr>
+                <a:xfrm>
+                  <a:off x="5069672" y="3006555"/>
+                  <a:ext cx="0" cy="464757"/>
+                </a:xfrm>
+                <a:prstGeom prst="line">
+                  <a:avLst/>
+                </a:prstGeom>
+                <a:ln w="19050"/>
+              </p:spPr>
+              <p:style>
+                <a:lnRef idx="1">
+                  <a:schemeClr val="accent1"/>
+                </a:lnRef>
+                <a:fillRef idx="0">
+                  <a:schemeClr val="accent1"/>
+                </a:fillRef>
+                <a:effectRef idx="0">
+                  <a:schemeClr val="accent1"/>
+                </a:effectRef>
+                <a:fontRef idx="minor">
+                  <a:schemeClr val="tx1"/>
+                </a:fontRef>
+              </p:style>
+            </p:cxnSp>
+          </p:grpSp>
+          <p:sp>
+            <p:nvSpPr>
+              <p:cNvPr id="18" name="正方形/長方形 17">
+                <a:extLst>
+                  <a:ext uri="{FF2B5EF4-FFF2-40B4-BE49-F238E27FC236}">
+                    <a16:creationId xmlns:a16="http://schemas.microsoft.com/office/drawing/2014/main" id="{48ACA187-2F7B-9878-6229-209FB25DBA07}"/>
+                  </a:ext>
+                </a:extLst>
+              </p:cNvPr>
+              <p:cNvSpPr/>
+              <p:nvPr/>
+            </p:nvSpPr>
+            <p:spPr>
+              <a:xfrm>
+                <a:off x="1363308" y="2484344"/>
+                <a:ext cx="1277626" cy="539335"/>
+              </a:xfrm>
+              <a:prstGeom prst="rect">
+                <a:avLst/>
+              </a:prstGeom>
+              <a:noFill/>
+              <a:ln w="28575">
+                <a:solidFill>
+                  <a:schemeClr val="tx1"/>
+                </a:solidFill>
+              </a:ln>
+            </p:spPr>
+            <p:style>
+              <a:lnRef idx="2">
+                <a:schemeClr val="accent1">
+                  <a:shade val="15000"/>
+                </a:schemeClr>
+              </a:lnRef>
+              <a:fillRef idx="1">
+                <a:schemeClr val="accent1"/>
+              </a:fillRef>
+              <a:effectRef idx="0">
+                <a:schemeClr val="accent1"/>
+              </a:effectRef>
+              <a:fontRef idx="minor">
+                <a:schemeClr val="lt1"/>
+              </a:fontRef>
+            </p:style>
+            <p:txBody>
+              <a:bodyPr rtlCol="0" anchor="ctr"/>
+              <a:lstStyle/>
+              <a:p>
+                <a:pPr algn="ctr"/>
+                <a:r>
+                  <a:rPr kumimoji="1" lang="en-US" altLang="ja-JP" dirty="0">
+                    <a:solidFill>
+                      <a:schemeClr val="tx1"/>
+                    </a:solidFill>
+                  </a:rPr>
+                  <a:t>He-Ne LASER</a:t>
+                </a:r>
+                <a:endParaRPr kumimoji="1" lang="ja-JP" altLang="en-US" dirty="0">
+                  <a:solidFill>
+                    <a:schemeClr val="tx1"/>
+                  </a:solidFill>
+                </a:endParaRPr>
+              </a:p>
+            </p:txBody>
+          </p:sp>
+          <p:sp>
+            <p:nvSpPr>
+              <p:cNvPr id="19" name="正方形/長方形 18">
+                <a:extLst>
+                  <a:ext uri="{FF2B5EF4-FFF2-40B4-BE49-F238E27FC236}">
+                    <a16:creationId xmlns:a16="http://schemas.microsoft.com/office/drawing/2014/main" id="{19143F4B-76D7-E8F4-39D0-2C6F73CD0D81}"/>
+                  </a:ext>
+                </a:extLst>
+              </p:cNvPr>
+              <p:cNvSpPr/>
+              <p:nvPr/>
+            </p:nvSpPr>
+            <p:spPr>
+              <a:xfrm>
+                <a:off x="6513233" y="2472834"/>
+                <a:ext cx="757144" cy="539335"/>
+              </a:xfrm>
+              <a:prstGeom prst="rect">
+                <a:avLst/>
+              </a:prstGeom>
+              <a:noFill/>
+              <a:ln w="28575">
+                <a:solidFill>
+                  <a:schemeClr val="tx1"/>
+                </a:solidFill>
+              </a:ln>
+            </p:spPr>
+            <p:style>
+              <a:lnRef idx="2">
+                <a:schemeClr val="accent1">
+                  <a:shade val="15000"/>
+                </a:schemeClr>
+              </a:lnRef>
+              <a:fillRef idx="1">
+                <a:schemeClr val="accent1"/>
+              </a:fillRef>
+              <a:effectRef idx="0">
+                <a:schemeClr val="accent1"/>
+              </a:effectRef>
+              <a:fontRef idx="minor">
+                <a:schemeClr val="lt1"/>
+              </a:fontRef>
+            </p:style>
+            <p:txBody>
+              <a:bodyPr rtlCol="0" anchor="ctr"/>
+              <a:lstStyle/>
+              <a:p>
+                <a:pPr algn="ctr"/>
+                <a:r>
+                  <a:rPr kumimoji="1" lang="en-US" altLang="ja-JP" dirty="0">
+                    <a:solidFill>
+                      <a:schemeClr val="tx1"/>
+                    </a:solidFill>
+                  </a:rPr>
+                  <a:t>PD</a:t>
+                </a:r>
+                <a:endParaRPr kumimoji="1" lang="ja-JP" altLang="en-US" dirty="0">
+                  <a:solidFill>
+                    <a:schemeClr val="tx1"/>
+                  </a:solidFill>
+                </a:endParaRPr>
+              </a:p>
+            </p:txBody>
+          </p:sp>
+          <p:grpSp>
+            <p:nvGrpSpPr>
+              <p:cNvPr id="20" name="グループ化 19">
+                <a:extLst>
+                  <a:ext uri="{FF2B5EF4-FFF2-40B4-BE49-F238E27FC236}">
+                    <a16:creationId xmlns:a16="http://schemas.microsoft.com/office/drawing/2014/main" id="{C0D5F55C-8ADC-8340-99B2-3EE56EDED963}"/>
+                  </a:ext>
+                </a:extLst>
+              </p:cNvPr>
+              <p:cNvGrpSpPr/>
+              <p:nvPr/>
+            </p:nvGrpSpPr>
+            <p:grpSpPr>
+              <a:xfrm>
+                <a:off x="2825071" y="2323580"/>
+                <a:ext cx="425245" cy="860862"/>
+                <a:chOff x="3194892" y="1454226"/>
+                <a:chExt cx="451691" cy="914400"/>
+              </a:xfrm>
+            </p:grpSpPr>
+            <p:sp>
+              <p:nvSpPr>
+                <p:cNvPr id="33" name="楕円 32">
+                  <a:extLst>
+                    <a:ext uri="{FF2B5EF4-FFF2-40B4-BE49-F238E27FC236}">
+                      <a16:creationId xmlns:a16="http://schemas.microsoft.com/office/drawing/2014/main" id="{D9D5905A-807B-F477-86EC-D3151EA9BF8A}"/>
+                    </a:ext>
+                  </a:extLst>
+                </p:cNvPr>
+                <p:cNvSpPr/>
+                <p:nvPr/>
+              </p:nvSpPr>
+              <p:spPr>
+                <a:xfrm>
+                  <a:off x="3194892" y="1454226"/>
+                  <a:ext cx="451691" cy="914400"/>
+                </a:xfrm>
+                <a:prstGeom prst="ellipse">
+                  <a:avLst/>
+                </a:prstGeom>
+                <a:noFill/>
+              </p:spPr>
+              <p:style>
+                <a:lnRef idx="2">
+                  <a:schemeClr val="accent1">
+                    <a:shade val="15000"/>
+                  </a:schemeClr>
+                </a:lnRef>
+                <a:fillRef idx="1">
+                  <a:schemeClr val="accent1"/>
+                </a:fillRef>
+                <a:effectRef idx="0">
+                  <a:schemeClr val="accent1"/>
+                </a:effectRef>
+                <a:fontRef idx="minor">
+                  <a:schemeClr val="lt1"/>
+                </a:fontRef>
+              </p:style>
+              <p:txBody>
+                <a:bodyPr rtlCol="0" anchor="ctr"/>
+                <a:lstStyle/>
+                <a:p>
+                  <a:pPr algn="ctr"/>
+                  <a:endParaRPr kumimoji="1" lang="ja-JP" altLang="en-US"/>
+                </a:p>
+              </p:txBody>
+            </p:sp>
+            <p:cxnSp>
+              <p:nvCxnSpPr>
+                <p:cNvPr id="34" name="直線コネクタ 33">
+                  <a:extLst>
+                    <a:ext uri="{FF2B5EF4-FFF2-40B4-BE49-F238E27FC236}">
+                      <a16:creationId xmlns:a16="http://schemas.microsoft.com/office/drawing/2014/main" id="{D2E7A48E-C9CF-7B08-8D41-5A720301BC31}"/>
+                    </a:ext>
+                  </a:extLst>
+                </p:cNvPr>
+                <p:cNvCxnSpPr>
+                  <a:stCxn id="33" idx="1"/>
+                  <a:endCxn id="33" idx="3"/>
+                </p:cNvCxnSpPr>
+                <p:nvPr/>
+              </p:nvCxnSpPr>
+              <p:spPr>
+                <a:xfrm>
+                  <a:off x="3261041" y="1588137"/>
+                  <a:ext cx="0" cy="646578"/>
+                </a:xfrm>
+                <a:prstGeom prst="line">
+                  <a:avLst/>
+                </a:prstGeom>
+                <a:ln w="19050"/>
+              </p:spPr>
+              <p:style>
+                <a:lnRef idx="1">
+                  <a:schemeClr val="accent1"/>
+                </a:lnRef>
+                <a:fillRef idx="0">
+                  <a:schemeClr val="accent1"/>
+                </a:fillRef>
+                <a:effectRef idx="0">
+                  <a:schemeClr val="accent1"/>
+                </a:effectRef>
+                <a:fontRef idx="minor">
+                  <a:schemeClr val="tx1"/>
+                </a:fontRef>
+              </p:style>
+            </p:cxnSp>
+            <p:cxnSp>
+              <p:nvCxnSpPr>
+                <p:cNvPr id="35" name="直線コネクタ 34">
+                  <a:extLst>
+                    <a:ext uri="{FF2B5EF4-FFF2-40B4-BE49-F238E27FC236}">
+                      <a16:creationId xmlns:a16="http://schemas.microsoft.com/office/drawing/2014/main" id="{CAA934BC-EAAA-75F2-D882-56597F4DA8D7}"/>
+                    </a:ext>
+                  </a:extLst>
+                </p:cNvPr>
+                <p:cNvCxnSpPr>
+                  <a:stCxn id="33" idx="0"/>
+                  <a:endCxn id="33" idx="4"/>
+                </p:cNvCxnSpPr>
+                <p:nvPr/>
+              </p:nvCxnSpPr>
+              <p:spPr>
+                <a:xfrm>
+                  <a:off x="3420738" y="1454226"/>
+                  <a:ext cx="0" cy="914400"/>
+                </a:xfrm>
+                <a:prstGeom prst="line">
+                  <a:avLst/>
+                </a:prstGeom>
+                <a:ln w="19050"/>
+              </p:spPr>
+              <p:style>
+                <a:lnRef idx="1">
+                  <a:schemeClr val="accent1"/>
+                </a:lnRef>
+                <a:fillRef idx="0">
+                  <a:schemeClr val="accent1"/>
+                </a:fillRef>
+                <a:effectRef idx="0">
+                  <a:schemeClr val="accent1"/>
+                </a:effectRef>
+                <a:fontRef idx="minor">
+                  <a:schemeClr val="tx1"/>
+                </a:fontRef>
+              </p:style>
+            </p:cxnSp>
+            <p:cxnSp>
+              <p:nvCxnSpPr>
+                <p:cNvPr id="36" name="直線コネクタ 35">
+                  <a:extLst>
+                    <a:ext uri="{FF2B5EF4-FFF2-40B4-BE49-F238E27FC236}">
+                      <a16:creationId xmlns:a16="http://schemas.microsoft.com/office/drawing/2014/main" id="{AF9D771D-9A2E-88CC-BA1B-687329B495CC}"/>
+                    </a:ext>
+                  </a:extLst>
+                </p:cNvPr>
+                <p:cNvCxnSpPr>
+                  <a:stCxn id="33" idx="7"/>
+                  <a:endCxn id="33" idx="5"/>
+                </p:cNvCxnSpPr>
+                <p:nvPr/>
+              </p:nvCxnSpPr>
+              <p:spPr>
+                <a:xfrm>
+                  <a:off x="3580434" y="1588137"/>
+                  <a:ext cx="0" cy="646578"/>
+                </a:xfrm>
+                <a:prstGeom prst="line">
+                  <a:avLst/>
+                </a:prstGeom>
+                <a:ln w="19050"/>
+              </p:spPr>
+              <p:style>
+                <a:lnRef idx="1">
+                  <a:schemeClr val="accent1"/>
+                </a:lnRef>
+                <a:fillRef idx="0">
+                  <a:schemeClr val="accent1"/>
+                </a:fillRef>
+                <a:effectRef idx="0">
+                  <a:schemeClr val="accent1"/>
+                </a:effectRef>
+                <a:fontRef idx="minor">
+                  <a:schemeClr val="tx1"/>
+                </a:fontRef>
+              </p:style>
+            </p:cxnSp>
+            <p:cxnSp>
+              <p:nvCxnSpPr>
+                <p:cNvPr id="37" name="直線コネクタ 36">
+                  <a:extLst>
+                    <a:ext uri="{FF2B5EF4-FFF2-40B4-BE49-F238E27FC236}">
+                      <a16:creationId xmlns:a16="http://schemas.microsoft.com/office/drawing/2014/main" id="{2002794B-493F-B6C3-5CDD-23D0B58FC1F3}"/>
+                    </a:ext>
+                  </a:extLst>
+                </p:cNvPr>
+                <p:cNvCxnSpPr>
+                  <a:cxnSpLocks/>
+                </p:cNvCxnSpPr>
+                <p:nvPr/>
+              </p:nvCxnSpPr>
+              <p:spPr>
+                <a:xfrm>
+                  <a:off x="3499472" y="1488124"/>
+                  <a:ext cx="0" cy="864000"/>
+                </a:xfrm>
+                <a:prstGeom prst="line">
+                  <a:avLst/>
+                </a:prstGeom>
+                <a:ln w="19050"/>
+              </p:spPr>
+              <p:style>
+                <a:lnRef idx="1">
+                  <a:schemeClr val="accent1"/>
+                </a:lnRef>
+                <a:fillRef idx="0">
+                  <a:schemeClr val="accent1"/>
+                </a:fillRef>
+                <a:effectRef idx="0">
+                  <a:schemeClr val="accent1"/>
+                </a:effectRef>
+                <a:fontRef idx="minor">
+                  <a:schemeClr val="tx1"/>
+                </a:fontRef>
+              </p:style>
+            </p:cxnSp>
+            <p:cxnSp>
+              <p:nvCxnSpPr>
+                <p:cNvPr id="38" name="直線コネクタ 37">
+                  <a:extLst>
+                    <a:ext uri="{FF2B5EF4-FFF2-40B4-BE49-F238E27FC236}">
+                      <a16:creationId xmlns:a16="http://schemas.microsoft.com/office/drawing/2014/main" id="{40AEBE6C-9AD5-C9EB-AB0E-23A576292F97}"/>
+                    </a:ext>
+                  </a:extLst>
+                </p:cNvPr>
+                <p:cNvCxnSpPr>
+                  <a:cxnSpLocks/>
+                </p:cNvCxnSpPr>
+                <p:nvPr/>
+              </p:nvCxnSpPr>
+              <p:spPr>
+                <a:xfrm>
+                  <a:off x="3347073" y="1488124"/>
+                  <a:ext cx="0" cy="864000"/>
+                </a:xfrm>
+                <a:prstGeom prst="line">
+                  <a:avLst/>
+                </a:prstGeom>
+                <a:ln w="19050"/>
+              </p:spPr>
+              <p:style>
+                <a:lnRef idx="1">
+                  <a:schemeClr val="accent1"/>
+                </a:lnRef>
+                <a:fillRef idx="0">
+                  <a:schemeClr val="accent1"/>
+                </a:fillRef>
+                <a:effectRef idx="0">
+                  <a:schemeClr val="accent1"/>
+                </a:effectRef>
+                <a:fontRef idx="minor">
+                  <a:schemeClr val="tx1"/>
+                </a:fontRef>
+              </p:style>
+            </p:cxnSp>
+          </p:grpSp>
+          <p:cxnSp>
+            <p:nvCxnSpPr>
+              <p:cNvPr id="21" name="直線コネクタ 20">
+                <a:extLst>
+                  <a:ext uri="{FF2B5EF4-FFF2-40B4-BE49-F238E27FC236}">
+                    <a16:creationId xmlns:a16="http://schemas.microsoft.com/office/drawing/2014/main" id="{43EFE7A9-C8B9-6131-8787-C6B25A97BB19}"/>
+                  </a:ext>
+                </a:extLst>
+              </p:cNvPr>
+              <p:cNvCxnSpPr>
+                <a:cxnSpLocks/>
+                <a:stCxn id="18" idx="3"/>
+                <a:endCxn id="19" idx="1"/>
+              </p:cNvCxnSpPr>
+              <p:nvPr/>
+            </p:nvCxnSpPr>
+            <p:spPr>
+              <a:xfrm flipV="1">
+                <a:off x="2640934" y="2742502"/>
+                <a:ext cx="3872299" cy="11510"/>
+              </a:xfrm>
+              <a:prstGeom prst="line">
+                <a:avLst/>
+              </a:prstGeom>
+              <a:ln w="19050"/>
+            </p:spPr>
+            <p:style>
+              <a:lnRef idx="1">
+                <a:schemeClr val="accent3"/>
+              </a:lnRef>
+              <a:fillRef idx="0">
+                <a:schemeClr val="accent3"/>
+              </a:fillRef>
+              <a:effectRef idx="0">
+                <a:schemeClr val="accent3"/>
+              </a:effectRef>
+              <a:fontRef idx="minor">
+                <a:schemeClr val="tx1"/>
+              </a:fontRef>
+            </p:style>
+          </p:cxnSp>
+          <p:sp>
+            <p:nvSpPr>
+              <p:cNvPr id="22" name="テキスト ボックス 21">
+                <a:extLst>
+                  <a:ext uri="{FF2B5EF4-FFF2-40B4-BE49-F238E27FC236}">
+                    <a16:creationId xmlns:a16="http://schemas.microsoft.com/office/drawing/2014/main" id="{DD7F430A-57A7-2839-7CB9-74C48E3AC3F1}"/>
+                  </a:ext>
+                </a:extLst>
+              </p:cNvPr>
+              <p:cNvSpPr txBox="1"/>
+              <p:nvPr/>
+            </p:nvSpPr>
+            <p:spPr>
+              <a:xfrm>
+                <a:off x="1815128" y="3011049"/>
+                <a:ext cx="825806" cy="289757"/>
+              </a:xfrm>
+              <a:prstGeom prst="rect">
+                <a:avLst/>
+              </a:prstGeom>
+              <a:noFill/>
+            </p:spPr>
+            <p:txBody>
+              <a:bodyPr wrap="none" rtlCol="0">
+                <a:spAutoFit/>
+              </a:bodyPr>
+              <a:lstStyle/>
+              <a:p>
+                <a:r>
+                  <a:rPr kumimoji="1" lang="en-US" altLang="ja-JP" sz="1400" dirty="0"/>
+                  <a:t>633 nm</a:t>
+                </a:r>
+                <a:endParaRPr kumimoji="1" lang="ja-JP" altLang="en-US" sz="1400" dirty="0"/>
+              </a:p>
+            </p:txBody>
+          </p:sp>
+          <p:cxnSp>
+            <p:nvCxnSpPr>
+              <p:cNvPr id="23" name="直線矢印コネクタ 22">
+                <a:extLst>
+                  <a:ext uri="{FF2B5EF4-FFF2-40B4-BE49-F238E27FC236}">
+                    <a16:creationId xmlns:a16="http://schemas.microsoft.com/office/drawing/2014/main" id="{35CB4F51-13FC-7022-57AC-6E1553CA0A1E}"/>
+                  </a:ext>
+                </a:extLst>
+              </p:cNvPr>
+              <p:cNvCxnSpPr>
+                <a:cxnSpLocks/>
+              </p:cNvCxnSpPr>
+              <p:nvPr/>
+            </p:nvCxnSpPr>
+            <p:spPr>
+              <a:xfrm>
+                <a:off x="3405879" y="2355494"/>
+                <a:ext cx="0" cy="797028"/>
+              </a:xfrm>
+              <a:prstGeom prst="straightConnector1">
+                <a:avLst/>
+              </a:prstGeom>
+              <a:ln w="38100">
+                <a:solidFill>
+                  <a:schemeClr val="tx2"/>
+                </a:solidFill>
+                <a:headEnd type="triangle" w="med" len="med"/>
+                <a:tailEnd type="triangle" w="med" len="med"/>
+              </a:ln>
+            </p:spPr>
+            <p:style>
+              <a:lnRef idx="1">
+                <a:schemeClr val="accent2"/>
+              </a:lnRef>
+              <a:fillRef idx="0">
+                <a:schemeClr val="accent2"/>
+              </a:fillRef>
+              <a:effectRef idx="0">
+                <a:schemeClr val="accent2"/>
+              </a:effectRef>
+              <a:fontRef idx="minor">
+                <a:schemeClr val="tx1"/>
+              </a:fontRef>
+            </p:style>
+          </p:cxnSp>
+          <p:grpSp>
+            <p:nvGrpSpPr>
+              <p:cNvPr id="24" name="グループ化 23">
+                <a:extLst>
+                  <a:ext uri="{FF2B5EF4-FFF2-40B4-BE49-F238E27FC236}">
+                    <a16:creationId xmlns:a16="http://schemas.microsoft.com/office/drawing/2014/main" id="{6576BD6C-A9B6-1357-E977-491302C3336C}"/>
+                  </a:ext>
+                </a:extLst>
+              </p:cNvPr>
+              <p:cNvGrpSpPr/>
+              <p:nvPr/>
+            </p:nvGrpSpPr>
+            <p:grpSpPr>
+              <a:xfrm>
+                <a:off x="5691228" y="2323580"/>
+                <a:ext cx="425245" cy="860862"/>
+                <a:chOff x="3194892" y="1454226"/>
+                <a:chExt cx="451691" cy="914400"/>
+              </a:xfrm>
+            </p:grpSpPr>
+            <p:sp>
+              <p:nvSpPr>
+                <p:cNvPr id="27" name="楕円 26">
+                  <a:extLst>
+                    <a:ext uri="{FF2B5EF4-FFF2-40B4-BE49-F238E27FC236}">
+                      <a16:creationId xmlns:a16="http://schemas.microsoft.com/office/drawing/2014/main" id="{40EAB98F-A615-3334-A84F-9844BC0201F6}"/>
+                    </a:ext>
+                  </a:extLst>
+                </p:cNvPr>
+                <p:cNvSpPr/>
+                <p:nvPr/>
+              </p:nvSpPr>
+              <p:spPr>
+                <a:xfrm>
+                  <a:off x="3194892" y="1454226"/>
+                  <a:ext cx="451691" cy="914400"/>
+                </a:xfrm>
+                <a:prstGeom prst="ellipse">
+                  <a:avLst/>
+                </a:prstGeom>
+                <a:noFill/>
+              </p:spPr>
+              <p:style>
+                <a:lnRef idx="2">
+                  <a:schemeClr val="accent1">
+                    <a:shade val="15000"/>
+                  </a:schemeClr>
+                </a:lnRef>
+                <a:fillRef idx="1">
+                  <a:schemeClr val="accent1"/>
+                </a:fillRef>
+                <a:effectRef idx="0">
+                  <a:schemeClr val="accent1"/>
+                </a:effectRef>
+                <a:fontRef idx="minor">
+                  <a:schemeClr val="lt1"/>
+                </a:fontRef>
+              </p:style>
+              <p:txBody>
+                <a:bodyPr rtlCol="0" anchor="ctr"/>
+                <a:lstStyle/>
+                <a:p>
+                  <a:pPr algn="ctr"/>
+                  <a:endParaRPr kumimoji="1" lang="ja-JP" altLang="en-US"/>
+                </a:p>
+              </p:txBody>
+            </p:sp>
+            <p:cxnSp>
+              <p:nvCxnSpPr>
+                <p:cNvPr id="28" name="直線コネクタ 27">
+                  <a:extLst>
+                    <a:ext uri="{FF2B5EF4-FFF2-40B4-BE49-F238E27FC236}">
+                      <a16:creationId xmlns:a16="http://schemas.microsoft.com/office/drawing/2014/main" id="{53986DCD-E684-862A-603C-A499B98CF37D}"/>
+                    </a:ext>
+                  </a:extLst>
+                </p:cNvPr>
+                <p:cNvCxnSpPr>
+                  <a:stCxn id="27" idx="1"/>
+                  <a:endCxn id="27" idx="3"/>
+                </p:cNvCxnSpPr>
+                <p:nvPr/>
+              </p:nvCxnSpPr>
+              <p:spPr>
+                <a:xfrm>
+                  <a:off x="3261041" y="1588137"/>
+                  <a:ext cx="0" cy="646578"/>
+                </a:xfrm>
+                <a:prstGeom prst="line">
+                  <a:avLst/>
+                </a:prstGeom>
+                <a:ln w="19050"/>
+              </p:spPr>
+              <p:style>
+                <a:lnRef idx="1">
+                  <a:schemeClr val="accent1"/>
+                </a:lnRef>
+                <a:fillRef idx="0">
+                  <a:schemeClr val="accent1"/>
+                </a:fillRef>
+                <a:effectRef idx="0">
+                  <a:schemeClr val="accent1"/>
+                </a:effectRef>
+                <a:fontRef idx="minor">
+                  <a:schemeClr val="tx1"/>
+                </a:fontRef>
+              </p:style>
+            </p:cxnSp>
+            <p:cxnSp>
+              <p:nvCxnSpPr>
+                <p:cNvPr id="29" name="直線コネクタ 28">
+                  <a:extLst>
+                    <a:ext uri="{FF2B5EF4-FFF2-40B4-BE49-F238E27FC236}">
+                      <a16:creationId xmlns:a16="http://schemas.microsoft.com/office/drawing/2014/main" id="{98927967-EA39-9F53-1276-2F44A5A500E1}"/>
+                    </a:ext>
+                  </a:extLst>
+                </p:cNvPr>
+                <p:cNvCxnSpPr>
+                  <a:stCxn id="27" idx="0"/>
+                  <a:endCxn id="27" idx="4"/>
+                </p:cNvCxnSpPr>
+                <p:nvPr/>
+              </p:nvCxnSpPr>
+              <p:spPr>
+                <a:xfrm>
+                  <a:off x="3420738" y="1454226"/>
+                  <a:ext cx="0" cy="914400"/>
+                </a:xfrm>
+                <a:prstGeom prst="line">
+                  <a:avLst/>
+                </a:prstGeom>
+                <a:ln w="19050"/>
+              </p:spPr>
+              <p:style>
+                <a:lnRef idx="1">
+                  <a:schemeClr val="accent1"/>
+                </a:lnRef>
+                <a:fillRef idx="0">
+                  <a:schemeClr val="accent1"/>
+                </a:fillRef>
+                <a:effectRef idx="0">
+                  <a:schemeClr val="accent1"/>
+                </a:effectRef>
+                <a:fontRef idx="minor">
+                  <a:schemeClr val="tx1"/>
+                </a:fontRef>
+              </p:style>
+            </p:cxnSp>
+            <p:cxnSp>
+              <p:nvCxnSpPr>
+                <p:cNvPr id="30" name="直線コネクタ 29">
+                  <a:extLst>
+                    <a:ext uri="{FF2B5EF4-FFF2-40B4-BE49-F238E27FC236}">
+                      <a16:creationId xmlns:a16="http://schemas.microsoft.com/office/drawing/2014/main" id="{FAB90171-BFA3-D6E3-DE92-BB4ECB2E0554}"/>
+                    </a:ext>
+                  </a:extLst>
+                </p:cNvPr>
+                <p:cNvCxnSpPr>
+                  <a:stCxn id="27" idx="7"/>
+                  <a:endCxn id="27" idx="5"/>
+                </p:cNvCxnSpPr>
+                <p:nvPr/>
+              </p:nvCxnSpPr>
+              <p:spPr>
+                <a:xfrm>
+                  <a:off x="3580434" y="1588137"/>
+                  <a:ext cx="0" cy="646578"/>
+                </a:xfrm>
+                <a:prstGeom prst="line">
+                  <a:avLst/>
+                </a:prstGeom>
+                <a:ln w="19050"/>
+              </p:spPr>
+              <p:style>
+                <a:lnRef idx="1">
+                  <a:schemeClr val="accent1"/>
+                </a:lnRef>
+                <a:fillRef idx="0">
+                  <a:schemeClr val="accent1"/>
+                </a:fillRef>
+                <a:effectRef idx="0">
+                  <a:schemeClr val="accent1"/>
+                </a:effectRef>
+                <a:fontRef idx="minor">
+                  <a:schemeClr val="tx1"/>
+                </a:fontRef>
+              </p:style>
+            </p:cxnSp>
+            <p:cxnSp>
+              <p:nvCxnSpPr>
+                <p:cNvPr id="31" name="直線コネクタ 30">
+                  <a:extLst>
+                    <a:ext uri="{FF2B5EF4-FFF2-40B4-BE49-F238E27FC236}">
+                      <a16:creationId xmlns:a16="http://schemas.microsoft.com/office/drawing/2014/main" id="{618B9CEE-A227-A699-25A9-A91B029D08DA}"/>
+                    </a:ext>
+                  </a:extLst>
+                </p:cNvPr>
+                <p:cNvCxnSpPr>
+                  <a:cxnSpLocks/>
+                </p:cNvCxnSpPr>
+                <p:nvPr/>
+              </p:nvCxnSpPr>
+              <p:spPr>
+                <a:xfrm>
+                  <a:off x="3499472" y="1488124"/>
+                  <a:ext cx="0" cy="864000"/>
+                </a:xfrm>
+                <a:prstGeom prst="line">
+                  <a:avLst/>
+                </a:prstGeom>
+                <a:ln w="19050"/>
+              </p:spPr>
+              <p:style>
+                <a:lnRef idx="1">
+                  <a:schemeClr val="accent1"/>
+                </a:lnRef>
+                <a:fillRef idx="0">
+                  <a:schemeClr val="accent1"/>
+                </a:fillRef>
+                <a:effectRef idx="0">
+                  <a:schemeClr val="accent1"/>
+                </a:effectRef>
+                <a:fontRef idx="minor">
+                  <a:schemeClr val="tx1"/>
+                </a:fontRef>
+              </p:style>
+            </p:cxnSp>
+            <p:cxnSp>
+              <p:nvCxnSpPr>
+                <p:cNvPr id="32" name="直線コネクタ 31">
+                  <a:extLst>
+                    <a:ext uri="{FF2B5EF4-FFF2-40B4-BE49-F238E27FC236}">
+                      <a16:creationId xmlns:a16="http://schemas.microsoft.com/office/drawing/2014/main" id="{A31CB845-4E6D-E5EA-C76C-3946885458C7}"/>
+                    </a:ext>
+                  </a:extLst>
+                </p:cNvPr>
+                <p:cNvCxnSpPr>
+                  <a:cxnSpLocks/>
+                </p:cNvCxnSpPr>
+                <p:nvPr/>
+              </p:nvCxnSpPr>
+              <p:spPr>
+                <a:xfrm>
+                  <a:off x="3347073" y="1488124"/>
+                  <a:ext cx="0" cy="864000"/>
+                </a:xfrm>
+                <a:prstGeom prst="line">
+                  <a:avLst/>
+                </a:prstGeom>
+                <a:ln w="19050"/>
+              </p:spPr>
+              <p:style>
+                <a:lnRef idx="1">
+                  <a:schemeClr val="accent1"/>
+                </a:lnRef>
+                <a:fillRef idx="0">
+                  <a:schemeClr val="accent1"/>
+                </a:fillRef>
+                <a:effectRef idx="0">
+                  <a:schemeClr val="accent1"/>
+                </a:effectRef>
+                <a:fontRef idx="minor">
+                  <a:schemeClr val="tx1"/>
+                </a:fontRef>
+              </p:style>
+            </p:cxnSp>
+          </p:grpSp>
+          <p:cxnSp>
+            <p:nvCxnSpPr>
+              <p:cNvPr id="25" name="直線矢印コネクタ 24">
+                <a:extLst>
+                  <a:ext uri="{FF2B5EF4-FFF2-40B4-BE49-F238E27FC236}">
+                    <a16:creationId xmlns:a16="http://schemas.microsoft.com/office/drawing/2014/main" id="{514E2D3D-FF01-CFB1-E12F-4A3C72794AE6}"/>
+                  </a:ext>
+                </a:extLst>
+              </p:cNvPr>
+              <p:cNvCxnSpPr>
+                <a:cxnSpLocks/>
+              </p:cNvCxnSpPr>
+              <p:nvPr/>
+            </p:nvCxnSpPr>
+            <p:spPr>
+              <a:xfrm rot="1800000">
+                <a:off x="5457608" y="2355494"/>
+                <a:ext cx="0" cy="797028"/>
+              </a:xfrm>
+              <a:prstGeom prst="straightConnector1">
+                <a:avLst/>
+              </a:prstGeom>
+              <a:ln w="38100">
+                <a:solidFill>
+                  <a:schemeClr val="tx2"/>
+                </a:solidFill>
+                <a:headEnd type="triangle" w="med" len="med"/>
+                <a:tailEnd type="triangle" w="med" len="med"/>
+              </a:ln>
+            </p:spPr>
+            <p:style>
+              <a:lnRef idx="1">
+                <a:schemeClr val="accent2"/>
+              </a:lnRef>
+              <a:fillRef idx="0">
+                <a:schemeClr val="accent2"/>
+              </a:fillRef>
+              <a:effectRef idx="0">
+                <a:schemeClr val="accent2"/>
+              </a:effectRef>
+              <a:fontRef idx="minor">
+                <a:schemeClr val="tx1"/>
+              </a:fontRef>
+            </p:style>
+          </p:cxnSp>
+        </p:grpSp>
+        <p:grpSp>
+          <p:nvGrpSpPr>
+            <p:cNvPr id="7" name="グループ化 6">
+              <a:extLst>
+                <a:ext uri="{FF2B5EF4-FFF2-40B4-BE49-F238E27FC236}">
+                  <a16:creationId xmlns:a16="http://schemas.microsoft.com/office/drawing/2014/main" id="{DE4ACAD0-6C59-5D55-6491-F83D6EB04C6A}"/>
+                </a:ext>
+              </a:extLst>
+            </p:cNvPr>
+            <p:cNvGrpSpPr/>
+            <p:nvPr/>
+          </p:nvGrpSpPr>
+          <p:grpSpPr>
+            <a:xfrm>
+              <a:off x="3336367" y="1464777"/>
+              <a:ext cx="2672526" cy="982865"/>
+              <a:chOff x="5042226" y="1685419"/>
+              <a:chExt cx="2672526" cy="982865"/>
+            </a:xfrm>
+          </p:grpSpPr>
+          <p:sp>
+            <p:nvSpPr>
+              <p:cNvPr id="15" name="テキスト ボックス 14">
+                <a:extLst>
+                  <a:ext uri="{FF2B5EF4-FFF2-40B4-BE49-F238E27FC236}">
+                    <a16:creationId xmlns:a16="http://schemas.microsoft.com/office/drawing/2014/main" id="{D25C70C8-E847-5802-D4BE-1E79460D2C1B}"/>
+                  </a:ext>
+                </a:extLst>
+              </p:cNvPr>
+              <p:cNvSpPr txBox="1"/>
+              <p:nvPr/>
+            </p:nvSpPr>
+            <p:spPr>
+              <a:xfrm>
+                <a:off x="5042226" y="1685419"/>
+                <a:ext cx="2672526" cy="369332"/>
+              </a:xfrm>
+              <a:prstGeom prst="rect">
+                <a:avLst/>
+              </a:prstGeom>
+              <a:noFill/>
+            </p:spPr>
+            <p:txBody>
+              <a:bodyPr wrap="none" rtlCol="0">
+                <a:spAutoFit/>
+              </a:bodyPr>
+              <a:lstStyle/>
+              <a:p>
+                <a:r>
+                  <a:rPr kumimoji="1" lang="ja-JP" altLang="en-US" dirty="0"/>
+                  <a:t>磁気ガラス　</a:t>
+                </a:r>
+                <a:r>
+                  <a:rPr kumimoji="1" lang="en-US" altLang="ja-JP" dirty="0"/>
+                  <a:t>(</a:t>
+                </a:r>
+                <a:r>
+                  <a:rPr kumimoji="1" lang="ja-JP" altLang="en-US" dirty="0"/>
+                  <a:t>含</a:t>
+                </a:r>
+                <a:r>
+                  <a:rPr kumimoji="1" lang="en-US" altLang="ja-JP" dirty="0"/>
+                  <a:t>Tb</a:t>
+                </a:r>
+                <a:r>
+                  <a:rPr kumimoji="1" lang="en-US" altLang="ja-JP" baseline="-25000" dirty="0"/>
+                  <a:t>2</a:t>
+                </a:r>
+                <a:r>
+                  <a:rPr kumimoji="1" lang="en-US" altLang="ja-JP" dirty="0"/>
+                  <a:t>O</a:t>
+                </a:r>
+                <a:r>
+                  <a:rPr kumimoji="1" lang="en-US" altLang="ja-JP" baseline="-25000" dirty="0"/>
+                  <a:t>3</a:t>
+                </a:r>
+                <a:r>
+                  <a:rPr kumimoji="1" lang="en-US" altLang="ja-JP" dirty="0"/>
+                  <a:t>)</a:t>
+                </a:r>
+                <a:endParaRPr kumimoji="1" lang="ja-JP" altLang="en-US" dirty="0"/>
+              </a:p>
+            </p:txBody>
+          </p:sp>
+          <p:cxnSp>
+            <p:nvCxnSpPr>
+              <p:cNvPr id="16" name="直線コネクタ 15">
+                <a:extLst>
+                  <a:ext uri="{FF2B5EF4-FFF2-40B4-BE49-F238E27FC236}">
+                    <a16:creationId xmlns:a16="http://schemas.microsoft.com/office/drawing/2014/main" id="{1ECDC00A-0458-DB32-BC0E-C5C463BC4B25}"/>
+                  </a:ext>
+                </a:extLst>
+              </p:cNvPr>
+              <p:cNvCxnSpPr>
+                <a:cxnSpLocks/>
+              </p:cNvCxnSpPr>
+              <p:nvPr/>
+            </p:nvCxnSpPr>
+            <p:spPr>
+              <a:xfrm>
+                <a:off x="6472535" y="2054388"/>
+                <a:ext cx="596377" cy="613896"/>
+              </a:xfrm>
+              <a:prstGeom prst="line">
+                <a:avLst/>
+              </a:prstGeom>
+            </p:spPr>
+            <p:style>
+              <a:lnRef idx="1">
+                <a:schemeClr val="accent1"/>
+              </a:lnRef>
+              <a:fillRef idx="0">
+                <a:schemeClr val="accent1"/>
+              </a:fillRef>
+              <a:effectRef idx="0">
+                <a:schemeClr val="accent1"/>
+              </a:effectRef>
+              <a:fontRef idx="minor">
+                <a:schemeClr val="tx1"/>
+              </a:fontRef>
+            </p:style>
+          </p:cxnSp>
+        </p:grpSp>
+        <p:grpSp>
+          <p:nvGrpSpPr>
+            <p:cNvPr id="8" name="グループ化 7">
+              <a:extLst>
+                <a:ext uri="{FF2B5EF4-FFF2-40B4-BE49-F238E27FC236}">
+                  <a16:creationId xmlns:a16="http://schemas.microsoft.com/office/drawing/2014/main" id="{7A497B7B-8787-1A14-7CD7-AB0073BA7163}"/>
+                </a:ext>
+              </a:extLst>
+            </p:cNvPr>
+            <p:cNvGrpSpPr/>
+            <p:nvPr/>
+          </p:nvGrpSpPr>
+          <p:grpSpPr>
+            <a:xfrm>
+              <a:off x="2223930" y="3147196"/>
+              <a:ext cx="3055516" cy="1037178"/>
+              <a:chOff x="2272129" y="900165"/>
+              <a:chExt cx="3055516" cy="1037178"/>
+            </a:xfrm>
+          </p:grpSpPr>
+          <mc:AlternateContent xmlns:mc="http://schemas.openxmlformats.org/markup-compatibility/2006" xmlns:a14="http://schemas.microsoft.com/office/drawing/2010/main">
+            <mc:Choice Requires="a14">
+              <p:sp>
+                <p:nvSpPr>
+                  <p:cNvPr id="13" name="テキスト ボックス 12">
+                    <a:extLst>
+                      <a:ext uri="{FF2B5EF4-FFF2-40B4-BE49-F238E27FC236}">
+                        <a16:creationId xmlns:a16="http://schemas.microsoft.com/office/drawing/2014/main" id="{C33FCB79-080C-8578-7CB7-01756E152032}"/>
+                      </a:ext>
+                    </a:extLst>
+                  </p:cNvPr>
+                  <p:cNvSpPr txBox="1"/>
+                  <p:nvPr/>
+                </p:nvSpPr>
+                <p:spPr>
+                  <a:xfrm>
+                    <a:off x="2272129" y="1568011"/>
+                    <a:ext cx="3055516" cy="369332"/>
+                  </a:xfrm>
+                  <a:prstGeom prst="rect">
+                    <a:avLst/>
+                  </a:prstGeom>
+                  <a:noFill/>
+                </p:spPr>
+                <p:txBody>
+                  <a:bodyPr wrap="none" rtlCol="0">
+                    <a:spAutoFit/>
+                  </a:bodyPr>
+                  <a:lstStyle/>
+                  <a:p>
+                    <a:r>
+                      <a:rPr kumimoji="1" lang="ja-JP" altLang="en-US" dirty="0"/>
+                      <a:t>ソレノイドコイル </a:t>
+                    </a:r>
+                    <a14:m>
+                      <m:oMath xmlns:m="http://schemas.openxmlformats.org/officeDocument/2006/math">
+                        <m:r>
+                          <a:rPr kumimoji="1" lang="en-US" altLang="ja-JP" b="0" i="1" smtClean="0">
+                            <a:latin typeface="Cambria Math" panose="02040503050406030204" pitchFamily="18" charset="0"/>
+                          </a:rPr>
+                          <m:t>𝐻</m:t>
+                        </m:r>
+                        <m:r>
+                          <a:rPr kumimoji="1" lang="en-US" altLang="ja-JP" b="0" i="1" smtClean="0">
+                            <a:latin typeface="Cambria Math" panose="02040503050406030204" pitchFamily="18" charset="0"/>
+                          </a:rPr>
+                          <m:t>=</m:t>
+                        </m:r>
+                        <m:sSub>
+                          <m:sSubPr>
+                            <m:ctrlPr>
+                              <a:rPr kumimoji="1" lang="en-US" altLang="ja-JP" b="0" i="1" smtClean="0">
+                                <a:latin typeface="Cambria Math" panose="02040503050406030204" pitchFamily="18" charset="0"/>
+                              </a:rPr>
+                            </m:ctrlPr>
+                          </m:sSubPr>
+                          <m:e>
+                            <m:r>
+                              <a:rPr kumimoji="1" lang="en-US" altLang="ja-JP" b="0" i="1" smtClean="0">
+                                <a:latin typeface="Cambria Math" panose="02040503050406030204" pitchFamily="18" charset="0"/>
+                              </a:rPr>
+                              <m:t>𝐾</m:t>
+                            </m:r>
+                          </m:e>
+                          <m:sub>
+                            <m:r>
+                              <a:rPr kumimoji="1" lang="en-US" altLang="ja-JP" b="0" i="1" smtClean="0">
+                                <a:latin typeface="Cambria Math" panose="02040503050406030204" pitchFamily="18" charset="0"/>
+                              </a:rPr>
+                              <m:t>𝑛</m:t>
+                            </m:r>
+                          </m:sub>
+                        </m:sSub>
+                        <m:r>
+                          <a:rPr kumimoji="1" lang="en-US" altLang="ja-JP" b="0" i="1" smtClean="0">
+                            <a:latin typeface="Cambria Math" panose="02040503050406030204" pitchFamily="18" charset="0"/>
+                          </a:rPr>
+                          <m:t>𝑛𝑖</m:t>
+                        </m:r>
+                      </m:oMath>
+                    </a14:m>
+                    <a:endParaRPr kumimoji="1" lang="ja-JP" altLang="en-US" dirty="0"/>
+                  </a:p>
+                </p:txBody>
+              </p:sp>
+            </mc:Choice>
+            <mc:Fallback xmlns="">
+              <p:sp>
+                <p:nvSpPr>
+                  <p:cNvPr id="13" name="テキスト ボックス 12">
+                    <a:extLst>
+                      <a:ext uri="{FF2B5EF4-FFF2-40B4-BE49-F238E27FC236}">
+                        <a16:creationId xmlns:a16="http://schemas.microsoft.com/office/drawing/2014/main" id="{C33FCB79-080C-8578-7CB7-01756E152032}"/>
+                      </a:ext>
+                    </a:extLst>
+                  </p:cNvPr>
+                  <p:cNvSpPr txBox="1">
+                    <a:spLocks noRot="1" noChangeAspect="1" noMove="1" noResize="1" noEditPoints="1" noAdjustHandles="1" noChangeArrowheads="1" noChangeShapeType="1" noTextEdit="1"/>
+                  </p:cNvSpPr>
+                  <p:nvPr/>
+                </p:nvSpPr>
+                <p:spPr>
+                  <a:xfrm>
+                    <a:off x="2272129" y="1568011"/>
+                    <a:ext cx="3055516" cy="369332"/>
+                  </a:xfrm>
+                  <a:prstGeom prst="rect">
+                    <a:avLst/>
+                  </a:prstGeom>
+                  <a:blipFill>
+                    <a:blip r:embed="rId2"/>
+                    <a:stretch>
+                      <a:fillRect l="-1796" t="-4918" b="-27869"/>
+                    </a:stretch>
+                  </a:blipFill>
+                </p:spPr>
+                <p:txBody>
+                  <a:bodyPr/>
+                  <a:lstStyle/>
+                  <a:p>
+                    <a:r>
+                      <a:rPr lang="ja-JP" altLang="en-US">
+                        <a:noFill/>
+                      </a:rPr>
+                      <a:t> </a:t>
+                    </a:r>
+                  </a:p>
+                </p:txBody>
+              </p:sp>
+            </mc:Fallback>
+          </mc:AlternateContent>
+          <p:cxnSp>
+            <p:nvCxnSpPr>
+              <p:cNvPr id="14" name="直線コネクタ 13">
+                <a:extLst>
+                  <a:ext uri="{FF2B5EF4-FFF2-40B4-BE49-F238E27FC236}">
+                    <a16:creationId xmlns:a16="http://schemas.microsoft.com/office/drawing/2014/main" id="{2848CE4C-C412-BE44-563A-C8946BA73673}"/>
+                  </a:ext>
+                </a:extLst>
+              </p:cNvPr>
+              <p:cNvCxnSpPr>
+                <a:cxnSpLocks/>
+              </p:cNvCxnSpPr>
+              <p:nvPr/>
+            </p:nvCxnSpPr>
+            <p:spPr>
+              <a:xfrm flipH="1">
+                <a:off x="3856145" y="900165"/>
+                <a:ext cx="1132219" cy="602081"/>
+              </a:xfrm>
+              <a:prstGeom prst="line">
+                <a:avLst/>
+              </a:prstGeom>
+            </p:spPr>
+            <p:style>
+              <a:lnRef idx="1">
+                <a:schemeClr val="accent1"/>
+              </a:lnRef>
+              <a:fillRef idx="0">
+                <a:schemeClr val="accent1"/>
+              </a:fillRef>
+              <a:effectRef idx="0">
+                <a:schemeClr val="accent1"/>
+              </a:effectRef>
+              <a:fontRef idx="minor">
+                <a:schemeClr val="tx1"/>
+              </a:fontRef>
+            </p:style>
+          </p:cxnSp>
+        </p:grpSp>
+        <p:sp>
+          <p:nvSpPr>
+            <p:cNvPr id="9" name="円弧 8">
+              <a:extLst>
+                <a:ext uri="{FF2B5EF4-FFF2-40B4-BE49-F238E27FC236}">
+                  <a16:creationId xmlns:a16="http://schemas.microsoft.com/office/drawing/2014/main" id="{83AC52B2-87F6-46CA-CEA0-8E39557F9CE1}"/>
+                </a:ext>
+              </a:extLst>
+            </p:cNvPr>
+            <p:cNvSpPr/>
+            <p:nvPr/>
+          </p:nvSpPr>
+          <p:spPr>
+            <a:xfrm>
+              <a:off x="5450957" y="1833746"/>
+              <a:ext cx="2079524" cy="1721962"/>
+            </a:xfrm>
+            <a:prstGeom prst="arc">
+              <a:avLst>
+                <a:gd name="adj1" fmla="val 16200000"/>
+                <a:gd name="adj2" fmla="val 18149082"/>
+              </a:avLst>
+            </a:prstGeom>
+          </p:spPr>
+          <p:style>
+            <a:lnRef idx="1">
+              <a:schemeClr val="accent1"/>
+            </a:lnRef>
+            <a:fillRef idx="0">
+              <a:schemeClr val="accent1"/>
+            </a:fillRef>
+            <a:effectRef idx="0">
+              <a:schemeClr val="accent1"/>
+            </a:effectRef>
+            <a:fontRef idx="minor">
+              <a:schemeClr val="tx1"/>
+            </a:fontRef>
+          </p:style>
+          <p:txBody>
+            <a:bodyPr rtlCol="0" anchor="ctr"/>
+            <a:lstStyle/>
+            <a:p>
+              <a:pPr algn="ctr"/>
+              <a:endParaRPr kumimoji="1" lang="ja-JP" altLang="en-US"/>
+            </a:p>
+          </p:txBody>
+        </p:sp>
+        <p:cxnSp>
+          <p:nvCxnSpPr>
+            <p:cNvPr id="10" name="直線コネクタ 9">
+              <a:extLst>
+                <a:ext uri="{FF2B5EF4-FFF2-40B4-BE49-F238E27FC236}">
+                  <a16:creationId xmlns:a16="http://schemas.microsoft.com/office/drawing/2014/main" id="{5C46C77E-271C-F145-9C55-1B3E02AEE79A}"/>
+                </a:ext>
+              </a:extLst>
+            </p:cNvPr>
+            <p:cNvCxnSpPr>
+              <a:cxnSpLocks/>
+            </p:cNvCxnSpPr>
+            <p:nvPr/>
+          </p:nvCxnSpPr>
+          <p:spPr>
+            <a:xfrm rot="1800000">
+              <a:off x="6779954" y="1712834"/>
+              <a:ext cx="0" cy="1080000"/>
+            </a:xfrm>
+            <a:prstGeom prst="line">
+              <a:avLst/>
+            </a:prstGeom>
+            <a:ln w="12700">
+              <a:prstDash val="dash"/>
+            </a:ln>
+          </p:spPr>
+          <p:style>
+            <a:lnRef idx="1">
+              <a:schemeClr val="accent1"/>
+            </a:lnRef>
+            <a:fillRef idx="0">
+              <a:schemeClr val="accent1"/>
+            </a:fillRef>
+            <a:effectRef idx="0">
+              <a:schemeClr val="accent1"/>
+            </a:effectRef>
+            <a:fontRef idx="minor">
+              <a:schemeClr val="tx1"/>
+            </a:fontRef>
+          </p:style>
+        </p:cxnSp>
+        <mc:AlternateContent xmlns:mc="http://schemas.openxmlformats.org/markup-compatibility/2006" xmlns:a14="http://schemas.microsoft.com/office/drawing/2010/main">
+          <mc:Choice Requires="a14">
+            <p:sp>
+              <p:nvSpPr>
+                <p:cNvPr id="11" name="テキスト ボックス 10">
+                  <a:extLst>
+                    <a:ext uri="{FF2B5EF4-FFF2-40B4-BE49-F238E27FC236}">
+                      <a16:creationId xmlns:a16="http://schemas.microsoft.com/office/drawing/2014/main" id="{34BD4D63-6A04-3F3D-B3E8-51DD9608BBD9}"/>
+                    </a:ext>
+                  </a:extLst>
+                </p:cNvPr>
+                <p:cNvSpPr txBox="1"/>
+                <p:nvPr/>
+              </p:nvSpPr>
+              <p:spPr>
+                <a:xfrm>
+                  <a:off x="6578457" y="1458087"/>
+                  <a:ext cx="770404" cy="369332"/>
+                </a:xfrm>
+                <a:prstGeom prst="rect">
+                  <a:avLst/>
+                </a:prstGeom>
+                <a:noFill/>
+              </p:spPr>
+              <p:txBody>
+                <a:bodyPr wrap="none" rtlCol="0">
+                  <a:spAutoFit/>
+                </a:bodyPr>
+                <a:lstStyle/>
+                <a:p>
+                  <a:pPr/>
+                  <a14:m>
+                    <m:oMathPara xmlns:m="http://schemas.openxmlformats.org/officeDocument/2006/math">
+                      <m:oMathParaPr>
+                        <m:jc m:val="centerGroup"/>
+                      </m:oMathParaPr>
+                      <m:oMath xmlns:m="http://schemas.openxmlformats.org/officeDocument/2006/math">
+                        <m:r>
+                          <a:rPr kumimoji="1" lang="en-US" altLang="ja-JP" b="0" i="1" dirty="0" smtClean="0">
+                            <a:latin typeface="Cambria Math" panose="02040503050406030204" pitchFamily="18" charset="0"/>
+                          </a:rPr>
+                          <m:t>𝜃</m:t>
+                        </m:r>
+                        <m:r>
+                          <a:rPr kumimoji="1" lang="en-US" altLang="ja-JP" b="0" i="1" dirty="0" smtClean="0">
+                            <a:latin typeface="Cambria Math" panose="02040503050406030204" pitchFamily="18" charset="0"/>
+                          </a:rPr>
+                          <m:t>(</m:t>
+                        </m:r>
+                        <m:r>
+                          <a:rPr kumimoji="1" lang="en-US" altLang="ja-JP" b="0" i="1" dirty="0" smtClean="0">
+                            <a:latin typeface="Cambria Math" panose="02040503050406030204" pitchFamily="18" charset="0"/>
+                          </a:rPr>
+                          <m:t>𝐻</m:t>
+                        </m:r>
+                        <m:r>
+                          <a:rPr kumimoji="1" lang="en-US" altLang="ja-JP" b="0" i="1" dirty="0" smtClean="0">
+                            <a:latin typeface="Cambria Math" panose="02040503050406030204" pitchFamily="18" charset="0"/>
+                          </a:rPr>
+                          <m:t>)</m:t>
+                        </m:r>
+                      </m:oMath>
+                    </m:oMathPara>
+                  </a14:m>
+                  <a:endParaRPr kumimoji="1" lang="ja-JP" altLang="en-US" dirty="0"/>
+                </a:p>
+              </p:txBody>
+            </p:sp>
+          </mc:Choice>
+          <mc:Fallback xmlns="">
+            <p:sp>
+              <p:nvSpPr>
+                <p:cNvPr id="11" name="テキスト ボックス 10">
+                  <a:extLst>
+                    <a:ext uri="{FF2B5EF4-FFF2-40B4-BE49-F238E27FC236}">
+                      <a16:creationId xmlns:a16="http://schemas.microsoft.com/office/drawing/2014/main" id="{34BD4D63-6A04-3F3D-B3E8-51DD9608BBD9}"/>
+                    </a:ext>
+                  </a:extLst>
+                </p:cNvPr>
+                <p:cNvSpPr txBox="1">
+                  <a:spLocks noRot="1" noChangeAspect="1" noMove="1" noResize="1" noEditPoints="1" noAdjustHandles="1" noChangeArrowheads="1" noChangeShapeType="1" noTextEdit="1"/>
+                </p:cNvSpPr>
+                <p:nvPr/>
+              </p:nvSpPr>
+              <p:spPr>
+                <a:xfrm>
+                  <a:off x="6578457" y="1458087"/>
+                  <a:ext cx="770404" cy="369332"/>
+                </a:xfrm>
+                <a:prstGeom prst="rect">
+                  <a:avLst/>
+                </a:prstGeom>
+                <a:blipFill>
+                  <a:blip r:embed="rId3"/>
+                  <a:stretch>
+                    <a:fillRect b="-16667"/>
+                  </a:stretch>
+                </a:blipFill>
+              </p:spPr>
+              <p:txBody>
+                <a:bodyPr/>
+                <a:lstStyle/>
+                <a:p>
+                  <a:r>
+                    <a:rPr lang="ja-JP" altLang="en-US">
+                      <a:noFill/>
+                    </a:rPr>
+                    <a:t> </a:t>
+                  </a:r>
+                </a:p>
+              </p:txBody>
+            </p:sp>
+          </mc:Fallback>
+        </mc:AlternateContent>
+        <mc:AlternateContent xmlns:mc="http://schemas.openxmlformats.org/markup-compatibility/2006">
+          <mc:Choice xmlns:a14="http://schemas.microsoft.com/office/drawing/2010/main" Requires="a14">
+            <p:sp>
+              <p:nvSpPr>
+                <p:cNvPr id="12" name="テキスト ボックス 11">
+                  <a:extLst>
+                    <a:ext uri="{FF2B5EF4-FFF2-40B4-BE49-F238E27FC236}">
+                      <a16:creationId xmlns:a16="http://schemas.microsoft.com/office/drawing/2014/main" id="{85FBD49F-FB4E-2B65-3D52-D0CF2020BAE8}"/>
+                    </a:ext>
+                  </a:extLst>
+                </p:cNvPr>
+                <p:cNvSpPr txBox="1"/>
+                <p:nvPr/>
+              </p:nvSpPr>
+              <p:spPr>
+                <a:xfrm>
+                  <a:off x="8020364" y="1827419"/>
+                  <a:ext cx="729302" cy="369332"/>
+                </a:xfrm>
+                <a:prstGeom prst="rect">
+                  <a:avLst/>
+                </a:prstGeom>
+                <a:noFill/>
+              </p:spPr>
+              <p:txBody>
+                <a:bodyPr wrap="none" rtlCol="0">
+                  <a:spAutoFit/>
+                </a:bodyPr>
+                <a:lstStyle/>
+                <a:p>
+                  <a:pPr/>
+                  <a14:m>
+                    <m:oMathPara xmlns:m="http://schemas.openxmlformats.org/officeDocument/2006/math">
+                      <m:oMathParaPr>
+                        <m:jc m:val="centerGroup"/>
+                      </m:oMathParaPr>
+                      <m:oMath xmlns:m="http://schemas.openxmlformats.org/officeDocument/2006/math">
+                        <m:r>
+                          <a:rPr kumimoji="1" lang="en-US" altLang="ja-JP" b="0" i="1" dirty="0" smtClean="0">
+                            <a:latin typeface="Cambria Math" panose="02040503050406030204" pitchFamily="18" charset="0"/>
+                          </a:rPr>
+                          <m:t>𝐼</m:t>
+                        </m:r>
+                        <m:r>
+                          <a:rPr kumimoji="1" lang="en-US" altLang="ja-JP" b="0" i="1" dirty="0" smtClean="0">
+                            <a:latin typeface="Cambria Math" panose="02040503050406030204" pitchFamily="18" charset="0"/>
+                          </a:rPr>
+                          <m:t>(</m:t>
+                        </m:r>
+                        <m:r>
+                          <a:rPr kumimoji="1" lang="en-US" altLang="ja-JP" b="0" i="1" dirty="0" smtClean="0">
+                            <a:latin typeface="Cambria Math" panose="02040503050406030204" pitchFamily="18" charset="0"/>
+                          </a:rPr>
+                          <m:t>𝐻</m:t>
+                        </m:r>
+                        <m:r>
+                          <a:rPr kumimoji="1" lang="en-US" altLang="ja-JP" b="0" i="1" dirty="0" smtClean="0">
+                            <a:latin typeface="Cambria Math" panose="02040503050406030204" pitchFamily="18" charset="0"/>
+                          </a:rPr>
+                          <m:t>)</m:t>
+                        </m:r>
+                      </m:oMath>
+                    </m:oMathPara>
+                  </a14:m>
+                  <a:endParaRPr kumimoji="1" lang="en-US" altLang="ja-JP" dirty="0"/>
+                </a:p>
+              </p:txBody>
+            </p:sp>
+          </mc:Choice>
+          <mc:Fallback>
+            <p:sp>
+              <p:nvSpPr>
+                <p:cNvPr id="12" name="テキスト ボックス 11">
+                  <a:extLst>
+                    <a:ext uri="{FF2B5EF4-FFF2-40B4-BE49-F238E27FC236}">
+                      <a16:creationId xmlns:a16="http://schemas.microsoft.com/office/drawing/2014/main" id="{85FBD49F-FB4E-2B65-3D52-D0CF2020BAE8}"/>
+                    </a:ext>
+                  </a:extLst>
+                </p:cNvPr>
+                <p:cNvSpPr txBox="1">
+                  <a:spLocks noRot="1" noChangeAspect="1" noMove="1" noResize="1" noEditPoints="1" noAdjustHandles="1" noChangeArrowheads="1" noChangeShapeType="1" noTextEdit="1"/>
+                </p:cNvSpPr>
+                <p:nvPr/>
+              </p:nvSpPr>
+              <p:spPr>
+                <a:xfrm>
+                  <a:off x="8020364" y="1827419"/>
+                  <a:ext cx="729302" cy="369332"/>
+                </a:xfrm>
+                <a:prstGeom prst="rect">
+                  <a:avLst/>
+                </a:prstGeom>
+                <a:blipFill>
+                  <a:blip r:embed="rId4"/>
+                  <a:stretch>
+                    <a:fillRect b="-16393"/>
+                  </a:stretch>
+                </a:blipFill>
+              </p:spPr>
+              <p:txBody>
+                <a:bodyPr/>
+                <a:lstStyle/>
+                <a:p>
+                  <a:r>
+                    <a:rPr lang="ja-JP" altLang="en-US">
+                      <a:noFill/>
+                    </a:rPr>
+                    <a:t> </a:t>
+                  </a:r>
+                </a:p>
+              </p:txBody>
+            </p:sp>
+          </mc:Fallback>
+        </mc:AlternateContent>
+      </p:grpSp>
+    </p:spTree>
+    <p:extLst>
+      <p:ext uri="{BB962C8B-B14F-4D97-AF65-F5344CB8AC3E}">
+        <p14:creationId xmlns:p14="http://schemas.microsoft.com/office/powerpoint/2010/main" val="887891145"/>
       </p:ext>
     </p:extLst>
   </p:cSld>

--- a/2024_11_29_Faraday/faraday.pptx
+++ b/2024_11_29_Faraday/faraday.pptx
@@ -5,7 +5,7 @@
     <p:sldMasterId id="2147483660" r:id="rId1"/>
   </p:sldMasterIdLst>
   <p:notesMasterIdLst>
-    <p:notesMasterId r:id="rId16"/>
+    <p:notesMasterId r:id="rId17"/>
   </p:notesMasterIdLst>
   <p:sldIdLst>
     <p:sldId id="258" r:id="rId2"/>
@@ -22,6 +22,7 @@
     <p:sldId id="271" r:id="rId13"/>
     <p:sldId id="274" r:id="rId14"/>
     <p:sldId id="272" r:id="rId15"/>
+    <p:sldId id="275" r:id="rId16"/>
   </p:sldIdLst>
   <p:sldSz cx="9906000" cy="6858000" type="A4"/>
   <p:notesSz cx="6858000" cy="9144000"/>
@@ -210,7 +211,7 @@
           <a:p>
             <a:fld id="{F1A0D797-5C19-49B5-8168-2699B573819F}" type="datetimeFigureOut">
               <a:rPr kumimoji="1" lang="ja-JP" altLang="en-US" smtClean="0"/>
-              <a:t>2024/12/18</a:t>
+              <a:t>2024/12/19</a:t>
             </a:fld>
             <a:endParaRPr kumimoji="1" lang="ja-JP" altLang="en-US"/>
           </a:p>
@@ -14227,8 +14228,8 @@
             </p:sp>
           </mc:Fallback>
         </mc:AlternateContent>
-        <mc:AlternateContent xmlns:mc="http://schemas.openxmlformats.org/markup-compatibility/2006">
-          <mc:Choice xmlns:a14="http://schemas.microsoft.com/office/drawing/2010/main" Requires="a14">
+        <mc:AlternateContent xmlns:mc="http://schemas.openxmlformats.org/markup-compatibility/2006" xmlns:a14="http://schemas.microsoft.com/office/drawing/2010/main">
+          <mc:Choice Requires="a14">
             <p:sp>
               <p:nvSpPr>
                 <p:cNvPr id="12" name="テキスト ボックス 11">
@@ -14296,7 +14297,7 @@
               </p:txBody>
             </p:sp>
           </mc:Choice>
-          <mc:Fallback>
+          <mc:Fallback xmlns="">
             <p:sp>
               <p:nvSpPr>
                 <p:cNvPr id="12" name="テキスト ボックス 11">
@@ -14346,6 +14347,1635 @@
     <p:extLst>
       <p:ext uri="{BB962C8B-B14F-4D97-AF65-F5344CB8AC3E}">
         <p14:creationId xmlns:p14="http://schemas.microsoft.com/office/powerpoint/2010/main" val="887891145"/>
+      </p:ext>
+    </p:extLst>
+  </p:cSld>
+  <p:clrMapOvr>
+    <a:masterClrMapping/>
+  </p:clrMapOvr>
+</p:sld>
+</file>
+
+<file path=ppt/slides/slide15.xml><?xml version="1.0" encoding="utf-8"?>
+<p:sld xmlns:a="http://schemas.openxmlformats.org/drawingml/2006/main" xmlns:r="http://schemas.openxmlformats.org/officeDocument/2006/relationships" xmlns:p="http://schemas.openxmlformats.org/presentationml/2006/main">
+  <p:cSld>
+    <p:spTree>
+      <p:nvGrpSpPr>
+        <p:cNvPr id="1" name="">
+          <a:extLst>
+            <a:ext uri="{FF2B5EF4-FFF2-40B4-BE49-F238E27FC236}">
+              <a16:creationId xmlns:a16="http://schemas.microsoft.com/office/drawing/2014/main" id="{1D17980B-A803-9450-CB0A-900EBE7747B1}"/>
+            </a:ext>
+          </a:extLst>
+        </p:cNvPr>
+        <p:cNvGrpSpPr/>
+        <p:nvPr/>
+      </p:nvGrpSpPr>
+      <p:grpSpPr>
+        <a:xfrm>
+          <a:off x="0" y="0"/>
+          <a:ext cx="0" cy="0"/>
+          <a:chOff x="0" y="0"/>
+          <a:chExt cx="0" cy="0"/>
+        </a:xfrm>
+      </p:grpSpPr>
+      <p:sp>
+        <p:nvSpPr>
+          <p:cNvPr id="3" name="スライド番号プレースホルダー 2">
+            <a:extLst>
+              <a:ext uri="{FF2B5EF4-FFF2-40B4-BE49-F238E27FC236}">
+                <a16:creationId xmlns:a16="http://schemas.microsoft.com/office/drawing/2014/main" id="{7A6EC424-101F-D41A-5560-937FE81EFC19}"/>
+              </a:ext>
+            </a:extLst>
+          </p:cNvPr>
+          <p:cNvSpPr>
+            <a:spLocks noGrp="1"/>
+          </p:cNvSpPr>
+          <p:nvPr>
+            <p:ph type="sldNum" sz="quarter" idx="4294967295"/>
+          </p:nvPr>
+        </p:nvSpPr>
+        <p:spPr>
+          <a:xfrm>
+            <a:off x="9393238" y="6477000"/>
+            <a:ext cx="512762" cy="215900"/>
+          </a:xfrm>
+        </p:spPr>
+        <p:txBody>
+          <a:bodyPr/>
+          <a:lstStyle/>
+          <a:p>
+            <a:fld id="{3976CDD0-C26C-4561-A9EF-A0090B2270A4}" type="slidenum">
+              <a:rPr kumimoji="1" lang="ja-JP" altLang="en-US" smtClean="0"/>
+              <a:t>15</a:t>
+            </a:fld>
+            <a:endParaRPr kumimoji="1" lang="ja-JP" altLang="en-US"/>
+          </a:p>
+        </p:txBody>
+      </p:sp>
+      <p:cxnSp>
+        <p:nvCxnSpPr>
+          <p:cNvPr id="5" name="直線コネクタ 4">
+            <a:extLst>
+              <a:ext uri="{FF2B5EF4-FFF2-40B4-BE49-F238E27FC236}">
+                <a16:creationId xmlns:a16="http://schemas.microsoft.com/office/drawing/2014/main" id="{20A858C5-E2A3-89E0-35AE-E3DF1049244C}"/>
+              </a:ext>
+            </a:extLst>
+          </p:cNvPr>
+          <p:cNvCxnSpPr>
+            <a:cxnSpLocks/>
+          </p:cNvCxnSpPr>
+          <p:nvPr/>
+        </p:nvCxnSpPr>
+        <p:spPr>
+          <a:xfrm>
+            <a:off x="6498775" y="2311572"/>
+            <a:ext cx="0" cy="1806153"/>
+          </a:xfrm>
+          <a:prstGeom prst="line">
+            <a:avLst/>
+          </a:prstGeom>
+          <a:ln w="12700">
+            <a:prstDash val="dash"/>
+          </a:ln>
+        </p:spPr>
+        <p:style>
+          <a:lnRef idx="1">
+            <a:schemeClr val="accent1"/>
+          </a:lnRef>
+          <a:fillRef idx="0">
+            <a:schemeClr val="accent1"/>
+          </a:fillRef>
+          <a:effectRef idx="0">
+            <a:schemeClr val="accent1"/>
+          </a:effectRef>
+          <a:fontRef idx="minor">
+            <a:schemeClr val="tx1"/>
+          </a:fontRef>
+        </p:style>
+      </p:cxnSp>
+      <p:sp>
+        <p:nvSpPr>
+          <p:cNvPr id="39" name="正方形/長方形 38">
+            <a:extLst>
+              <a:ext uri="{FF2B5EF4-FFF2-40B4-BE49-F238E27FC236}">
+                <a16:creationId xmlns:a16="http://schemas.microsoft.com/office/drawing/2014/main" id="{EE87A027-050F-B4B0-8E18-759E3E80B921}"/>
+              </a:ext>
+            </a:extLst>
+          </p:cNvPr>
+          <p:cNvSpPr/>
+          <p:nvPr/>
+        </p:nvSpPr>
+        <p:spPr>
+          <a:xfrm>
+            <a:off x="4450159" y="3188089"/>
+            <a:ext cx="1533360" cy="500457"/>
+          </a:xfrm>
+          <a:prstGeom prst="rect">
+            <a:avLst/>
+          </a:prstGeom>
+          <a:solidFill>
+            <a:schemeClr val="bg2"/>
+          </a:solidFill>
+          <a:ln w="19050"/>
+        </p:spPr>
+        <p:style>
+          <a:lnRef idx="2">
+            <a:schemeClr val="accent1">
+              <a:shade val="15000"/>
+            </a:schemeClr>
+          </a:lnRef>
+          <a:fillRef idx="1">
+            <a:schemeClr val="accent1"/>
+          </a:fillRef>
+          <a:effectRef idx="0">
+            <a:schemeClr val="accent1"/>
+          </a:effectRef>
+          <a:fontRef idx="minor">
+            <a:schemeClr val="lt1"/>
+          </a:fontRef>
+        </p:style>
+        <p:txBody>
+          <a:bodyPr rtlCol="0" anchor="ctr"/>
+          <a:lstStyle/>
+          <a:p>
+            <a:pPr algn="ctr"/>
+            <a:endParaRPr kumimoji="1" lang="ja-JP" altLang="en-US"/>
+          </a:p>
+        </p:txBody>
+      </p:sp>
+      <p:sp>
+        <p:nvSpPr>
+          <p:cNvPr id="18" name="正方形/長方形 17">
+            <a:extLst>
+              <a:ext uri="{FF2B5EF4-FFF2-40B4-BE49-F238E27FC236}">
+                <a16:creationId xmlns:a16="http://schemas.microsoft.com/office/drawing/2014/main" id="{D113C396-52C1-51B2-F24B-A121038D88E1}"/>
+              </a:ext>
+            </a:extLst>
+          </p:cNvPr>
+          <p:cNvSpPr/>
+          <p:nvPr/>
+        </p:nvSpPr>
+        <p:spPr>
+          <a:xfrm>
+            <a:off x="950862" y="3103154"/>
+            <a:ext cx="1731226" cy="730817"/>
+          </a:xfrm>
+          <a:prstGeom prst="rect">
+            <a:avLst/>
+          </a:prstGeom>
+          <a:noFill/>
+          <a:ln w="28575">
+            <a:solidFill>
+              <a:schemeClr val="tx1"/>
+            </a:solidFill>
+          </a:ln>
+        </p:spPr>
+        <p:style>
+          <a:lnRef idx="2">
+            <a:schemeClr val="accent1">
+              <a:shade val="15000"/>
+            </a:schemeClr>
+          </a:lnRef>
+          <a:fillRef idx="1">
+            <a:schemeClr val="accent1"/>
+          </a:fillRef>
+          <a:effectRef idx="0">
+            <a:schemeClr val="accent1"/>
+          </a:effectRef>
+          <a:fontRef idx="minor">
+            <a:schemeClr val="lt1"/>
+          </a:fontRef>
+        </p:style>
+        <p:txBody>
+          <a:bodyPr rtlCol="0" anchor="ctr"/>
+          <a:lstStyle/>
+          <a:p>
+            <a:pPr algn="ctr"/>
+            <a:r>
+              <a:rPr kumimoji="1" lang="en-US" altLang="ja-JP" dirty="0">
+                <a:solidFill>
+                  <a:schemeClr val="tx1"/>
+                </a:solidFill>
+              </a:rPr>
+              <a:t>LASER Diode</a:t>
+            </a:r>
+            <a:endParaRPr kumimoji="1" lang="ja-JP" altLang="en-US" dirty="0">
+              <a:solidFill>
+                <a:schemeClr val="tx1"/>
+              </a:solidFill>
+            </a:endParaRPr>
+          </a:p>
+        </p:txBody>
+      </p:sp>
+      <p:sp>
+        <p:nvSpPr>
+          <p:cNvPr id="19" name="正方形/長方形 18">
+            <a:extLst>
+              <a:ext uri="{FF2B5EF4-FFF2-40B4-BE49-F238E27FC236}">
+                <a16:creationId xmlns:a16="http://schemas.microsoft.com/office/drawing/2014/main" id="{E4090AD5-34D3-BCA6-030C-452ED9EC4081}"/>
+              </a:ext>
+            </a:extLst>
+          </p:cNvPr>
+          <p:cNvSpPr/>
+          <p:nvPr/>
+        </p:nvSpPr>
+        <p:spPr>
+          <a:xfrm>
+            <a:off x="7929182" y="3087557"/>
+            <a:ext cx="1025955" cy="730817"/>
+          </a:xfrm>
+          <a:prstGeom prst="rect">
+            <a:avLst/>
+          </a:prstGeom>
+          <a:noFill/>
+          <a:ln w="28575">
+            <a:solidFill>
+              <a:schemeClr val="tx1"/>
+            </a:solidFill>
+          </a:ln>
+        </p:spPr>
+        <p:style>
+          <a:lnRef idx="2">
+            <a:schemeClr val="accent1">
+              <a:shade val="15000"/>
+            </a:schemeClr>
+          </a:lnRef>
+          <a:fillRef idx="1">
+            <a:schemeClr val="accent1"/>
+          </a:fillRef>
+          <a:effectRef idx="0">
+            <a:schemeClr val="accent1"/>
+          </a:effectRef>
+          <a:fontRef idx="minor">
+            <a:schemeClr val="lt1"/>
+          </a:fontRef>
+        </p:style>
+        <p:txBody>
+          <a:bodyPr rtlCol="0" anchor="ctr"/>
+          <a:lstStyle/>
+          <a:p>
+            <a:pPr algn="ctr"/>
+            <a:r>
+              <a:rPr kumimoji="1" lang="ja-JP" altLang="en-US" dirty="0">
+                <a:solidFill>
+                  <a:schemeClr val="tx1"/>
+                </a:solidFill>
+              </a:rPr>
+              <a:t>光回路</a:t>
+            </a:r>
+          </a:p>
+        </p:txBody>
+      </p:sp>
+      <p:grpSp>
+        <p:nvGrpSpPr>
+          <p:cNvPr id="20" name="グループ化 19">
+            <a:extLst>
+              <a:ext uri="{FF2B5EF4-FFF2-40B4-BE49-F238E27FC236}">
+                <a16:creationId xmlns:a16="http://schemas.microsoft.com/office/drawing/2014/main" id="{D2CD1F04-EB63-4BCA-3A73-BD39A94B9FB5}"/>
+              </a:ext>
+            </a:extLst>
+          </p:cNvPr>
+          <p:cNvGrpSpPr/>
+          <p:nvPr/>
+        </p:nvGrpSpPr>
+        <p:grpSpPr>
+          <a:xfrm>
+            <a:off x="2931599" y="2885313"/>
+            <a:ext cx="576221" cy="1166497"/>
+            <a:chOff x="3194892" y="1454226"/>
+            <a:chExt cx="451691" cy="914400"/>
+          </a:xfrm>
+        </p:grpSpPr>
+        <p:sp>
+          <p:nvSpPr>
+            <p:cNvPr id="33" name="楕円 32">
+              <a:extLst>
+                <a:ext uri="{FF2B5EF4-FFF2-40B4-BE49-F238E27FC236}">
+                  <a16:creationId xmlns:a16="http://schemas.microsoft.com/office/drawing/2014/main" id="{7D456888-5678-2FA9-BC47-E157BB3D987B}"/>
+                </a:ext>
+              </a:extLst>
+            </p:cNvPr>
+            <p:cNvSpPr/>
+            <p:nvPr/>
+          </p:nvSpPr>
+          <p:spPr>
+            <a:xfrm>
+              <a:off x="3194892" y="1454226"/>
+              <a:ext cx="451691" cy="914400"/>
+            </a:xfrm>
+            <a:prstGeom prst="ellipse">
+              <a:avLst/>
+            </a:prstGeom>
+            <a:noFill/>
+          </p:spPr>
+          <p:style>
+            <a:lnRef idx="2">
+              <a:schemeClr val="accent1">
+                <a:shade val="15000"/>
+              </a:schemeClr>
+            </a:lnRef>
+            <a:fillRef idx="1">
+              <a:schemeClr val="accent1"/>
+            </a:fillRef>
+            <a:effectRef idx="0">
+              <a:schemeClr val="accent1"/>
+            </a:effectRef>
+            <a:fontRef idx="minor">
+              <a:schemeClr val="lt1"/>
+            </a:fontRef>
+          </p:style>
+          <p:txBody>
+            <a:bodyPr rtlCol="0" anchor="ctr"/>
+            <a:lstStyle/>
+            <a:p>
+              <a:pPr algn="ctr"/>
+              <a:endParaRPr kumimoji="1" lang="ja-JP" altLang="en-US"/>
+            </a:p>
+          </p:txBody>
+        </p:sp>
+        <p:cxnSp>
+          <p:nvCxnSpPr>
+            <p:cNvPr id="34" name="直線コネクタ 33">
+              <a:extLst>
+                <a:ext uri="{FF2B5EF4-FFF2-40B4-BE49-F238E27FC236}">
+                  <a16:creationId xmlns:a16="http://schemas.microsoft.com/office/drawing/2014/main" id="{4FE459B0-521F-5AB7-117B-857C5BB23875}"/>
+                </a:ext>
+              </a:extLst>
+            </p:cNvPr>
+            <p:cNvCxnSpPr>
+              <a:cxnSpLocks/>
+              <a:stCxn id="33" idx="1"/>
+              <a:endCxn id="33" idx="3"/>
+            </p:cNvCxnSpPr>
+            <p:nvPr/>
+          </p:nvCxnSpPr>
+          <p:spPr>
+            <a:xfrm>
+              <a:off x="3261041" y="1588137"/>
+              <a:ext cx="0" cy="646578"/>
+            </a:xfrm>
+            <a:prstGeom prst="line">
+              <a:avLst/>
+            </a:prstGeom>
+            <a:ln w="19050"/>
+          </p:spPr>
+          <p:style>
+            <a:lnRef idx="1">
+              <a:schemeClr val="accent1"/>
+            </a:lnRef>
+            <a:fillRef idx="0">
+              <a:schemeClr val="accent1"/>
+            </a:fillRef>
+            <a:effectRef idx="0">
+              <a:schemeClr val="accent1"/>
+            </a:effectRef>
+            <a:fontRef idx="minor">
+              <a:schemeClr val="tx1"/>
+            </a:fontRef>
+          </p:style>
+        </p:cxnSp>
+        <p:cxnSp>
+          <p:nvCxnSpPr>
+            <p:cNvPr id="35" name="直線コネクタ 34">
+              <a:extLst>
+                <a:ext uri="{FF2B5EF4-FFF2-40B4-BE49-F238E27FC236}">
+                  <a16:creationId xmlns:a16="http://schemas.microsoft.com/office/drawing/2014/main" id="{176B11C6-AA07-9178-3414-1472C40B71A4}"/>
+                </a:ext>
+              </a:extLst>
+            </p:cNvPr>
+            <p:cNvCxnSpPr>
+              <a:cxnSpLocks/>
+              <a:stCxn id="33" idx="0"/>
+              <a:endCxn id="33" idx="4"/>
+            </p:cNvCxnSpPr>
+            <p:nvPr/>
+          </p:nvCxnSpPr>
+          <p:spPr>
+            <a:xfrm>
+              <a:off x="3420738" y="1454226"/>
+              <a:ext cx="0" cy="914400"/>
+            </a:xfrm>
+            <a:prstGeom prst="line">
+              <a:avLst/>
+            </a:prstGeom>
+            <a:ln w="19050"/>
+          </p:spPr>
+          <p:style>
+            <a:lnRef idx="1">
+              <a:schemeClr val="accent1"/>
+            </a:lnRef>
+            <a:fillRef idx="0">
+              <a:schemeClr val="accent1"/>
+            </a:fillRef>
+            <a:effectRef idx="0">
+              <a:schemeClr val="accent1"/>
+            </a:effectRef>
+            <a:fontRef idx="minor">
+              <a:schemeClr val="tx1"/>
+            </a:fontRef>
+          </p:style>
+        </p:cxnSp>
+        <p:cxnSp>
+          <p:nvCxnSpPr>
+            <p:cNvPr id="36" name="直線コネクタ 35">
+              <a:extLst>
+                <a:ext uri="{FF2B5EF4-FFF2-40B4-BE49-F238E27FC236}">
+                  <a16:creationId xmlns:a16="http://schemas.microsoft.com/office/drawing/2014/main" id="{ECABED83-E3BE-5ADD-9DC1-38FBA957FEB4}"/>
+                </a:ext>
+              </a:extLst>
+            </p:cNvPr>
+            <p:cNvCxnSpPr>
+              <a:cxnSpLocks/>
+              <a:stCxn id="33" idx="7"/>
+              <a:endCxn id="33" idx="5"/>
+            </p:cNvCxnSpPr>
+            <p:nvPr/>
+          </p:nvCxnSpPr>
+          <p:spPr>
+            <a:xfrm>
+              <a:off x="3580434" y="1588137"/>
+              <a:ext cx="0" cy="646578"/>
+            </a:xfrm>
+            <a:prstGeom prst="line">
+              <a:avLst/>
+            </a:prstGeom>
+            <a:ln w="19050"/>
+          </p:spPr>
+          <p:style>
+            <a:lnRef idx="1">
+              <a:schemeClr val="accent1"/>
+            </a:lnRef>
+            <a:fillRef idx="0">
+              <a:schemeClr val="accent1"/>
+            </a:fillRef>
+            <a:effectRef idx="0">
+              <a:schemeClr val="accent1"/>
+            </a:effectRef>
+            <a:fontRef idx="minor">
+              <a:schemeClr val="tx1"/>
+            </a:fontRef>
+          </p:style>
+        </p:cxnSp>
+        <p:cxnSp>
+          <p:nvCxnSpPr>
+            <p:cNvPr id="37" name="直線コネクタ 36">
+              <a:extLst>
+                <a:ext uri="{FF2B5EF4-FFF2-40B4-BE49-F238E27FC236}">
+                  <a16:creationId xmlns:a16="http://schemas.microsoft.com/office/drawing/2014/main" id="{02DAEFE4-53C5-792A-98D7-F6EA1DC9D695}"/>
+                </a:ext>
+              </a:extLst>
+            </p:cNvPr>
+            <p:cNvCxnSpPr>
+              <a:cxnSpLocks/>
+            </p:cNvCxnSpPr>
+            <p:nvPr/>
+          </p:nvCxnSpPr>
+          <p:spPr>
+            <a:xfrm>
+              <a:off x="3499472" y="1488124"/>
+              <a:ext cx="0" cy="864000"/>
+            </a:xfrm>
+            <a:prstGeom prst="line">
+              <a:avLst/>
+            </a:prstGeom>
+            <a:ln w="19050"/>
+          </p:spPr>
+          <p:style>
+            <a:lnRef idx="1">
+              <a:schemeClr val="accent1"/>
+            </a:lnRef>
+            <a:fillRef idx="0">
+              <a:schemeClr val="accent1"/>
+            </a:fillRef>
+            <a:effectRef idx="0">
+              <a:schemeClr val="accent1"/>
+            </a:effectRef>
+            <a:fontRef idx="minor">
+              <a:schemeClr val="tx1"/>
+            </a:fontRef>
+          </p:style>
+        </p:cxnSp>
+        <p:cxnSp>
+          <p:nvCxnSpPr>
+            <p:cNvPr id="38" name="直線コネクタ 37">
+              <a:extLst>
+                <a:ext uri="{FF2B5EF4-FFF2-40B4-BE49-F238E27FC236}">
+                  <a16:creationId xmlns:a16="http://schemas.microsoft.com/office/drawing/2014/main" id="{DF8DCA2F-3525-FDDE-DFD1-905C2DB390AB}"/>
+                </a:ext>
+              </a:extLst>
+            </p:cNvPr>
+            <p:cNvCxnSpPr>
+              <a:cxnSpLocks/>
+            </p:cNvCxnSpPr>
+            <p:nvPr/>
+          </p:nvCxnSpPr>
+          <p:spPr>
+            <a:xfrm>
+              <a:off x="3347073" y="1488124"/>
+              <a:ext cx="0" cy="864000"/>
+            </a:xfrm>
+            <a:prstGeom prst="line">
+              <a:avLst/>
+            </a:prstGeom>
+            <a:ln w="19050"/>
+          </p:spPr>
+          <p:style>
+            <a:lnRef idx="1">
+              <a:schemeClr val="accent1"/>
+            </a:lnRef>
+            <a:fillRef idx="0">
+              <a:schemeClr val="accent1"/>
+            </a:fillRef>
+            <a:effectRef idx="0">
+              <a:schemeClr val="accent1"/>
+            </a:effectRef>
+            <a:fontRef idx="minor">
+              <a:schemeClr val="tx1"/>
+            </a:fontRef>
+          </p:style>
+        </p:cxnSp>
+      </p:grpSp>
+      <p:cxnSp>
+        <p:nvCxnSpPr>
+          <p:cNvPr id="21" name="直線コネクタ 20">
+            <a:extLst>
+              <a:ext uri="{FF2B5EF4-FFF2-40B4-BE49-F238E27FC236}">
+                <a16:creationId xmlns:a16="http://schemas.microsoft.com/office/drawing/2014/main" id="{B65D768B-8280-4053-41B3-62CCAB297FC6}"/>
+              </a:ext>
+            </a:extLst>
+          </p:cNvPr>
+          <p:cNvCxnSpPr>
+            <a:cxnSpLocks/>
+            <a:stCxn id="18" idx="3"/>
+            <a:endCxn id="19" idx="1"/>
+          </p:cNvCxnSpPr>
+          <p:nvPr/>
+        </p:nvCxnSpPr>
+        <p:spPr>
+          <a:xfrm flipV="1">
+            <a:off x="2682088" y="3452966"/>
+            <a:ext cx="5247094" cy="15596"/>
+          </a:xfrm>
+          <a:prstGeom prst="line">
+            <a:avLst/>
+          </a:prstGeom>
+          <a:ln w="19050"/>
+        </p:spPr>
+        <p:style>
+          <a:lnRef idx="1">
+            <a:schemeClr val="accent3"/>
+          </a:lnRef>
+          <a:fillRef idx="0">
+            <a:schemeClr val="accent3"/>
+          </a:fillRef>
+          <a:effectRef idx="0">
+            <a:schemeClr val="accent3"/>
+          </a:effectRef>
+          <a:fontRef idx="minor">
+            <a:schemeClr val="tx1"/>
+          </a:fontRef>
+        </p:style>
+      </p:cxnSp>
+      <p:cxnSp>
+        <p:nvCxnSpPr>
+          <p:cNvPr id="23" name="直線矢印コネクタ 22">
+            <a:extLst>
+              <a:ext uri="{FF2B5EF4-FFF2-40B4-BE49-F238E27FC236}">
+                <a16:creationId xmlns:a16="http://schemas.microsoft.com/office/drawing/2014/main" id="{1D04B83B-525B-3C21-1899-654A86303FEE}"/>
+              </a:ext>
+            </a:extLst>
+          </p:cNvPr>
+          <p:cNvCxnSpPr>
+            <a:cxnSpLocks/>
+          </p:cNvCxnSpPr>
+          <p:nvPr/>
+        </p:nvCxnSpPr>
+        <p:spPr>
+          <a:xfrm>
+            <a:off x="3718614" y="2928558"/>
+            <a:ext cx="0" cy="1079999"/>
+          </a:xfrm>
+          <a:prstGeom prst="straightConnector1">
+            <a:avLst/>
+          </a:prstGeom>
+          <a:ln w="38100">
+            <a:solidFill>
+              <a:schemeClr val="tx2"/>
+            </a:solidFill>
+            <a:headEnd type="triangle" w="med" len="med"/>
+            <a:tailEnd type="triangle" w="med" len="med"/>
+          </a:ln>
+        </p:spPr>
+        <p:style>
+          <a:lnRef idx="1">
+            <a:schemeClr val="accent2"/>
+          </a:lnRef>
+          <a:fillRef idx="0">
+            <a:schemeClr val="accent2"/>
+          </a:fillRef>
+          <a:effectRef idx="0">
+            <a:schemeClr val="accent2"/>
+          </a:effectRef>
+          <a:fontRef idx="minor">
+            <a:schemeClr val="tx1"/>
+          </a:fontRef>
+        </p:style>
+      </p:cxnSp>
+      <p:grpSp>
+        <p:nvGrpSpPr>
+          <p:cNvPr id="24" name="グループ化 23">
+            <a:extLst>
+              <a:ext uri="{FF2B5EF4-FFF2-40B4-BE49-F238E27FC236}">
+                <a16:creationId xmlns:a16="http://schemas.microsoft.com/office/drawing/2014/main" id="{D9905437-E8C5-AE75-A9CE-642FA5116AFE}"/>
+              </a:ext>
+            </a:extLst>
+          </p:cNvPr>
+          <p:cNvGrpSpPr/>
+          <p:nvPr/>
+        </p:nvGrpSpPr>
+        <p:grpSpPr>
+          <a:xfrm rot="1800000">
+            <a:off x="6815338" y="2885313"/>
+            <a:ext cx="576221" cy="1166497"/>
+            <a:chOff x="3194892" y="1454226"/>
+            <a:chExt cx="451691" cy="914400"/>
+          </a:xfrm>
+        </p:grpSpPr>
+        <p:sp>
+          <p:nvSpPr>
+            <p:cNvPr id="27" name="楕円 26">
+              <a:extLst>
+                <a:ext uri="{FF2B5EF4-FFF2-40B4-BE49-F238E27FC236}">
+                  <a16:creationId xmlns:a16="http://schemas.microsoft.com/office/drawing/2014/main" id="{DE80BFDF-63F0-A15B-AB03-DA41B71BBF75}"/>
+                </a:ext>
+              </a:extLst>
+            </p:cNvPr>
+            <p:cNvSpPr/>
+            <p:nvPr/>
+          </p:nvSpPr>
+          <p:spPr>
+            <a:xfrm>
+              <a:off x="3194892" y="1454226"/>
+              <a:ext cx="451691" cy="914400"/>
+            </a:xfrm>
+            <a:prstGeom prst="ellipse">
+              <a:avLst/>
+            </a:prstGeom>
+            <a:noFill/>
+          </p:spPr>
+          <p:style>
+            <a:lnRef idx="2">
+              <a:schemeClr val="accent1">
+                <a:shade val="15000"/>
+              </a:schemeClr>
+            </a:lnRef>
+            <a:fillRef idx="1">
+              <a:schemeClr val="accent1"/>
+            </a:fillRef>
+            <a:effectRef idx="0">
+              <a:schemeClr val="accent1"/>
+            </a:effectRef>
+            <a:fontRef idx="minor">
+              <a:schemeClr val="lt1"/>
+            </a:fontRef>
+          </p:style>
+          <p:txBody>
+            <a:bodyPr rtlCol="0" anchor="ctr"/>
+            <a:lstStyle/>
+            <a:p>
+              <a:pPr algn="ctr"/>
+              <a:endParaRPr kumimoji="1" lang="ja-JP" altLang="en-US"/>
+            </a:p>
+          </p:txBody>
+        </p:sp>
+        <p:cxnSp>
+          <p:nvCxnSpPr>
+            <p:cNvPr id="28" name="直線コネクタ 27">
+              <a:extLst>
+                <a:ext uri="{FF2B5EF4-FFF2-40B4-BE49-F238E27FC236}">
+                  <a16:creationId xmlns:a16="http://schemas.microsoft.com/office/drawing/2014/main" id="{7CC1C5C7-C00A-2D46-EDFE-151421F7EB51}"/>
+                </a:ext>
+              </a:extLst>
+            </p:cNvPr>
+            <p:cNvCxnSpPr>
+              <a:cxnSpLocks/>
+              <a:stCxn id="27" idx="1"/>
+              <a:endCxn id="27" idx="3"/>
+            </p:cNvCxnSpPr>
+            <p:nvPr/>
+          </p:nvCxnSpPr>
+          <p:spPr>
+            <a:xfrm>
+              <a:off x="3261041" y="1588137"/>
+              <a:ext cx="0" cy="646578"/>
+            </a:xfrm>
+            <a:prstGeom prst="line">
+              <a:avLst/>
+            </a:prstGeom>
+            <a:ln w="19050"/>
+          </p:spPr>
+          <p:style>
+            <a:lnRef idx="1">
+              <a:schemeClr val="accent1"/>
+            </a:lnRef>
+            <a:fillRef idx="0">
+              <a:schemeClr val="accent1"/>
+            </a:fillRef>
+            <a:effectRef idx="0">
+              <a:schemeClr val="accent1"/>
+            </a:effectRef>
+            <a:fontRef idx="minor">
+              <a:schemeClr val="tx1"/>
+            </a:fontRef>
+          </p:style>
+        </p:cxnSp>
+        <p:cxnSp>
+          <p:nvCxnSpPr>
+            <p:cNvPr id="29" name="直線コネクタ 28">
+              <a:extLst>
+                <a:ext uri="{FF2B5EF4-FFF2-40B4-BE49-F238E27FC236}">
+                  <a16:creationId xmlns:a16="http://schemas.microsoft.com/office/drawing/2014/main" id="{53AC21E1-4CF6-DF5E-28D6-03841D49B8A1}"/>
+                </a:ext>
+              </a:extLst>
+            </p:cNvPr>
+            <p:cNvCxnSpPr>
+              <a:cxnSpLocks/>
+              <a:stCxn id="27" idx="0"/>
+              <a:endCxn id="27" idx="4"/>
+            </p:cNvCxnSpPr>
+            <p:nvPr/>
+          </p:nvCxnSpPr>
+          <p:spPr>
+            <a:xfrm>
+              <a:off x="3420738" y="1454226"/>
+              <a:ext cx="0" cy="914400"/>
+            </a:xfrm>
+            <a:prstGeom prst="line">
+              <a:avLst/>
+            </a:prstGeom>
+            <a:ln w="19050"/>
+          </p:spPr>
+          <p:style>
+            <a:lnRef idx="1">
+              <a:schemeClr val="accent1"/>
+            </a:lnRef>
+            <a:fillRef idx="0">
+              <a:schemeClr val="accent1"/>
+            </a:fillRef>
+            <a:effectRef idx="0">
+              <a:schemeClr val="accent1"/>
+            </a:effectRef>
+            <a:fontRef idx="minor">
+              <a:schemeClr val="tx1"/>
+            </a:fontRef>
+          </p:style>
+        </p:cxnSp>
+        <p:cxnSp>
+          <p:nvCxnSpPr>
+            <p:cNvPr id="30" name="直線コネクタ 29">
+              <a:extLst>
+                <a:ext uri="{FF2B5EF4-FFF2-40B4-BE49-F238E27FC236}">
+                  <a16:creationId xmlns:a16="http://schemas.microsoft.com/office/drawing/2014/main" id="{1C15AD5E-A99D-115D-3E93-6F5CE0FBEB20}"/>
+                </a:ext>
+              </a:extLst>
+            </p:cNvPr>
+            <p:cNvCxnSpPr>
+              <a:cxnSpLocks/>
+              <a:stCxn id="27" idx="7"/>
+              <a:endCxn id="27" idx="5"/>
+            </p:cNvCxnSpPr>
+            <p:nvPr/>
+          </p:nvCxnSpPr>
+          <p:spPr>
+            <a:xfrm>
+              <a:off x="3580434" y="1588137"/>
+              <a:ext cx="0" cy="646578"/>
+            </a:xfrm>
+            <a:prstGeom prst="line">
+              <a:avLst/>
+            </a:prstGeom>
+            <a:ln w="19050"/>
+          </p:spPr>
+          <p:style>
+            <a:lnRef idx="1">
+              <a:schemeClr val="accent1"/>
+            </a:lnRef>
+            <a:fillRef idx="0">
+              <a:schemeClr val="accent1"/>
+            </a:fillRef>
+            <a:effectRef idx="0">
+              <a:schemeClr val="accent1"/>
+            </a:effectRef>
+            <a:fontRef idx="minor">
+              <a:schemeClr val="tx1"/>
+            </a:fontRef>
+          </p:style>
+        </p:cxnSp>
+        <p:cxnSp>
+          <p:nvCxnSpPr>
+            <p:cNvPr id="31" name="直線コネクタ 30">
+              <a:extLst>
+                <a:ext uri="{FF2B5EF4-FFF2-40B4-BE49-F238E27FC236}">
+                  <a16:creationId xmlns:a16="http://schemas.microsoft.com/office/drawing/2014/main" id="{DE889DC9-8AFD-8AAF-7ADC-7D9C35BC2F09}"/>
+                </a:ext>
+              </a:extLst>
+            </p:cNvPr>
+            <p:cNvCxnSpPr>
+              <a:cxnSpLocks/>
+            </p:cNvCxnSpPr>
+            <p:nvPr/>
+          </p:nvCxnSpPr>
+          <p:spPr>
+            <a:xfrm>
+              <a:off x="3499472" y="1488124"/>
+              <a:ext cx="0" cy="864000"/>
+            </a:xfrm>
+            <a:prstGeom prst="line">
+              <a:avLst/>
+            </a:prstGeom>
+            <a:ln w="19050"/>
+          </p:spPr>
+          <p:style>
+            <a:lnRef idx="1">
+              <a:schemeClr val="accent1"/>
+            </a:lnRef>
+            <a:fillRef idx="0">
+              <a:schemeClr val="accent1"/>
+            </a:fillRef>
+            <a:effectRef idx="0">
+              <a:schemeClr val="accent1"/>
+            </a:effectRef>
+            <a:fontRef idx="minor">
+              <a:schemeClr val="tx1"/>
+            </a:fontRef>
+          </p:style>
+        </p:cxnSp>
+        <p:cxnSp>
+          <p:nvCxnSpPr>
+            <p:cNvPr id="32" name="直線コネクタ 31">
+              <a:extLst>
+                <a:ext uri="{FF2B5EF4-FFF2-40B4-BE49-F238E27FC236}">
+                  <a16:creationId xmlns:a16="http://schemas.microsoft.com/office/drawing/2014/main" id="{A6FFD5B4-7DBE-A7F4-7EC5-0B2870E462E4}"/>
+                </a:ext>
+              </a:extLst>
+            </p:cNvPr>
+            <p:cNvCxnSpPr>
+              <a:cxnSpLocks/>
+            </p:cNvCxnSpPr>
+            <p:nvPr/>
+          </p:nvCxnSpPr>
+          <p:spPr>
+            <a:xfrm>
+              <a:off x="3347073" y="1488124"/>
+              <a:ext cx="0" cy="864000"/>
+            </a:xfrm>
+            <a:prstGeom prst="line">
+              <a:avLst/>
+            </a:prstGeom>
+            <a:ln w="19050"/>
+          </p:spPr>
+          <p:style>
+            <a:lnRef idx="1">
+              <a:schemeClr val="accent1"/>
+            </a:lnRef>
+            <a:fillRef idx="0">
+              <a:schemeClr val="accent1"/>
+            </a:fillRef>
+            <a:effectRef idx="0">
+              <a:schemeClr val="accent1"/>
+            </a:effectRef>
+            <a:fontRef idx="minor">
+              <a:schemeClr val="tx1"/>
+            </a:fontRef>
+          </p:style>
+        </p:cxnSp>
+      </p:grpSp>
+      <p:cxnSp>
+        <p:nvCxnSpPr>
+          <p:cNvPr id="25" name="直線矢印コネクタ 24">
+            <a:extLst>
+              <a:ext uri="{FF2B5EF4-FFF2-40B4-BE49-F238E27FC236}">
+                <a16:creationId xmlns:a16="http://schemas.microsoft.com/office/drawing/2014/main" id="{D076D096-8282-5C44-F001-D2E8BB616EB3}"/>
+              </a:ext>
+            </a:extLst>
+          </p:cNvPr>
+          <p:cNvCxnSpPr>
+            <a:cxnSpLocks/>
+          </p:cNvCxnSpPr>
+          <p:nvPr/>
+        </p:nvCxnSpPr>
+        <p:spPr>
+          <a:xfrm rot="1800000">
+            <a:off x="6498775" y="2928558"/>
+            <a:ext cx="0" cy="1079999"/>
+          </a:xfrm>
+          <a:prstGeom prst="straightConnector1">
+            <a:avLst/>
+          </a:prstGeom>
+          <a:ln w="38100">
+            <a:solidFill>
+              <a:schemeClr val="tx2"/>
+            </a:solidFill>
+            <a:headEnd type="triangle" w="med" len="med"/>
+            <a:tailEnd type="triangle" w="med" len="med"/>
+          </a:ln>
+        </p:spPr>
+        <p:style>
+          <a:lnRef idx="1">
+            <a:schemeClr val="accent2"/>
+          </a:lnRef>
+          <a:fillRef idx="0">
+            <a:schemeClr val="accent2"/>
+          </a:fillRef>
+          <a:effectRef idx="0">
+            <a:schemeClr val="accent2"/>
+          </a:effectRef>
+          <a:fontRef idx="minor">
+            <a:schemeClr val="tx1"/>
+          </a:fontRef>
+        </p:style>
+      </p:cxnSp>
+      <p:grpSp>
+        <p:nvGrpSpPr>
+          <p:cNvPr id="7" name="グループ化 6">
+            <a:extLst>
+              <a:ext uri="{FF2B5EF4-FFF2-40B4-BE49-F238E27FC236}">
+                <a16:creationId xmlns:a16="http://schemas.microsoft.com/office/drawing/2014/main" id="{99B03B58-C7DF-7B62-E7C7-89A46E4553D3}"/>
+              </a:ext>
+            </a:extLst>
+          </p:cNvPr>
+          <p:cNvGrpSpPr/>
+          <p:nvPr/>
+        </p:nvGrpSpPr>
+        <p:grpSpPr>
+          <a:xfrm>
+            <a:off x="3683464" y="2207958"/>
+            <a:ext cx="2262158" cy="973468"/>
+            <a:chOff x="5389324" y="1694816"/>
+            <a:chExt cx="2262158" cy="973468"/>
+          </a:xfrm>
+        </p:grpSpPr>
+        <p:sp>
+          <p:nvSpPr>
+            <p:cNvPr id="15" name="テキスト ボックス 14">
+              <a:extLst>
+                <a:ext uri="{FF2B5EF4-FFF2-40B4-BE49-F238E27FC236}">
+                  <a16:creationId xmlns:a16="http://schemas.microsoft.com/office/drawing/2014/main" id="{33805070-8903-4FAC-8F80-3F0408754CB4}"/>
+                </a:ext>
+              </a:extLst>
+            </p:cNvPr>
+            <p:cNvSpPr txBox="1"/>
+            <p:nvPr/>
+          </p:nvSpPr>
+          <p:spPr>
+            <a:xfrm>
+              <a:off x="5389324" y="1694816"/>
+              <a:ext cx="2262158" cy="369332"/>
+            </a:xfrm>
+            <a:prstGeom prst="rect">
+              <a:avLst/>
+            </a:prstGeom>
+            <a:noFill/>
+          </p:spPr>
+          <p:txBody>
+            <a:bodyPr wrap="none" rtlCol="0">
+              <a:spAutoFit/>
+            </a:bodyPr>
+            <a:lstStyle/>
+            <a:p>
+              <a:r>
+                <a:rPr kumimoji="1" lang="ja-JP" altLang="en-US" dirty="0"/>
+                <a:t>磁化を持つ透明媒質</a:t>
+              </a:r>
+            </a:p>
+          </p:txBody>
+        </p:sp>
+        <p:cxnSp>
+          <p:nvCxnSpPr>
+            <p:cNvPr id="16" name="直線コネクタ 15">
+              <a:extLst>
+                <a:ext uri="{FF2B5EF4-FFF2-40B4-BE49-F238E27FC236}">
+                  <a16:creationId xmlns:a16="http://schemas.microsoft.com/office/drawing/2014/main" id="{62713874-E206-C7C4-078C-21AF82AC7572}"/>
+                </a:ext>
+              </a:extLst>
+            </p:cNvPr>
+            <p:cNvCxnSpPr>
+              <a:cxnSpLocks/>
+            </p:cNvCxnSpPr>
+            <p:nvPr/>
+          </p:nvCxnSpPr>
+          <p:spPr>
+            <a:xfrm>
+              <a:off x="6472535" y="2054388"/>
+              <a:ext cx="596377" cy="613896"/>
+            </a:xfrm>
+            <a:prstGeom prst="line">
+              <a:avLst/>
+            </a:prstGeom>
+          </p:spPr>
+          <p:style>
+            <a:lnRef idx="1">
+              <a:schemeClr val="accent1"/>
+            </a:lnRef>
+            <a:fillRef idx="0">
+              <a:schemeClr val="accent1"/>
+            </a:fillRef>
+            <a:effectRef idx="0">
+              <a:schemeClr val="accent1"/>
+            </a:effectRef>
+            <a:fontRef idx="minor">
+              <a:schemeClr val="tx1"/>
+            </a:fontRef>
+          </p:style>
+        </p:cxnSp>
+      </p:grpSp>
+      <p:sp>
+        <p:nvSpPr>
+          <p:cNvPr id="9" name="円弧 8">
+            <a:extLst>
+              <a:ext uri="{FF2B5EF4-FFF2-40B4-BE49-F238E27FC236}">
+                <a16:creationId xmlns:a16="http://schemas.microsoft.com/office/drawing/2014/main" id="{45D21469-35AA-C9EF-2BBD-E06850FD7814}"/>
+              </a:ext>
+            </a:extLst>
+          </p:cNvPr>
+          <p:cNvSpPr/>
+          <p:nvPr/>
+        </p:nvSpPr>
+        <p:spPr>
+          <a:xfrm>
+            <a:off x="5450956" y="2567530"/>
+            <a:ext cx="2079524" cy="1721962"/>
+          </a:xfrm>
+          <a:prstGeom prst="arc">
+            <a:avLst>
+              <a:gd name="adj1" fmla="val 16200000"/>
+              <a:gd name="adj2" fmla="val 18149082"/>
+            </a:avLst>
+          </a:prstGeom>
+        </p:spPr>
+        <p:style>
+          <a:lnRef idx="1">
+            <a:schemeClr val="accent1"/>
+          </a:lnRef>
+          <a:fillRef idx="0">
+            <a:schemeClr val="accent1"/>
+          </a:fillRef>
+          <a:effectRef idx="0">
+            <a:schemeClr val="accent1"/>
+          </a:effectRef>
+          <a:fontRef idx="minor">
+            <a:schemeClr val="tx1"/>
+          </a:fontRef>
+        </p:style>
+        <p:txBody>
+          <a:bodyPr rtlCol="0" anchor="ctr"/>
+          <a:lstStyle/>
+          <a:p>
+            <a:pPr algn="ctr"/>
+            <a:endParaRPr kumimoji="1" lang="ja-JP" altLang="en-US"/>
+          </a:p>
+        </p:txBody>
+      </p:sp>
+      <p:cxnSp>
+        <p:nvCxnSpPr>
+          <p:cNvPr id="10" name="直線コネクタ 9">
+            <a:extLst>
+              <a:ext uri="{FF2B5EF4-FFF2-40B4-BE49-F238E27FC236}">
+                <a16:creationId xmlns:a16="http://schemas.microsoft.com/office/drawing/2014/main" id="{8C1933CB-CA95-E2A2-80CE-482B25D21701}"/>
+              </a:ext>
+            </a:extLst>
+          </p:cNvPr>
+          <p:cNvCxnSpPr>
+            <a:cxnSpLocks/>
+          </p:cNvCxnSpPr>
+          <p:nvPr/>
+        </p:nvCxnSpPr>
+        <p:spPr>
+          <a:xfrm rot="1800000">
+            <a:off x="6779953" y="2446618"/>
+            <a:ext cx="0" cy="1080000"/>
+          </a:xfrm>
+          <a:prstGeom prst="line">
+            <a:avLst/>
+          </a:prstGeom>
+          <a:ln w="12700">
+            <a:prstDash val="dash"/>
+          </a:ln>
+        </p:spPr>
+        <p:style>
+          <a:lnRef idx="1">
+            <a:schemeClr val="accent1"/>
+          </a:lnRef>
+          <a:fillRef idx="0">
+            <a:schemeClr val="accent1"/>
+          </a:fillRef>
+          <a:effectRef idx="0">
+            <a:schemeClr val="accent1"/>
+          </a:effectRef>
+          <a:fontRef idx="minor">
+            <a:schemeClr val="tx1"/>
+          </a:fontRef>
+        </p:style>
+      </p:cxnSp>
+      <mc:AlternateContent xmlns:mc="http://schemas.openxmlformats.org/markup-compatibility/2006">
+        <mc:Choice xmlns:a14="http://schemas.microsoft.com/office/drawing/2010/main" Requires="a14">
+          <p:sp>
+            <p:nvSpPr>
+              <p:cNvPr id="11" name="テキスト ボックス 10">
+                <a:extLst>
+                  <a:ext uri="{FF2B5EF4-FFF2-40B4-BE49-F238E27FC236}">
+                    <a16:creationId xmlns:a16="http://schemas.microsoft.com/office/drawing/2014/main" id="{EEFE10AA-A478-C5F1-EEC3-E2D539DB40F5}"/>
+                  </a:ext>
+                </a:extLst>
+              </p:cNvPr>
+              <p:cNvSpPr txBox="1"/>
+              <p:nvPr/>
+            </p:nvSpPr>
+            <p:spPr>
+              <a:xfrm>
+                <a:off x="6068787" y="1966928"/>
+                <a:ext cx="1493101" cy="369332"/>
+              </a:xfrm>
+              <a:prstGeom prst="rect">
+                <a:avLst/>
+              </a:prstGeom>
+              <a:noFill/>
+            </p:spPr>
+            <p:txBody>
+              <a:bodyPr wrap="none" rtlCol="0">
+                <a:spAutoFit/>
+              </a:bodyPr>
+              <a:lstStyle/>
+              <a:p>
+                <a:pPr/>
+                <a14:m>
+                  <m:oMathPara xmlns:m="http://schemas.openxmlformats.org/officeDocument/2006/math">
+                    <m:oMathParaPr>
+                      <m:jc m:val="centerGroup"/>
+                    </m:oMathParaPr>
+                    <m:oMath xmlns:m="http://schemas.openxmlformats.org/officeDocument/2006/math">
+                      <m:r>
+                        <a:rPr kumimoji="1" lang="en-US" altLang="ja-JP" b="0" i="1" dirty="0" smtClean="0">
+                          <a:latin typeface="Cambria Math" panose="02040503050406030204" pitchFamily="18" charset="0"/>
+                        </a:rPr>
+                        <m:t>𝜃</m:t>
+                      </m:r>
+                      <m:d>
+                        <m:dPr>
+                          <m:ctrlPr>
+                            <a:rPr kumimoji="1" lang="en-US" altLang="ja-JP" b="0" i="1" dirty="0" smtClean="0">
+                              <a:latin typeface="Cambria Math" panose="02040503050406030204" pitchFamily="18" charset="0"/>
+                            </a:rPr>
+                          </m:ctrlPr>
+                        </m:dPr>
+                        <m:e>
+                          <m:r>
+                            <a:rPr kumimoji="1" lang="en-US" altLang="ja-JP" b="0" i="1" dirty="0" smtClean="0">
+                              <a:latin typeface="Cambria Math" panose="02040503050406030204" pitchFamily="18" charset="0"/>
+                            </a:rPr>
+                            <m:t>𝑀</m:t>
+                          </m:r>
+                        </m:e>
+                      </m:d>
+                      <m:r>
+                        <a:rPr kumimoji="1" lang="en-US" altLang="ja-JP" b="0" i="1" dirty="0" smtClean="0">
+                          <a:latin typeface="Cambria Math" panose="02040503050406030204" pitchFamily="18" charset="0"/>
+                        </a:rPr>
+                        <m:t>=45°</m:t>
+                      </m:r>
+                      <m:r>
+                        <a:rPr kumimoji="1" lang="ja-JP" altLang="en-US" i="1" dirty="0">
+                          <a:latin typeface="Cambria Math" panose="02040503050406030204" pitchFamily="18" charset="0"/>
+                        </a:rPr>
+                        <m:t> </m:t>
+                      </m:r>
+                    </m:oMath>
+                  </m:oMathPara>
+                </a14:m>
+                <a:endParaRPr kumimoji="1" lang="ja-JP" altLang="en-US" dirty="0"/>
+              </a:p>
+            </p:txBody>
+          </p:sp>
+        </mc:Choice>
+        <mc:Fallback>
+          <p:sp>
+            <p:nvSpPr>
+              <p:cNvPr id="11" name="テキスト ボックス 10">
+                <a:extLst>
+                  <a:ext uri="{FF2B5EF4-FFF2-40B4-BE49-F238E27FC236}">
+                    <a16:creationId xmlns:a16="http://schemas.microsoft.com/office/drawing/2014/main" id="{EEFE10AA-A478-C5F1-EEC3-E2D539DB40F5}"/>
+                  </a:ext>
+                </a:extLst>
+              </p:cNvPr>
+              <p:cNvSpPr txBox="1">
+                <a:spLocks noRot="1" noChangeAspect="1" noMove="1" noResize="1" noEditPoints="1" noAdjustHandles="1" noChangeArrowheads="1" noChangeShapeType="1" noTextEdit="1"/>
+              </p:cNvSpPr>
+              <p:nvPr/>
+            </p:nvSpPr>
+            <p:spPr>
+              <a:xfrm>
+                <a:off x="6068787" y="1966928"/>
+                <a:ext cx="1493101" cy="369332"/>
+              </a:xfrm>
+              <a:prstGeom prst="rect">
+                <a:avLst/>
+              </a:prstGeom>
+              <a:blipFill>
+                <a:blip r:embed="rId2"/>
+                <a:stretch>
+                  <a:fillRect/>
+                </a:stretch>
+              </a:blipFill>
+            </p:spPr>
+            <p:txBody>
+              <a:bodyPr/>
+              <a:lstStyle/>
+              <a:p>
+                <a:r>
+                  <a:rPr lang="ja-JP" altLang="en-US">
+                    <a:noFill/>
+                  </a:rPr>
+                  <a:t> </a:t>
+                </a:r>
+              </a:p>
+            </p:txBody>
+          </p:sp>
+        </mc:Fallback>
+      </mc:AlternateContent>
+      <p:cxnSp>
+        <p:nvCxnSpPr>
+          <p:cNvPr id="49" name="直線矢印コネクタ 48">
+            <a:extLst>
+              <a:ext uri="{FF2B5EF4-FFF2-40B4-BE49-F238E27FC236}">
+                <a16:creationId xmlns:a16="http://schemas.microsoft.com/office/drawing/2014/main" id="{38DCF836-CE99-61CB-7AEB-FEBC3AB73B29}"/>
+              </a:ext>
+            </a:extLst>
+          </p:cNvPr>
+          <p:cNvCxnSpPr>
+            <a:cxnSpLocks/>
+          </p:cNvCxnSpPr>
+          <p:nvPr/>
+        </p:nvCxnSpPr>
+        <p:spPr>
+          <a:xfrm rot="3600000" flipH="1">
+            <a:off x="3546806" y="4418285"/>
+            <a:ext cx="246742" cy="427372"/>
+          </a:xfrm>
+          <a:prstGeom prst="straightConnector1">
+            <a:avLst/>
+          </a:prstGeom>
+          <a:ln w="38100">
+            <a:solidFill>
+              <a:schemeClr val="tx2"/>
+            </a:solidFill>
+            <a:headEnd type="triangle" w="med" len="med"/>
+            <a:tailEnd type="triangle" w="med" len="med"/>
+          </a:ln>
+        </p:spPr>
+        <p:style>
+          <a:lnRef idx="1">
+            <a:schemeClr val="accent2"/>
+          </a:lnRef>
+          <a:fillRef idx="0">
+            <a:schemeClr val="accent2"/>
+          </a:fillRef>
+          <a:effectRef idx="0">
+            <a:schemeClr val="accent2"/>
+          </a:effectRef>
+          <a:fontRef idx="minor">
+            <a:schemeClr val="tx1"/>
+          </a:fontRef>
+        </p:style>
+      </p:cxnSp>
+      <p:sp>
+        <p:nvSpPr>
+          <p:cNvPr id="50" name="テキスト ボックス 49">
+            <a:extLst>
+              <a:ext uri="{FF2B5EF4-FFF2-40B4-BE49-F238E27FC236}">
+                <a16:creationId xmlns:a16="http://schemas.microsoft.com/office/drawing/2014/main" id="{35E5652D-A506-F2D6-A47A-5A452711D8AF}"/>
+              </a:ext>
+            </a:extLst>
+          </p:cNvPr>
+          <p:cNvSpPr txBox="1"/>
+          <p:nvPr/>
+        </p:nvSpPr>
+        <p:spPr>
+          <a:xfrm>
+            <a:off x="5370919" y="4956194"/>
+            <a:ext cx="2031325" cy="369332"/>
+          </a:xfrm>
+          <a:prstGeom prst="rect">
+            <a:avLst/>
+          </a:prstGeom>
+          <a:noFill/>
+        </p:spPr>
+        <p:txBody>
+          <a:bodyPr wrap="none" rtlCol="0">
+            <a:spAutoFit/>
+          </a:bodyPr>
+          <a:lstStyle/>
+          <a:p>
+            <a:r>
+              <a:rPr kumimoji="1" lang="ja-JP" altLang="en-US" dirty="0"/>
+              <a:t>回路からの反射光</a:t>
+            </a:r>
+          </a:p>
+        </p:txBody>
+      </p:sp>
+      <p:cxnSp>
+        <p:nvCxnSpPr>
+          <p:cNvPr id="52" name="直線矢印コネクタ 51">
+            <a:extLst>
+              <a:ext uri="{FF2B5EF4-FFF2-40B4-BE49-F238E27FC236}">
+                <a16:creationId xmlns:a16="http://schemas.microsoft.com/office/drawing/2014/main" id="{986B2566-3D64-86B4-5216-D9C4FC949DBC}"/>
+              </a:ext>
+            </a:extLst>
+          </p:cNvPr>
+          <p:cNvCxnSpPr>
+            <a:cxnSpLocks/>
+          </p:cNvCxnSpPr>
+          <p:nvPr/>
+        </p:nvCxnSpPr>
+        <p:spPr>
+          <a:xfrm flipH="1">
+            <a:off x="6675663" y="4629292"/>
+            <a:ext cx="1937841" cy="0"/>
+          </a:xfrm>
+          <a:prstGeom prst="straightConnector1">
+            <a:avLst/>
+          </a:prstGeom>
+          <a:ln w="28575">
+            <a:solidFill>
+              <a:schemeClr val="accent3"/>
+            </a:solidFill>
+            <a:tailEnd type="triangle"/>
+          </a:ln>
+        </p:spPr>
+        <p:style>
+          <a:lnRef idx="1">
+            <a:schemeClr val="accent1"/>
+          </a:lnRef>
+          <a:fillRef idx="0">
+            <a:schemeClr val="accent1"/>
+          </a:fillRef>
+          <a:effectRef idx="0">
+            <a:schemeClr val="accent1"/>
+          </a:effectRef>
+          <a:fontRef idx="minor">
+            <a:schemeClr val="tx1"/>
+          </a:fontRef>
+        </p:style>
+      </p:cxnSp>
+      <p:cxnSp>
+        <p:nvCxnSpPr>
+          <p:cNvPr id="53" name="直線矢印コネクタ 52">
+            <a:extLst>
+              <a:ext uri="{FF2B5EF4-FFF2-40B4-BE49-F238E27FC236}">
+                <a16:creationId xmlns:a16="http://schemas.microsoft.com/office/drawing/2014/main" id="{4D12A78C-71CE-433A-2B02-CF9E7F50DD75}"/>
+              </a:ext>
+            </a:extLst>
+          </p:cNvPr>
+          <p:cNvCxnSpPr>
+            <a:cxnSpLocks/>
+          </p:cNvCxnSpPr>
+          <p:nvPr/>
+        </p:nvCxnSpPr>
+        <p:spPr>
+          <a:xfrm flipH="1">
+            <a:off x="6263211" y="4418284"/>
+            <a:ext cx="246742" cy="427372"/>
+          </a:xfrm>
+          <a:prstGeom prst="straightConnector1">
+            <a:avLst/>
+          </a:prstGeom>
+          <a:ln w="38100">
+            <a:solidFill>
+              <a:schemeClr val="tx2"/>
+            </a:solidFill>
+            <a:headEnd type="triangle" w="med" len="med"/>
+            <a:tailEnd type="triangle" w="med" len="med"/>
+          </a:ln>
+        </p:spPr>
+        <p:style>
+          <a:lnRef idx="1">
+            <a:schemeClr val="accent2"/>
+          </a:lnRef>
+          <a:fillRef idx="0">
+            <a:schemeClr val="accent2"/>
+          </a:fillRef>
+          <a:effectRef idx="0">
+            <a:schemeClr val="accent2"/>
+          </a:effectRef>
+          <a:fontRef idx="minor">
+            <a:schemeClr val="tx1"/>
+          </a:fontRef>
+        </p:style>
+      </p:cxnSp>
+      <p:grpSp>
+        <p:nvGrpSpPr>
+          <p:cNvPr id="61" name="グループ化 60">
+            <a:extLst>
+              <a:ext uri="{FF2B5EF4-FFF2-40B4-BE49-F238E27FC236}">
+                <a16:creationId xmlns:a16="http://schemas.microsoft.com/office/drawing/2014/main" id="{7B2127B7-B2D1-B405-592F-D4875D4C038C}"/>
+              </a:ext>
+            </a:extLst>
+          </p:cNvPr>
+          <p:cNvGrpSpPr/>
+          <p:nvPr/>
+        </p:nvGrpSpPr>
+        <p:grpSpPr>
+          <a:xfrm>
+            <a:off x="8749665" y="4418284"/>
+            <a:ext cx="427372" cy="427372"/>
+            <a:chOff x="8668208" y="4765557"/>
+            <a:chExt cx="427372" cy="427372"/>
+          </a:xfrm>
+        </p:grpSpPr>
+        <p:cxnSp>
+          <p:nvCxnSpPr>
+            <p:cNvPr id="56" name="直線矢印コネクタ 55">
+              <a:extLst>
+                <a:ext uri="{FF2B5EF4-FFF2-40B4-BE49-F238E27FC236}">
+                  <a16:creationId xmlns:a16="http://schemas.microsoft.com/office/drawing/2014/main" id="{489A1847-9B68-2A85-33F1-FE46EA3CE139}"/>
+                </a:ext>
+              </a:extLst>
+            </p:cNvPr>
+            <p:cNvCxnSpPr>
+              <a:cxnSpLocks/>
+            </p:cNvCxnSpPr>
+            <p:nvPr/>
+          </p:nvCxnSpPr>
+          <p:spPr>
+            <a:xfrm flipH="1">
+              <a:off x="8758523" y="4765557"/>
+              <a:ext cx="246742" cy="427372"/>
+            </a:xfrm>
+            <a:prstGeom prst="straightConnector1">
+              <a:avLst/>
+            </a:prstGeom>
+            <a:ln w="38100">
+              <a:solidFill>
+                <a:schemeClr val="tx2"/>
+              </a:solidFill>
+              <a:headEnd type="triangle" w="med" len="med"/>
+              <a:tailEnd type="triangle" w="med" len="med"/>
+            </a:ln>
+          </p:spPr>
+          <p:style>
+            <a:lnRef idx="1">
+              <a:schemeClr val="accent2"/>
+            </a:lnRef>
+            <a:fillRef idx="0">
+              <a:schemeClr val="accent2"/>
+            </a:fillRef>
+            <a:effectRef idx="0">
+              <a:schemeClr val="accent2"/>
+            </a:effectRef>
+            <a:fontRef idx="minor">
+              <a:schemeClr val="tx1"/>
+            </a:fontRef>
+          </p:style>
+        </p:cxnSp>
+        <p:cxnSp>
+          <p:nvCxnSpPr>
+            <p:cNvPr id="58" name="直線矢印コネクタ 57">
+              <a:extLst>
+                <a:ext uri="{FF2B5EF4-FFF2-40B4-BE49-F238E27FC236}">
+                  <a16:creationId xmlns:a16="http://schemas.microsoft.com/office/drawing/2014/main" id="{784DA7C1-34B1-BC52-7101-6E65DC2DE8E2}"/>
+                </a:ext>
+              </a:extLst>
+            </p:cNvPr>
+            <p:cNvCxnSpPr>
+              <a:cxnSpLocks/>
+            </p:cNvCxnSpPr>
+            <p:nvPr/>
+          </p:nvCxnSpPr>
+          <p:spPr>
+            <a:xfrm flipH="1" flipV="1">
+              <a:off x="8758523" y="4765557"/>
+              <a:ext cx="246742" cy="427372"/>
+            </a:xfrm>
+            <a:prstGeom prst="straightConnector1">
+              <a:avLst/>
+            </a:prstGeom>
+            <a:ln w="38100">
+              <a:solidFill>
+                <a:schemeClr val="tx2"/>
+              </a:solidFill>
+              <a:headEnd type="triangle" w="med" len="med"/>
+              <a:tailEnd type="triangle" w="med" len="med"/>
+            </a:ln>
+          </p:spPr>
+          <p:style>
+            <a:lnRef idx="1">
+              <a:schemeClr val="accent2"/>
+            </a:lnRef>
+            <a:fillRef idx="0">
+              <a:schemeClr val="accent2"/>
+            </a:fillRef>
+            <a:effectRef idx="0">
+              <a:schemeClr val="accent2"/>
+            </a:effectRef>
+            <a:fontRef idx="minor">
+              <a:schemeClr val="tx1"/>
+            </a:fontRef>
+          </p:style>
+        </p:cxnSp>
+        <p:cxnSp>
+          <p:nvCxnSpPr>
+            <p:cNvPr id="60" name="直線矢印コネクタ 59">
+              <a:extLst>
+                <a:ext uri="{FF2B5EF4-FFF2-40B4-BE49-F238E27FC236}">
+                  <a16:creationId xmlns:a16="http://schemas.microsoft.com/office/drawing/2014/main" id="{4452D2F0-8D5D-721F-0FCC-580BE78FC6FD}"/>
+                </a:ext>
+              </a:extLst>
+            </p:cNvPr>
+            <p:cNvCxnSpPr>
+              <a:cxnSpLocks/>
+            </p:cNvCxnSpPr>
+            <p:nvPr/>
+          </p:nvCxnSpPr>
+          <p:spPr>
+            <a:xfrm rot="3600000" flipH="1">
+              <a:off x="8758523" y="4765558"/>
+              <a:ext cx="246742" cy="427372"/>
+            </a:xfrm>
+            <a:prstGeom prst="straightConnector1">
+              <a:avLst/>
+            </a:prstGeom>
+            <a:ln w="38100">
+              <a:solidFill>
+                <a:schemeClr val="tx2"/>
+              </a:solidFill>
+              <a:headEnd type="triangle" w="med" len="med"/>
+              <a:tailEnd type="triangle" w="med" len="med"/>
+            </a:ln>
+          </p:spPr>
+          <p:style>
+            <a:lnRef idx="1">
+              <a:schemeClr val="accent2"/>
+            </a:lnRef>
+            <a:fillRef idx="0">
+              <a:schemeClr val="accent2"/>
+            </a:fillRef>
+            <a:effectRef idx="0">
+              <a:schemeClr val="accent2"/>
+            </a:effectRef>
+            <a:fontRef idx="minor">
+              <a:schemeClr val="tx1"/>
+            </a:fontRef>
+          </p:style>
+        </p:cxnSp>
+      </p:grpSp>
+      <p:cxnSp>
+        <p:nvCxnSpPr>
+          <p:cNvPr id="63" name="直線矢印コネクタ 62">
+            <a:extLst>
+              <a:ext uri="{FF2B5EF4-FFF2-40B4-BE49-F238E27FC236}">
+                <a16:creationId xmlns:a16="http://schemas.microsoft.com/office/drawing/2014/main" id="{B7BCDBBF-FC81-91C6-7412-C79112656B57}"/>
+              </a:ext>
+            </a:extLst>
+          </p:cNvPr>
+          <p:cNvCxnSpPr>
+            <a:cxnSpLocks/>
+          </p:cNvCxnSpPr>
+          <p:nvPr/>
+        </p:nvCxnSpPr>
+        <p:spPr>
+          <a:xfrm flipH="1">
+            <a:off x="4147172" y="4629292"/>
+            <a:ext cx="1937841" cy="0"/>
+          </a:xfrm>
+          <a:prstGeom prst="straightConnector1">
+            <a:avLst/>
+          </a:prstGeom>
+          <a:ln w="28575">
+            <a:solidFill>
+              <a:schemeClr val="accent3"/>
+            </a:solidFill>
+            <a:tailEnd type="triangle"/>
+          </a:ln>
+        </p:spPr>
+        <p:style>
+          <a:lnRef idx="1">
+            <a:schemeClr val="accent1"/>
+          </a:lnRef>
+          <a:fillRef idx="0">
+            <a:schemeClr val="accent1"/>
+          </a:fillRef>
+          <a:effectRef idx="0">
+            <a:schemeClr val="accent1"/>
+          </a:effectRef>
+          <a:fontRef idx="minor">
+            <a:schemeClr val="tx1"/>
+          </a:fontRef>
+        </p:style>
+      </p:cxnSp>
+    </p:spTree>
+    <p:extLst>
+      <p:ext uri="{BB962C8B-B14F-4D97-AF65-F5344CB8AC3E}">
+        <p14:creationId xmlns:p14="http://schemas.microsoft.com/office/powerpoint/2010/main" val="3129366957"/>
       </p:ext>
     </p:extLst>
   </p:cSld>
